--- a/Retrospective/Sprint 1 - Retrospective.pptx
+++ b/Retrospective/Sprint 1 - Retrospective.pptx
@@ -185,7 +185,7 @@
           <a:noFill/>
           <a:extLst>
             <a:ext uri="{909E8E84-426E-40dd-AFC4-6F175D3DCCD1}">
-              <a14:hiddenFill xmlns="" xmlns:a14="http://schemas.microsoft.com/office/drawing/2010/main">
+              <a14:hiddenFill xmlns:a14="http://schemas.microsoft.com/office/drawing/2010/main" xmlns="">
                 <a:solidFill>
                   <a:srgbClr val="FFFFFF"/>
                 </a:solidFill>
@@ -244,7 +244,7 @@
             </a:ln>
             <a:extLst>
               <a:ext uri="{91240B29-F687-4f45-9708-019B960494DF}">
-                <a14:hiddenLine xmlns="" xmlns:a14="http://schemas.microsoft.com/office/drawing/2010/main" w="9525">
+                <a14:hiddenLine xmlns:a14="http://schemas.microsoft.com/office/drawing/2010/main" xmlns="" w="9525">
                   <a:solidFill>
                     <a:srgbClr val="000000"/>
                   </a:solidFill>
@@ -334,7 +334,7 @@
             </a:ln>
             <a:extLst>
               <a:ext uri="{91240B29-F687-4f45-9708-019B960494DF}">
-                <a14:hiddenLine xmlns="" xmlns:a14="http://schemas.microsoft.com/office/drawing/2010/main" w="9525">
+                <a14:hiddenLine xmlns:a14="http://schemas.microsoft.com/office/drawing/2010/main" xmlns="" w="9525">
                   <a:solidFill>
                     <a:srgbClr val="000000"/>
                   </a:solidFill>
@@ -424,7 +424,7 @@
             </a:ln>
             <a:extLst>
               <a:ext uri="{91240B29-F687-4f45-9708-019B960494DF}">
-                <a14:hiddenLine xmlns="" xmlns:a14="http://schemas.microsoft.com/office/drawing/2010/main" w="9525">
+                <a14:hiddenLine xmlns:a14="http://schemas.microsoft.com/office/drawing/2010/main" xmlns="" w="9525">
                   <a:solidFill>
                     <a:srgbClr val="000000"/>
                   </a:solidFill>
@@ -458,7 +458,7 @@
             </a:ln>
             <a:extLst>
               <a:ext uri="{91240B29-F687-4f45-9708-019B960494DF}">
-                <a14:hiddenLine xmlns="" xmlns:a14="http://schemas.microsoft.com/office/drawing/2010/main" w="9525">
+                <a14:hiddenLine xmlns:a14="http://schemas.microsoft.com/office/drawing/2010/main" xmlns="" w="9525">
                   <a:solidFill>
                     <a:srgbClr val="000000"/>
                   </a:solidFill>
@@ -548,7 +548,7 @@
             </a:ln>
             <a:extLst>
               <a:ext uri="{91240B29-F687-4f45-9708-019B960494DF}">
-                <a14:hiddenLine xmlns="" xmlns:a14="http://schemas.microsoft.com/office/drawing/2010/main" w="9525">
+                <a14:hiddenLine xmlns:a14="http://schemas.microsoft.com/office/drawing/2010/main" xmlns="" w="9525">
                   <a:solidFill>
                     <a:srgbClr val="000000"/>
                   </a:solidFill>
@@ -610,7 +610,7 @@
             </a:ln>
             <a:extLst>
               <a:ext uri="{91240B29-F687-4f45-9708-019B960494DF}">
-                <a14:hiddenLine xmlns="" xmlns:a14="http://schemas.microsoft.com/office/drawing/2010/main" w="9525">
+                <a14:hiddenLine xmlns:a14="http://schemas.microsoft.com/office/drawing/2010/main" xmlns="" w="9525">
                   <a:solidFill>
                     <a:srgbClr val="000000"/>
                   </a:solidFill>
@@ -672,7 +672,7 @@
             </a:ln>
             <a:extLst>
               <a:ext uri="{91240B29-F687-4f45-9708-019B960494DF}">
-                <a14:hiddenLine xmlns="" xmlns:a14="http://schemas.microsoft.com/office/drawing/2010/main" w="9525">
+                <a14:hiddenLine xmlns:a14="http://schemas.microsoft.com/office/drawing/2010/main" xmlns="" w="9525">
                   <a:solidFill>
                     <a:srgbClr val="000000"/>
                   </a:solidFill>
@@ -762,7 +762,7 @@
             </a:ln>
             <a:extLst>
               <a:ext uri="{91240B29-F687-4f45-9708-019B960494DF}">
-                <a14:hiddenLine xmlns="" xmlns:a14="http://schemas.microsoft.com/office/drawing/2010/main" w="9525">
+                <a14:hiddenLine xmlns:a14="http://schemas.microsoft.com/office/drawing/2010/main" xmlns="" w="9525">
                   <a:solidFill>
                     <a:srgbClr val="000000"/>
                   </a:solidFill>
@@ -824,7 +824,7 @@
             </a:ln>
             <a:extLst>
               <a:ext uri="{91240B29-F687-4f45-9708-019B960494DF}">
-                <a14:hiddenLine xmlns="" xmlns:a14="http://schemas.microsoft.com/office/drawing/2010/main" w="9525">
+                <a14:hiddenLine xmlns:a14="http://schemas.microsoft.com/office/drawing/2010/main" xmlns="" w="9525">
                   <a:solidFill>
                     <a:srgbClr val="000000"/>
                   </a:solidFill>
@@ -886,7 +886,7 @@
             </a:ln>
             <a:extLst>
               <a:ext uri="{91240B29-F687-4f45-9708-019B960494DF}">
-                <a14:hiddenLine xmlns="" xmlns:a14="http://schemas.microsoft.com/office/drawing/2010/main" w="9525">
+                <a14:hiddenLine xmlns:a14="http://schemas.microsoft.com/office/drawing/2010/main" xmlns="" w="9525">
                   <a:solidFill>
                     <a:srgbClr val="000000"/>
                   </a:solidFill>
@@ -976,7 +976,7 @@
             </a:ln>
             <a:extLst>
               <a:ext uri="{91240B29-F687-4f45-9708-019B960494DF}">
-                <a14:hiddenLine xmlns="" xmlns:a14="http://schemas.microsoft.com/office/drawing/2010/main" w="9525">
+                <a14:hiddenLine xmlns:a14="http://schemas.microsoft.com/office/drawing/2010/main" xmlns="" w="9525">
                   <a:solidFill>
                     <a:srgbClr val="000000"/>
                   </a:solidFill>
@@ -1066,7 +1066,7 @@
             </a:ln>
             <a:extLst>
               <a:ext uri="{91240B29-F687-4f45-9708-019B960494DF}">
-                <a14:hiddenLine xmlns="" xmlns:a14="http://schemas.microsoft.com/office/drawing/2010/main" w="9525">
+                <a14:hiddenLine xmlns:a14="http://schemas.microsoft.com/office/drawing/2010/main" xmlns="" w="9525">
                   <a:solidFill>
                     <a:srgbClr val="000000"/>
                   </a:solidFill>
@@ -1128,7 +1128,7 @@
             </a:ln>
             <a:extLst>
               <a:ext uri="{91240B29-F687-4f45-9708-019B960494DF}">
-                <a14:hiddenLine xmlns="" xmlns:a14="http://schemas.microsoft.com/office/drawing/2010/main" w="9525">
+                <a14:hiddenLine xmlns:a14="http://schemas.microsoft.com/office/drawing/2010/main" xmlns="" w="9525">
                   <a:solidFill>
                     <a:srgbClr val="000000"/>
                   </a:solidFill>
@@ -1238,7 +1238,7 @@
             </a:ln>
             <a:extLst>
               <a:ext uri="{91240B29-F687-4f45-9708-019B960494DF}">
-                <a14:hiddenLine xmlns="" xmlns:a14="http://schemas.microsoft.com/office/drawing/2010/main" w="9525">
+                <a14:hiddenLine xmlns:a14="http://schemas.microsoft.com/office/drawing/2010/main" xmlns="" w="9525">
                   <a:solidFill>
                     <a:srgbClr val="000000"/>
                   </a:solidFill>
@@ -1300,7 +1300,7 @@
             </a:ln>
             <a:extLst>
               <a:ext uri="{91240B29-F687-4f45-9708-019B960494DF}">
-                <a14:hiddenLine xmlns="" xmlns:a14="http://schemas.microsoft.com/office/drawing/2010/main" w="9525">
+                <a14:hiddenLine xmlns:a14="http://schemas.microsoft.com/office/drawing/2010/main" xmlns="" w="9525">
                   <a:solidFill>
                     <a:srgbClr val="000000"/>
                   </a:solidFill>
@@ -1390,7 +1390,7 @@
             </a:ln>
             <a:extLst>
               <a:ext uri="{91240B29-F687-4f45-9708-019B960494DF}">
-                <a14:hiddenLine xmlns="" xmlns:a14="http://schemas.microsoft.com/office/drawing/2010/main" w="9525">
+                <a14:hiddenLine xmlns:a14="http://schemas.microsoft.com/office/drawing/2010/main" xmlns="" w="9525">
                   <a:solidFill>
                     <a:srgbClr val="000000"/>
                   </a:solidFill>
@@ -1480,7 +1480,7 @@
             </a:ln>
             <a:extLst>
               <a:ext uri="{91240B29-F687-4f45-9708-019B960494DF}">
-                <a14:hiddenLine xmlns="" xmlns:a14="http://schemas.microsoft.com/office/drawing/2010/main" w="9525">
+                <a14:hiddenLine xmlns:a14="http://schemas.microsoft.com/office/drawing/2010/main" xmlns="" w="9525">
                   <a:solidFill>
                     <a:srgbClr val="000000"/>
                   </a:solidFill>
@@ -1542,7 +1542,7 @@
             </a:ln>
             <a:extLst>
               <a:ext uri="{91240B29-F687-4f45-9708-019B960494DF}">
-                <a14:hiddenLine xmlns="" xmlns:a14="http://schemas.microsoft.com/office/drawing/2010/main" w="9525">
+                <a14:hiddenLine xmlns:a14="http://schemas.microsoft.com/office/drawing/2010/main" xmlns="" w="9525">
                   <a:solidFill>
                     <a:srgbClr val="000000"/>
                   </a:solidFill>
@@ -1632,7 +1632,7 @@
             </a:ln>
             <a:extLst>
               <a:ext uri="{91240B29-F687-4f45-9708-019B960494DF}">
-                <a14:hiddenLine xmlns="" xmlns:a14="http://schemas.microsoft.com/office/drawing/2010/main" w="9525">
+                <a14:hiddenLine xmlns:a14="http://schemas.microsoft.com/office/drawing/2010/main" xmlns="" w="9525">
                   <a:solidFill>
                     <a:srgbClr val="000000"/>
                   </a:solidFill>
@@ -1722,7 +1722,7 @@
             </a:ln>
             <a:extLst>
               <a:ext uri="{91240B29-F687-4f45-9708-019B960494DF}">
-                <a14:hiddenLine xmlns="" xmlns:a14="http://schemas.microsoft.com/office/drawing/2010/main" w="9525">
+                <a14:hiddenLine xmlns:a14="http://schemas.microsoft.com/office/drawing/2010/main" xmlns="" w="9525">
                   <a:solidFill>
                     <a:srgbClr val="000000"/>
                   </a:solidFill>
@@ -1778,7 +1778,7 @@
             </a:ln>
             <a:extLst>
               <a:ext uri="{91240B29-F687-4f45-9708-019B960494DF}">
-                <a14:hiddenLine xmlns="" xmlns:a14="http://schemas.microsoft.com/office/drawing/2010/main" w="9525">
+                <a14:hiddenLine xmlns:a14="http://schemas.microsoft.com/office/drawing/2010/main" xmlns="" w="9525">
                   <a:solidFill>
                     <a:srgbClr val="000000"/>
                   </a:solidFill>
@@ -1868,7 +1868,7 @@
             </a:ln>
             <a:extLst>
               <a:ext uri="{91240B29-F687-4f45-9708-019B960494DF}">
-                <a14:hiddenLine xmlns="" xmlns:a14="http://schemas.microsoft.com/office/drawing/2010/main" w="9525">
+                <a14:hiddenLine xmlns:a14="http://schemas.microsoft.com/office/drawing/2010/main" xmlns="" w="9525">
                   <a:solidFill>
                     <a:srgbClr val="000000"/>
                   </a:solidFill>
@@ -1924,7 +1924,7 @@
             </a:ln>
             <a:extLst>
               <a:ext uri="{91240B29-F687-4f45-9708-019B960494DF}">
-                <a14:hiddenLine xmlns="" xmlns:a14="http://schemas.microsoft.com/office/drawing/2010/main" w="9525">
+                <a14:hiddenLine xmlns:a14="http://schemas.microsoft.com/office/drawing/2010/main" xmlns="" w="9525">
                   <a:solidFill>
                     <a:srgbClr val="000000"/>
                   </a:solidFill>
@@ -2014,7 +2014,7 @@
             </a:ln>
             <a:extLst>
               <a:ext uri="{91240B29-F687-4f45-9708-019B960494DF}">
-                <a14:hiddenLine xmlns="" xmlns:a14="http://schemas.microsoft.com/office/drawing/2010/main" w="9525">
+                <a14:hiddenLine xmlns:a14="http://schemas.microsoft.com/office/drawing/2010/main" xmlns="" w="9525">
                   <a:solidFill>
                     <a:srgbClr val="000000"/>
                   </a:solidFill>
@@ -2082,7 +2082,7 @@
             </a:ln>
             <a:extLst>
               <a:ext uri="{91240B29-F687-4f45-9708-019B960494DF}">
-                <a14:hiddenLine xmlns="" xmlns:a14="http://schemas.microsoft.com/office/drawing/2010/main" w="9525">
+                <a14:hiddenLine xmlns:a14="http://schemas.microsoft.com/office/drawing/2010/main" xmlns="" w="9525">
                   <a:solidFill>
                     <a:srgbClr val="000000"/>
                   </a:solidFill>
@@ -2172,7 +2172,7 @@
             </a:ln>
             <a:extLst>
               <a:ext uri="{91240B29-F687-4f45-9708-019B960494DF}">
-                <a14:hiddenLine xmlns="" xmlns:a14="http://schemas.microsoft.com/office/drawing/2010/main" w="9525">
+                <a14:hiddenLine xmlns:a14="http://schemas.microsoft.com/office/drawing/2010/main" xmlns="" w="9525">
                   <a:solidFill>
                     <a:srgbClr val="000000"/>
                   </a:solidFill>
@@ -2240,7 +2240,7 @@
             </a:ln>
             <a:extLst>
               <a:ext uri="{91240B29-F687-4f45-9708-019B960494DF}">
-                <a14:hiddenLine xmlns="" xmlns:a14="http://schemas.microsoft.com/office/drawing/2010/main" w="9525">
+                <a14:hiddenLine xmlns:a14="http://schemas.microsoft.com/office/drawing/2010/main" xmlns="" w="9525">
                   <a:solidFill>
                     <a:srgbClr val="000000"/>
                   </a:solidFill>
@@ -2330,7 +2330,7 @@
             </a:ln>
             <a:extLst>
               <a:ext uri="{91240B29-F687-4f45-9708-019B960494DF}">
-                <a14:hiddenLine xmlns="" xmlns:a14="http://schemas.microsoft.com/office/drawing/2010/main" w="9525">
+                <a14:hiddenLine xmlns:a14="http://schemas.microsoft.com/office/drawing/2010/main" xmlns="" w="9525">
                   <a:solidFill>
                     <a:srgbClr val="000000"/>
                   </a:solidFill>
@@ -2364,7 +2364,7 @@
             </a:ln>
             <a:extLst>
               <a:ext uri="{91240B29-F687-4f45-9708-019B960494DF}">
-                <a14:hiddenLine xmlns="" xmlns:a14="http://schemas.microsoft.com/office/drawing/2010/main" w="9525">
+                <a14:hiddenLine xmlns:a14="http://schemas.microsoft.com/office/drawing/2010/main" xmlns="" w="9525">
                   <a:solidFill>
                     <a:srgbClr val="000000"/>
                   </a:solidFill>
@@ -2454,7 +2454,7 @@
             </a:ln>
             <a:extLst>
               <a:ext uri="{91240B29-F687-4f45-9708-019B960494DF}">
-                <a14:hiddenLine xmlns="" xmlns:a14="http://schemas.microsoft.com/office/drawing/2010/main" w="9525">
+                <a14:hiddenLine xmlns:a14="http://schemas.microsoft.com/office/drawing/2010/main" xmlns="" w="9525">
                   <a:solidFill>
                     <a:srgbClr val="000000"/>
                   </a:solidFill>
@@ -2516,7 +2516,7 @@
             </a:ln>
             <a:extLst>
               <a:ext uri="{91240B29-F687-4f45-9708-019B960494DF}">
-                <a14:hiddenLine xmlns="" xmlns:a14="http://schemas.microsoft.com/office/drawing/2010/main" w="9525">
+                <a14:hiddenLine xmlns:a14="http://schemas.microsoft.com/office/drawing/2010/main" xmlns="" w="9525">
                   <a:solidFill>
                     <a:srgbClr val="000000"/>
                   </a:solidFill>
@@ -2578,7 +2578,7 @@
             </a:ln>
             <a:extLst>
               <a:ext uri="{91240B29-F687-4f45-9708-019B960494DF}">
-                <a14:hiddenLine xmlns="" xmlns:a14="http://schemas.microsoft.com/office/drawing/2010/main" w="9525">
+                <a14:hiddenLine xmlns:a14="http://schemas.microsoft.com/office/drawing/2010/main" xmlns="" w="9525">
                   <a:solidFill>
                     <a:srgbClr val="000000"/>
                   </a:solidFill>
@@ -2668,7 +2668,7 @@
             </a:ln>
             <a:extLst>
               <a:ext uri="{91240B29-F687-4f45-9708-019B960494DF}">
-                <a14:hiddenLine xmlns="" xmlns:a14="http://schemas.microsoft.com/office/drawing/2010/main" w="9525">
+                <a14:hiddenLine xmlns:a14="http://schemas.microsoft.com/office/drawing/2010/main" xmlns="" w="9525">
                   <a:solidFill>
                     <a:srgbClr val="000000"/>
                   </a:solidFill>
@@ -2736,7 +2736,7 @@
             </a:ln>
             <a:extLst>
               <a:ext uri="{91240B29-F687-4f45-9708-019B960494DF}">
-                <a14:hiddenLine xmlns="" xmlns:a14="http://schemas.microsoft.com/office/drawing/2010/main" w="9525">
+                <a14:hiddenLine xmlns:a14="http://schemas.microsoft.com/office/drawing/2010/main" xmlns="" w="9525">
                   <a:solidFill>
                     <a:srgbClr val="000000"/>
                   </a:solidFill>
@@ -2798,7 +2798,7 @@
             </a:ln>
             <a:extLst>
               <a:ext uri="{91240B29-F687-4f45-9708-019B960494DF}">
-                <a14:hiddenLine xmlns="" xmlns:a14="http://schemas.microsoft.com/office/drawing/2010/main" w="9525">
+                <a14:hiddenLine xmlns:a14="http://schemas.microsoft.com/office/drawing/2010/main" xmlns="" w="9525">
                   <a:solidFill>
                     <a:srgbClr val="000000"/>
                   </a:solidFill>
@@ -2888,7 +2888,7 @@
             </a:ln>
             <a:extLst>
               <a:ext uri="{91240B29-F687-4f45-9708-019B960494DF}">
-                <a14:hiddenLine xmlns="" xmlns:a14="http://schemas.microsoft.com/office/drawing/2010/main" w="9525">
+                <a14:hiddenLine xmlns:a14="http://schemas.microsoft.com/office/drawing/2010/main" xmlns="" w="9525">
                   <a:solidFill>
                     <a:srgbClr val="000000"/>
                   </a:solidFill>
@@ -2950,7 +2950,7 @@
             </a:ln>
             <a:extLst>
               <a:ext uri="{91240B29-F687-4f45-9708-019B960494DF}">
-                <a14:hiddenLine xmlns="" xmlns:a14="http://schemas.microsoft.com/office/drawing/2010/main" w="9525">
+                <a14:hiddenLine xmlns:a14="http://schemas.microsoft.com/office/drawing/2010/main" xmlns="" w="9525">
                   <a:solidFill>
                     <a:srgbClr val="000000"/>
                   </a:solidFill>
@@ -3040,7 +3040,7 @@
             </a:ln>
             <a:extLst>
               <a:ext uri="{91240B29-F687-4f45-9708-019B960494DF}">
-                <a14:hiddenLine xmlns="" xmlns:a14="http://schemas.microsoft.com/office/drawing/2010/main" w="9525">
+                <a14:hiddenLine xmlns:a14="http://schemas.microsoft.com/office/drawing/2010/main" xmlns="" w="9525">
                   <a:solidFill>
                     <a:srgbClr val="000000"/>
                   </a:solidFill>
@@ -3102,7 +3102,7 @@
             </a:ln>
             <a:extLst>
               <a:ext uri="{91240B29-F687-4f45-9708-019B960494DF}">
-                <a14:hiddenLine xmlns="" xmlns:a14="http://schemas.microsoft.com/office/drawing/2010/main" w="9525">
+                <a14:hiddenLine xmlns:a14="http://schemas.microsoft.com/office/drawing/2010/main" xmlns="" w="9525">
                   <a:solidFill>
                     <a:srgbClr val="000000"/>
                   </a:solidFill>
@@ -3192,7 +3192,7 @@
             </a:ln>
             <a:extLst>
               <a:ext uri="{91240B29-F687-4f45-9708-019B960494DF}">
-                <a14:hiddenLine xmlns="" xmlns:a14="http://schemas.microsoft.com/office/drawing/2010/main" w="9525">
+                <a14:hiddenLine xmlns:a14="http://schemas.microsoft.com/office/drawing/2010/main" xmlns="" w="9525">
                   <a:solidFill>
                     <a:srgbClr val="000000"/>
                   </a:solidFill>
@@ -3226,7 +3226,7 @@
             </a:ln>
             <a:extLst>
               <a:ext uri="{91240B29-F687-4f45-9708-019B960494DF}">
-                <a14:hiddenLine xmlns="" xmlns:a14="http://schemas.microsoft.com/office/drawing/2010/main" w="9525">
+                <a14:hiddenLine xmlns:a14="http://schemas.microsoft.com/office/drawing/2010/main" xmlns="" w="9525">
                   <a:solidFill>
                     <a:srgbClr val="000000"/>
                   </a:solidFill>
@@ -3291,7 +3291,7 @@
             </a:ln>
             <a:extLst>
               <a:ext uri="{91240B29-F687-4f45-9708-019B960494DF}">
-                <a14:hiddenLine xmlns="" xmlns:a14="http://schemas.microsoft.com/office/drawing/2010/main" w="9525">
+                <a14:hiddenLine xmlns:a14="http://schemas.microsoft.com/office/drawing/2010/main" xmlns="" w="9525">
                   <a:solidFill>
                     <a:srgbClr val="000000"/>
                   </a:solidFill>
@@ -3381,7 +3381,7 @@
             </a:ln>
             <a:extLst>
               <a:ext uri="{91240B29-F687-4f45-9708-019B960494DF}">
-                <a14:hiddenLine xmlns="" xmlns:a14="http://schemas.microsoft.com/office/drawing/2010/main" w="9525">
+                <a14:hiddenLine xmlns:a14="http://schemas.microsoft.com/office/drawing/2010/main" xmlns="" w="9525">
                   <a:solidFill>
                     <a:srgbClr val="000000"/>
                   </a:solidFill>
@@ -3443,7 +3443,7 @@
             </a:ln>
             <a:extLst>
               <a:ext uri="{91240B29-F687-4f45-9708-019B960494DF}">
-                <a14:hiddenLine xmlns="" xmlns:a14="http://schemas.microsoft.com/office/drawing/2010/main" w="9525">
+                <a14:hiddenLine xmlns:a14="http://schemas.microsoft.com/office/drawing/2010/main" xmlns="" w="9525">
                   <a:solidFill>
                     <a:srgbClr val="000000"/>
                   </a:solidFill>
@@ -3533,7 +3533,7 @@
             </a:ln>
             <a:extLst>
               <a:ext uri="{91240B29-F687-4f45-9708-019B960494DF}">
-                <a14:hiddenLine xmlns="" xmlns:a14="http://schemas.microsoft.com/office/drawing/2010/main" w="9525">
+                <a14:hiddenLine xmlns:a14="http://schemas.microsoft.com/office/drawing/2010/main" xmlns="" w="9525">
                   <a:solidFill>
                     <a:srgbClr val="000000"/>
                   </a:solidFill>
@@ -3623,7 +3623,7 @@
             </a:ln>
             <a:extLst>
               <a:ext uri="{91240B29-F687-4f45-9708-019B960494DF}">
-                <a14:hiddenLine xmlns="" xmlns:a14="http://schemas.microsoft.com/office/drawing/2010/main" w="9525">
+                <a14:hiddenLine xmlns:a14="http://schemas.microsoft.com/office/drawing/2010/main" xmlns="" w="9525">
                   <a:solidFill>
                     <a:srgbClr val="000000"/>
                   </a:solidFill>
@@ -3688,7 +3688,7 @@
             </a:ln>
             <a:extLst>
               <a:ext uri="{91240B29-F687-4f45-9708-019B960494DF}">
-                <a14:hiddenLine xmlns="" xmlns:a14="http://schemas.microsoft.com/office/drawing/2010/main" w="9525">
+                <a14:hiddenLine xmlns:a14="http://schemas.microsoft.com/office/drawing/2010/main" xmlns="" w="9525">
                   <a:solidFill>
                     <a:srgbClr val="000000"/>
                   </a:solidFill>
@@ -3750,7 +3750,7 @@
             </a:ln>
             <a:extLst>
               <a:ext uri="{91240B29-F687-4f45-9708-019B960494DF}">
-                <a14:hiddenLine xmlns="" xmlns:a14="http://schemas.microsoft.com/office/drawing/2010/main" w="9525">
+                <a14:hiddenLine xmlns:a14="http://schemas.microsoft.com/office/drawing/2010/main" xmlns="" w="9525">
                   <a:solidFill>
                     <a:srgbClr val="000000"/>
                   </a:solidFill>
@@ -3840,7 +3840,7 @@
             </a:ln>
             <a:extLst>
               <a:ext uri="{91240B29-F687-4f45-9708-019B960494DF}">
-                <a14:hiddenLine xmlns="" xmlns:a14="http://schemas.microsoft.com/office/drawing/2010/main" w="9525">
+                <a14:hiddenLine xmlns:a14="http://schemas.microsoft.com/office/drawing/2010/main" xmlns="" w="9525">
                   <a:solidFill>
                     <a:srgbClr val="000000"/>
                   </a:solidFill>
@@ -3930,7 +3930,7 @@
             </a:ln>
             <a:extLst>
               <a:ext uri="{91240B29-F687-4f45-9708-019B960494DF}">
-                <a14:hiddenLine xmlns="" xmlns:a14="http://schemas.microsoft.com/office/drawing/2010/main" w="9525">
+                <a14:hiddenLine xmlns:a14="http://schemas.microsoft.com/office/drawing/2010/main" xmlns="" w="9525">
                   <a:solidFill>
                     <a:srgbClr val="000000"/>
                   </a:solidFill>
@@ -3992,7 +3992,7 @@
             </a:ln>
             <a:extLst>
               <a:ext uri="{91240B29-F687-4f45-9708-019B960494DF}">
-                <a14:hiddenLine xmlns="" xmlns:a14="http://schemas.microsoft.com/office/drawing/2010/main" w="9525">
+                <a14:hiddenLine xmlns:a14="http://schemas.microsoft.com/office/drawing/2010/main" xmlns="" w="9525">
                   <a:solidFill>
                     <a:srgbClr val="000000"/>
                   </a:solidFill>
@@ -4112,7 +4112,7 @@
             </a:ln>
             <a:extLst>
               <a:ext uri="{91240B29-F687-4f45-9708-019B960494DF}">
-                <a14:hiddenLine xmlns="" xmlns:a14="http://schemas.microsoft.com/office/drawing/2010/main" w="9525">
+                <a14:hiddenLine xmlns:a14="http://schemas.microsoft.com/office/drawing/2010/main" xmlns="" w="9525">
                   <a:solidFill>
                     <a:srgbClr val="000000"/>
                   </a:solidFill>
@@ -4180,7 +4180,7 @@
             </a:ln>
             <a:extLst>
               <a:ext uri="{91240B29-F687-4f45-9708-019B960494DF}">
-                <a14:hiddenLine xmlns="" xmlns:a14="http://schemas.microsoft.com/office/drawing/2010/main" w="9525">
+                <a14:hiddenLine xmlns:a14="http://schemas.microsoft.com/office/drawing/2010/main" xmlns="" w="9525">
                   <a:solidFill>
                     <a:srgbClr val="000000"/>
                   </a:solidFill>
@@ -4270,7 +4270,7 @@
             </a:ln>
             <a:extLst>
               <a:ext uri="{91240B29-F687-4f45-9708-019B960494DF}">
-                <a14:hiddenLine xmlns="" xmlns:a14="http://schemas.microsoft.com/office/drawing/2010/main" w="9525">
+                <a14:hiddenLine xmlns:a14="http://schemas.microsoft.com/office/drawing/2010/main" xmlns="" w="9525">
                   <a:solidFill>
                     <a:srgbClr val="000000"/>
                   </a:solidFill>
@@ -4410,7 +4410,7 @@
           <a:p>
             <a:fld id="{48A87A34-81AB-432B-8DAE-1953F412C126}" type="datetimeFigureOut">
               <a:rPr lang="en-US" dirty="0"/>
-              <a:t>11/17/2021</a:t>
+              <a:t>11/18/2021</a:t>
             </a:fld>
             <a:endParaRPr lang="en-US" dirty="0"/>
           </a:p>
@@ -4672,7 +4672,7 @@
           <a:p>
             <a:fld id="{48A87A34-81AB-432B-8DAE-1953F412C126}" type="datetimeFigureOut">
               <a:rPr lang="en-US" dirty="0"/>
-              <a:t>11/17/2021</a:t>
+              <a:t>11/18/2021</a:t>
             </a:fld>
             <a:endParaRPr lang="en-US" dirty="0"/>
           </a:p>
@@ -4863,7 +4863,7 @@
           <a:p>
             <a:fld id="{48A87A34-81AB-432B-8DAE-1953F412C126}" type="datetimeFigureOut">
               <a:rPr lang="en-US" dirty="0"/>
-              <a:t>11/17/2021</a:t>
+              <a:t>11/18/2021</a:t>
             </a:fld>
             <a:endParaRPr lang="en-US" dirty="0"/>
           </a:p>
@@ -5121,7 +5121,7 @@
           <a:p>
             <a:fld id="{48A87A34-81AB-432B-8DAE-1953F412C126}" type="datetimeFigureOut">
               <a:rPr lang="en-US" dirty="0"/>
-              <a:t>11/17/2021</a:t>
+              <a:t>11/18/2021</a:t>
             </a:fld>
             <a:endParaRPr lang="en-US" dirty="0"/>
           </a:p>
@@ -5550,7 +5550,7 @@
           <a:p>
             <a:fld id="{48A87A34-81AB-432B-8DAE-1953F412C126}" type="datetimeFigureOut">
               <a:rPr lang="en-US" dirty="0"/>
-              <a:t>11/17/2021</a:t>
+              <a:t>11/18/2021</a:t>
             </a:fld>
             <a:endParaRPr lang="en-US" dirty="0"/>
           </a:p>
@@ -6091,7 +6091,7 @@
           <a:p>
             <a:fld id="{48A87A34-81AB-432B-8DAE-1953F412C126}" type="datetimeFigureOut">
               <a:rPr lang="en-US" dirty="0"/>
-              <a:t>11/17/2021</a:t>
+              <a:t>11/18/2021</a:t>
             </a:fld>
             <a:endParaRPr lang="en-US" dirty="0"/>
           </a:p>
@@ -6806,7 +6806,7 @@
           <a:p>
             <a:fld id="{48A87A34-81AB-432B-8DAE-1953F412C126}" type="datetimeFigureOut">
               <a:rPr lang="en-US" dirty="0"/>
-              <a:t>11/17/2021</a:t>
+              <a:t>11/18/2021</a:t>
             </a:fld>
             <a:endParaRPr lang="en-US" dirty="0"/>
           </a:p>
@@ -6971,7 +6971,7 @@
           <a:p>
             <a:fld id="{48A87A34-81AB-432B-8DAE-1953F412C126}" type="datetimeFigureOut">
               <a:rPr lang="en-US" dirty="0"/>
-              <a:t>11/17/2021</a:t>
+              <a:t>11/18/2021</a:t>
             </a:fld>
             <a:endParaRPr lang="en-US" dirty="0"/>
           </a:p>
@@ -7146,7 +7146,7 @@
           <a:p>
             <a:fld id="{48A87A34-81AB-432B-8DAE-1953F412C126}" type="datetimeFigureOut">
               <a:rPr lang="en-US" dirty="0"/>
-              <a:t>11/17/2021</a:t>
+              <a:t>11/18/2021</a:t>
             </a:fld>
             <a:endParaRPr lang="en-US" dirty="0"/>
           </a:p>
@@ -7311,7 +7311,7 @@
           <a:p>
             <a:fld id="{48A87A34-81AB-432B-8DAE-1953F412C126}" type="datetimeFigureOut">
               <a:rPr lang="en-US" dirty="0"/>
-              <a:t>11/17/2021</a:t>
+              <a:t>11/18/2021</a:t>
             </a:fld>
             <a:endParaRPr lang="en-US" dirty="0"/>
           </a:p>
@@ -7556,7 +7556,7 @@
           <a:p>
             <a:fld id="{48A87A34-81AB-432B-8DAE-1953F412C126}" type="datetimeFigureOut">
               <a:rPr lang="en-US" dirty="0"/>
-              <a:t>11/17/2021</a:t>
+              <a:t>11/18/2021</a:t>
             </a:fld>
             <a:endParaRPr lang="en-US" dirty="0"/>
           </a:p>
@@ -7783,7 +7783,7 @@
           <a:p>
             <a:fld id="{48A87A34-81AB-432B-8DAE-1953F412C126}" type="datetimeFigureOut">
               <a:rPr lang="en-US" dirty="0"/>
-              <a:t>11/17/2021</a:t>
+              <a:t>11/18/2021</a:t>
             </a:fld>
             <a:endParaRPr lang="en-US" dirty="0"/>
           </a:p>
@@ -8159,7 +8159,7 @@
           <a:p>
             <a:fld id="{48A87A34-81AB-432B-8DAE-1953F412C126}" type="datetimeFigureOut">
               <a:rPr lang="en-US" dirty="0"/>
-              <a:t>11/17/2021</a:t>
+              <a:t>11/18/2021</a:t>
             </a:fld>
             <a:endParaRPr lang="en-US" dirty="0"/>
           </a:p>
@@ -8272,7 +8272,7 @@
           <a:p>
             <a:fld id="{48A87A34-81AB-432B-8DAE-1953F412C126}" type="datetimeFigureOut">
               <a:rPr lang="en-US" dirty="0"/>
-              <a:t>11/17/2021</a:t>
+              <a:t>11/18/2021</a:t>
             </a:fld>
             <a:endParaRPr lang="en-US" dirty="0"/>
           </a:p>
@@ -8362,7 +8362,7 @@
           <a:p>
             <a:fld id="{48A87A34-81AB-432B-8DAE-1953F412C126}" type="datetimeFigureOut">
               <a:rPr lang="en-US" dirty="0"/>
-              <a:t>11/17/2021</a:t>
+              <a:t>11/18/2021</a:t>
             </a:fld>
             <a:endParaRPr lang="en-US" dirty="0"/>
           </a:p>
@@ -8606,7 +8606,7 @@
           <a:p>
             <a:fld id="{48A87A34-81AB-432B-8DAE-1953F412C126}" type="datetimeFigureOut">
               <a:rPr lang="en-US" dirty="0"/>
-              <a:t>11/17/2021</a:t>
+              <a:t>11/18/2021</a:t>
             </a:fld>
             <a:endParaRPr lang="en-US" dirty="0"/>
           </a:p>
@@ -8881,7 +8881,7 @@
           <a:p>
             <a:fld id="{48A87A34-81AB-432B-8DAE-1953F412C126}" type="datetimeFigureOut">
               <a:rPr lang="en-US" dirty="0"/>
-              <a:t>11/17/2021</a:t>
+              <a:t>11/18/2021</a:t>
             </a:fld>
             <a:endParaRPr lang="en-US" dirty="0"/>
           </a:p>
@@ -8999,7 +8999,7 @@
           <a:noFill/>
           <a:extLst>
             <a:ext uri="{909E8E84-426E-40dd-AFC4-6F175D3DCCD1}">
-              <a14:hiddenFill xmlns="" xmlns:a14="http://schemas.microsoft.com/office/drawing/2010/main">
+              <a14:hiddenFill xmlns:a14="http://schemas.microsoft.com/office/drawing/2010/main" xmlns="">
                 <a:solidFill>
                   <a:srgbClr val="FFFFFF"/>
                 </a:solidFill>
@@ -9073,7 +9073,7 @@
               </a:ln>
               <a:extLst>
                 <a:ext uri="{91240B29-F687-4f45-9708-019B960494DF}">
-                  <a14:hiddenLine xmlns="" xmlns:a14="http://schemas.microsoft.com/office/drawing/2010/main" w="9525">
+                  <a14:hiddenLine xmlns:a14="http://schemas.microsoft.com/office/drawing/2010/main" xmlns="" w="9525">
                     <a:solidFill>
                       <a:srgbClr val="000000"/>
                     </a:solidFill>
@@ -9163,7 +9163,7 @@
               </a:ln>
               <a:extLst>
                 <a:ext uri="{91240B29-F687-4f45-9708-019B960494DF}">
-                  <a14:hiddenLine xmlns="" xmlns:a14="http://schemas.microsoft.com/office/drawing/2010/main" w="9525">
+                  <a14:hiddenLine xmlns:a14="http://schemas.microsoft.com/office/drawing/2010/main" xmlns="" w="9525">
                     <a:solidFill>
                       <a:srgbClr val="000000"/>
                     </a:solidFill>
@@ -9253,7 +9253,7 @@
               </a:ln>
               <a:extLst>
                 <a:ext uri="{91240B29-F687-4f45-9708-019B960494DF}">
-                  <a14:hiddenLine xmlns="" xmlns:a14="http://schemas.microsoft.com/office/drawing/2010/main" w="9525">
+                  <a14:hiddenLine xmlns:a14="http://schemas.microsoft.com/office/drawing/2010/main" xmlns="" w="9525">
                     <a:solidFill>
                       <a:srgbClr val="000000"/>
                     </a:solidFill>
@@ -9315,7 +9315,7 @@
               </a:ln>
               <a:extLst>
                 <a:ext uri="{91240B29-F687-4f45-9708-019B960494DF}">
-                  <a14:hiddenLine xmlns="" xmlns:a14="http://schemas.microsoft.com/office/drawing/2010/main" w="9525">
+                  <a14:hiddenLine xmlns:a14="http://schemas.microsoft.com/office/drawing/2010/main" xmlns="" w="9525">
                     <a:solidFill>
                       <a:srgbClr val="000000"/>
                     </a:solidFill>
@@ -9405,7 +9405,7 @@
               </a:ln>
               <a:extLst>
                 <a:ext uri="{91240B29-F687-4f45-9708-019B960494DF}">
-                  <a14:hiddenLine xmlns="" xmlns:a14="http://schemas.microsoft.com/office/drawing/2010/main" w="9525">
+                  <a14:hiddenLine xmlns:a14="http://schemas.microsoft.com/office/drawing/2010/main" xmlns="" w="9525">
                     <a:solidFill>
                       <a:srgbClr val="000000"/>
                     </a:solidFill>
@@ -9467,7 +9467,7 @@
               </a:ln>
               <a:extLst>
                 <a:ext uri="{91240B29-F687-4f45-9708-019B960494DF}">
-                  <a14:hiddenLine xmlns="" xmlns:a14="http://schemas.microsoft.com/office/drawing/2010/main" w="9525">
+                  <a14:hiddenLine xmlns:a14="http://schemas.microsoft.com/office/drawing/2010/main" xmlns="" w="9525">
                     <a:solidFill>
                       <a:srgbClr val="000000"/>
                     </a:solidFill>
@@ -9529,7 +9529,7 @@
               </a:ln>
               <a:extLst>
                 <a:ext uri="{91240B29-F687-4f45-9708-019B960494DF}">
-                  <a14:hiddenLine xmlns="" xmlns:a14="http://schemas.microsoft.com/office/drawing/2010/main" w="9525">
+                  <a14:hiddenLine xmlns:a14="http://schemas.microsoft.com/office/drawing/2010/main" xmlns="" w="9525">
                     <a:solidFill>
                       <a:srgbClr val="000000"/>
                     </a:solidFill>
@@ -9619,7 +9619,7 @@
               </a:ln>
               <a:extLst>
                 <a:ext uri="{91240B29-F687-4f45-9708-019B960494DF}">
-                  <a14:hiddenLine xmlns="" xmlns:a14="http://schemas.microsoft.com/office/drawing/2010/main" w="9525">
+                  <a14:hiddenLine xmlns:a14="http://schemas.microsoft.com/office/drawing/2010/main" xmlns="" w="9525">
                     <a:solidFill>
                       <a:srgbClr val="000000"/>
                     </a:solidFill>
@@ -9709,7 +9709,7 @@
               </a:ln>
               <a:extLst>
                 <a:ext uri="{91240B29-F687-4f45-9708-019B960494DF}">
-                  <a14:hiddenLine xmlns="" xmlns:a14="http://schemas.microsoft.com/office/drawing/2010/main" w="9525">
+                  <a14:hiddenLine xmlns:a14="http://schemas.microsoft.com/office/drawing/2010/main" xmlns="" w="9525">
                     <a:solidFill>
                       <a:srgbClr val="000000"/>
                     </a:solidFill>
@@ -9771,7 +9771,7 @@
               </a:ln>
               <a:extLst>
                 <a:ext uri="{91240B29-F687-4f45-9708-019B960494DF}">
-                  <a14:hiddenLine xmlns="" xmlns:a14="http://schemas.microsoft.com/office/drawing/2010/main" w="9525">
+                  <a14:hiddenLine xmlns:a14="http://schemas.microsoft.com/office/drawing/2010/main" xmlns="" w="9525">
                     <a:solidFill>
                       <a:srgbClr val="000000"/>
                     </a:solidFill>
@@ -9881,7 +9881,7 @@
               </a:ln>
               <a:extLst>
                 <a:ext uri="{91240B29-F687-4f45-9708-019B960494DF}">
-                  <a14:hiddenLine xmlns="" xmlns:a14="http://schemas.microsoft.com/office/drawing/2010/main" w="9525">
+                  <a14:hiddenLine xmlns:a14="http://schemas.microsoft.com/office/drawing/2010/main" xmlns="" w="9525">
                     <a:solidFill>
                       <a:srgbClr val="000000"/>
                     </a:solidFill>
@@ -9965,7 +9965,7 @@
               </a:ln>
               <a:extLst>
                 <a:ext uri="{91240B29-F687-4f45-9708-019B960494DF}">
-                  <a14:hiddenLine xmlns="" xmlns:a14="http://schemas.microsoft.com/office/drawing/2010/main" w="9525">
+                  <a14:hiddenLine xmlns:a14="http://schemas.microsoft.com/office/drawing/2010/main" xmlns="" w="9525">
                     <a:solidFill>
                       <a:srgbClr val="000000"/>
                     </a:solidFill>
@@ -10027,7 +10027,7 @@
               </a:ln>
               <a:extLst>
                 <a:ext uri="{91240B29-F687-4f45-9708-019B960494DF}">
-                  <a14:hiddenLine xmlns="" xmlns:a14="http://schemas.microsoft.com/office/drawing/2010/main" w="9525">
+                  <a14:hiddenLine xmlns:a14="http://schemas.microsoft.com/office/drawing/2010/main" xmlns="" w="9525">
                     <a:solidFill>
                       <a:srgbClr val="000000"/>
                     </a:solidFill>
@@ -10089,7 +10089,7 @@
               </a:ln>
               <a:extLst>
                 <a:ext uri="{91240B29-F687-4f45-9708-019B960494DF}">
-                  <a14:hiddenLine xmlns="" xmlns:a14="http://schemas.microsoft.com/office/drawing/2010/main" w="9525">
+                  <a14:hiddenLine xmlns:a14="http://schemas.microsoft.com/office/drawing/2010/main" xmlns="" w="9525">
                     <a:solidFill>
                       <a:srgbClr val="000000"/>
                     </a:solidFill>
@@ -10179,7 +10179,7 @@
               </a:ln>
               <a:extLst>
                 <a:ext uri="{91240B29-F687-4f45-9708-019B960494DF}">
-                  <a14:hiddenLine xmlns="" xmlns:a14="http://schemas.microsoft.com/office/drawing/2010/main" w="9525">
+                  <a14:hiddenLine xmlns:a14="http://schemas.microsoft.com/office/drawing/2010/main" xmlns="" w="9525">
                     <a:solidFill>
                       <a:srgbClr val="000000"/>
                     </a:solidFill>
@@ -10213,7 +10213,7 @@
               </a:ln>
               <a:extLst>
                 <a:ext uri="{91240B29-F687-4f45-9708-019B960494DF}">
-                  <a14:hiddenLine xmlns="" xmlns:a14="http://schemas.microsoft.com/office/drawing/2010/main" w="9525">
+                  <a14:hiddenLine xmlns:a14="http://schemas.microsoft.com/office/drawing/2010/main" xmlns="" w="9525">
                     <a:solidFill>
                       <a:srgbClr val="000000"/>
                     </a:solidFill>
@@ -10278,7 +10278,7 @@
               </a:ln>
               <a:extLst>
                 <a:ext uri="{91240B29-F687-4f45-9708-019B960494DF}">
-                  <a14:hiddenLine xmlns="" xmlns:a14="http://schemas.microsoft.com/office/drawing/2010/main" w="9525">
+                  <a14:hiddenLine xmlns:a14="http://schemas.microsoft.com/office/drawing/2010/main" xmlns="" w="9525">
                     <a:solidFill>
                       <a:srgbClr val="000000"/>
                     </a:solidFill>
@@ -10368,7 +10368,7 @@
               </a:ln>
               <a:extLst>
                 <a:ext uri="{91240B29-F687-4f45-9708-019B960494DF}">
-                  <a14:hiddenLine xmlns="" xmlns:a14="http://schemas.microsoft.com/office/drawing/2010/main" w="9525">
+                  <a14:hiddenLine xmlns:a14="http://schemas.microsoft.com/office/drawing/2010/main" xmlns="" w="9525">
                     <a:solidFill>
                       <a:srgbClr val="000000"/>
                     </a:solidFill>
@@ -10430,7 +10430,7 @@
               </a:ln>
               <a:extLst>
                 <a:ext uri="{91240B29-F687-4f45-9708-019B960494DF}">
-                  <a14:hiddenLine xmlns="" xmlns:a14="http://schemas.microsoft.com/office/drawing/2010/main" w="9525">
+                  <a14:hiddenLine xmlns:a14="http://schemas.microsoft.com/office/drawing/2010/main" xmlns="" w="9525">
                     <a:solidFill>
                       <a:srgbClr val="000000"/>
                     </a:solidFill>
@@ -10520,7 +10520,7 @@
               </a:ln>
               <a:extLst>
                 <a:ext uri="{91240B29-F687-4f45-9708-019B960494DF}">
-                  <a14:hiddenLine xmlns="" xmlns:a14="http://schemas.microsoft.com/office/drawing/2010/main" w="9525">
+                  <a14:hiddenLine xmlns:a14="http://schemas.microsoft.com/office/drawing/2010/main" xmlns="" w="9525">
                     <a:solidFill>
                       <a:srgbClr val="000000"/>
                     </a:solidFill>
@@ -10585,7 +10585,7 @@
               </a:ln>
               <a:extLst>
                 <a:ext uri="{91240B29-F687-4f45-9708-019B960494DF}">
-                  <a14:hiddenLine xmlns="" xmlns:a14="http://schemas.microsoft.com/office/drawing/2010/main" w="9525">
+                  <a14:hiddenLine xmlns:a14="http://schemas.microsoft.com/office/drawing/2010/main" xmlns="" w="9525">
                     <a:solidFill>
                       <a:srgbClr val="000000"/>
                     </a:solidFill>
@@ -10647,7 +10647,7 @@
               </a:ln>
               <a:extLst>
                 <a:ext uri="{91240B29-F687-4f45-9708-019B960494DF}">
-                  <a14:hiddenLine xmlns="" xmlns:a14="http://schemas.microsoft.com/office/drawing/2010/main" w="9525">
+                  <a14:hiddenLine xmlns:a14="http://schemas.microsoft.com/office/drawing/2010/main" xmlns="" w="9525">
                     <a:solidFill>
                       <a:srgbClr val="000000"/>
                     </a:solidFill>
@@ -10737,7 +10737,7 @@
               </a:ln>
               <a:extLst>
                 <a:ext uri="{91240B29-F687-4f45-9708-019B960494DF}">
-                  <a14:hiddenLine xmlns="" xmlns:a14="http://schemas.microsoft.com/office/drawing/2010/main" w="9525">
+                  <a14:hiddenLine xmlns:a14="http://schemas.microsoft.com/office/drawing/2010/main" xmlns="" w="9525">
                     <a:solidFill>
                       <a:srgbClr val="000000"/>
                     </a:solidFill>
@@ -10827,7 +10827,7 @@
               </a:ln>
               <a:extLst>
                 <a:ext uri="{91240B29-F687-4f45-9708-019B960494DF}">
-                  <a14:hiddenLine xmlns="" xmlns:a14="http://schemas.microsoft.com/office/drawing/2010/main" w="9525">
+                  <a14:hiddenLine xmlns:a14="http://schemas.microsoft.com/office/drawing/2010/main" xmlns="" w="9525">
                     <a:solidFill>
                       <a:srgbClr val="000000"/>
                     </a:solidFill>
@@ -10892,7 +10892,7 @@
               </a:ln>
               <a:extLst>
                 <a:ext uri="{91240B29-F687-4f45-9708-019B960494DF}">
-                  <a14:hiddenLine xmlns="" xmlns:a14="http://schemas.microsoft.com/office/drawing/2010/main" w="9525">
+                  <a14:hiddenLine xmlns:a14="http://schemas.microsoft.com/office/drawing/2010/main" xmlns="" w="9525">
                     <a:solidFill>
                       <a:srgbClr val="000000"/>
                     </a:solidFill>
@@ -11012,7 +11012,7 @@
               </a:ln>
               <a:extLst>
                 <a:ext uri="{91240B29-F687-4f45-9708-019B960494DF}">
-                  <a14:hiddenLine xmlns="" xmlns:a14="http://schemas.microsoft.com/office/drawing/2010/main" w="9525">
+                  <a14:hiddenLine xmlns:a14="http://schemas.microsoft.com/office/drawing/2010/main" xmlns="" w="9525">
                     <a:solidFill>
                       <a:srgbClr val="000000"/>
                     </a:solidFill>
@@ -11093,7 +11093,7 @@
               </a:ln>
               <a:extLst>
                 <a:ext uri="{91240B29-F687-4f45-9708-019B960494DF}">
-                  <a14:hiddenLine xmlns="" xmlns:a14="http://schemas.microsoft.com/office/drawing/2010/main" w="9525">
+                  <a14:hiddenLine xmlns:a14="http://schemas.microsoft.com/office/drawing/2010/main" xmlns="" w="9525">
                     <a:solidFill>
                       <a:srgbClr val="000000"/>
                     </a:solidFill>
@@ -11208,7 +11208,7 @@
               </a:ln>
               <a:extLst>
                 <a:ext uri="{91240B29-F687-4f45-9708-019B960494DF}">
-                  <a14:hiddenLine xmlns="" xmlns:a14="http://schemas.microsoft.com/office/drawing/2010/main" w="9525">
+                  <a14:hiddenLine xmlns:a14="http://schemas.microsoft.com/office/drawing/2010/main" xmlns="" w="9525">
                     <a:solidFill>
                       <a:srgbClr val="000000"/>
                     </a:solidFill>
@@ -11298,7 +11298,7 @@
               </a:ln>
               <a:extLst>
                 <a:ext uri="{91240B29-F687-4f45-9708-019B960494DF}">
-                  <a14:hiddenLine xmlns="" xmlns:a14="http://schemas.microsoft.com/office/drawing/2010/main" w="9525">
+                  <a14:hiddenLine xmlns:a14="http://schemas.microsoft.com/office/drawing/2010/main" xmlns="" w="9525">
                     <a:solidFill>
                       <a:srgbClr val="000000"/>
                     </a:solidFill>
@@ -11363,7 +11363,7 @@
               </a:ln>
               <a:extLst>
                 <a:ext uri="{91240B29-F687-4f45-9708-019B960494DF}">
-                  <a14:hiddenLine xmlns="" xmlns:a14="http://schemas.microsoft.com/office/drawing/2010/main" w="9525">
+                  <a14:hiddenLine xmlns:a14="http://schemas.microsoft.com/office/drawing/2010/main" xmlns="" w="9525">
                     <a:solidFill>
                       <a:srgbClr val="000000"/>
                     </a:solidFill>
@@ -11453,7 +11453,7 @@
               </a:ln>
               <a:extLst>
                 <a:ext uri="{91240B29-F687-4f45-9708-019B960494DF}">
-                  <a14:hiddenLine xmlns="" xmlns:a14="http://schemas.microsoft.com/office/drawing/2010/main" w="9525">
+                  <a14:hiddenLine xmlns:a14="http://schemas.microsoft.com/office/drawing/2010/main" xmlns="" w="9525">
                     <a:solidFill>
                       <a:srgbClr val="000000"/>
                     </a:solidFill>
@@ -11521,7 +11521,7 @@
               </a:ln>
               <a:extLst>
                 <a:ext uri="{91240B29-F687-4f45-9708-019B960494DF}">
-                  <a14:hiddenLine xmlns="" xmlns:a14="http://schemas.microsoft.com/office/drawing/2010/main" w="9525">
+                  <a14:hiddenLine xmlns:a14="http://schemas.microsoft.com/office/drawing/2010/main" xmlns="" w="9525">
                     <a:solidFill>
                       <a:srgbClr val="000000"/>
                     </a:solidFill>
@@ -11611,7 +11611,7 @@
               </a:ln>
               <a:extLst>
                 <a:ext uri="{91240B29-F687-4f45-9708-019B960494DF}">
-                  <a14:hiddenLine xmlns="" xmlns:a14="http://schemas.microsoft.com/office/drawing/2010/main" w="9525">
+                  <a14:hiddenLine xmlns:a14="http://schemas.microsoft.com/office/drawing/2010/main" xmlns="" w="9525">
                     <a:solidFill>
                       <a:srgbClr val="000000"/>
                     </a:solidFill>
@@ -11679,7 +11679,7 @@
               </a:ln>
               <a:extLst>
                 <a:ext uri="{91240B29-F687-4f45-9708-019B960494DF}">
-                  <a14:hiddenLine xmlns="" xmlns:a14="http://schemas.microsoft.com/office/drawing/2010/main" w="9525">
+                  <a14:hiddenLine xmlns:a14="http://schemas.microsoft.com/office/drawing/2010/main" xmlns="" w="9525">
                     <a:solidFill>
                       <a:srgbClr val="000000"/>
                     </a:solidFill>
@@ -11769,7 +11769,7 @@
               </a:ln>
               <a:extLst>
                 <a:ext uri="{91240B29-F687-4f45-9708-019B960494DF}">
-                  <a14:hiddenLine xmlns="" xmlns:a14="http://schemas.microsoft.com/office/drawing/2010/main" w="9525">
+                  <a14:hiddenLine xmlns:a14="http://schemas.microsoft.com/office/drawing/2010/main" xmlns="" w="9525">
                     <a:solidFill>
                       <a:srgbClr val="000000"/>
                     </a:solidFill>
@@ -11803,7 +11803,7 @@
               </a:ln>
               <a:extLst>
                 <a:ext uri="{91240B29-F687-4f45-9708-019B960494DF}">
-                  <a14:hiddenLine xmlns="" xmlns:a14="http://schemas.microsoft.com/office/drawing/2010/main" w="9525">
+                  <a14:hiddenLine xmlns:a14="http://schemas.microsoft.com/office/drawing/2010/main" xmlns="" w="9525">
                     <a:solidFill>
                       <a:srgbClr val="000000"/>
                     </a:solidFill>
@@ -11944,7 +11944,7 @@
             <a:fld id="{48A87A34-81AB-432B-8DAE-1953F412C126}" type="datetimeFigureOut">
               <a:rPr lang="en-US" dirty="0"/>
               <a:pPr/>
-              <a:t>11/17/2021</a:t>
+              <a:t>11/18/2021</a:t>
             </a:fld>
             <a:endParaRPr lang="en-US" dirty="0"/>
           </a:p>
@@ -12713,12 +12713,12 @@
         <p:spPr>
           <a:xfrm>
             <a:off x="1141412" y="1748118"/>
-            <a:ext cx="9905999" cy="4043083"/>
+            <a:ext cx="9905999" cy="4924145"/>
           </a:xfrm>
         </p:spPr>
         <p:txBody>
           <a:bodyPr>
-            <a:normAutofit fontScale="92500" lnSpcReduction="20000"/>
+            <a:normAutofit fontScale="85000" lnSpcReduction="10000"/>
           </a:bodyPr>
           <a:lstStyle/>
           <a:p>
@@ -12830,8 +12830,25 @@
                 <a:effectLst/>
                 <a:latin typeface="-apple-system"/>
               </a:rPr>
-              <a:t>debt ratio (as reported by SonarQube under "Measures-Maintainability")</a:t>
-            </a:r>
+              <a:t>debt ratio (as reported by SonarQube under "Measures-Maintainability</a:t>
+            </a:r>
+            <a:r>
+              <a:rPr lang="en-US" b="0" i="0">
+                <a:solidFill>
+                  <a:srgbClr val="C9D1D9"/>
+                </a:solidFill>
+                <a:effectLst/>
+                <a:latin typeface="-apple-system"/>
+              </a:rPr>
+              <a:t>"): 0.7%</a:t>
+            </a:r>
+            <a:endParaRPr lang="en-US" b="0" i="0" dirty="0">
+              <a:solidFill>
+                <a:srgbClr val="C9D1D9"/>
+              </a:solidFill>
+              <a:effectLst/>
+              <a:latin typeface="-apple-system"/>
+            </a:endParaRPr>
           </a:p>
           <a:p>
             <a:pPr algn="l">
@@ -12846,8 +12863,65 @@
                 <a:effectLst/>
                 <a:latin typeface="-apple-system"/>
               </a:rPr>
-              <a:t>rating for each quality characteristic reported in SonarQube under "Measures" (namely reliability, security, maintainability)</a:t>
-            </a:r>
+              <a:t>rating for each quality characteristic reported in SonarQube under "Measures" (namely reliability, security, maintainability): </a:t>
+            </a:r>
+          </a:p>
+          <a:p>
+            <a:pPr lvl="1"/>
+            <a:r>
+              <a:rPr lang="en-US" dirty="0">
+                <a:solidFill>
+                  <a:srgbClr val="C9D1D9"/>
+                </a:solidFill>
+                <a:latin typeface="-apple-system"/>
+              </a:rPr>
+              <a:t>Reliability		</a:t>
+            </a:r>
+            <a:r>
+              <a:rPr lang="en-US" sz="2000" dirty="0"/>
+              <a:t>→	A</a:t>
+            </a:r>
+          </a:p>
+          <a:p>
+            <a:pPr lvl="1"/>
+            <a:r>
+              <a:rPr lang="en-US" b="0" i="0" dirty="0">
+                <a:solidFill>
+                  <a:srgbClr val="C9D1D9"/>
+                </a:solidFill>
+                <a:effectLst/>
+                <a:latin typeface="-apple-system"/>
+              </a:rPr>
+              <a:t>Security	</a:t>
+            </a:r>
+            <a:r>
+              <a:rPr lang="en-US" sz="2000" dirty="0"/>
+              <a:t> 	→	A</a:t>
+            </a:r>
+          </a:p>
+          <a:p>
+            <a:pPr lvl="1"/>
+            <a:r>
+              <a:rPr lang="en-US" b="0" i="0" dirty="0">
+                <a:solidFill>
+                  <a:srgbClr val="C9D1D9"/>
+                </a:solidFill>
+                <a:effectLst/>
+                <a:latin typeface="-apple-system"/>
+              </a:rPr>
+              <a:t>Maintainability	</a:t>
+            </a:r>
+            <a:r>
+              <a:rPr lang="en-US" sz="2000" dirty="0"/>
+              <a:t>→	A</a:t>
+            </a:r>
+            <a:endParaRPr lang="en-US" b="0" i="0" dirty="0">
+              <a:solidFill>
+                <a:srgbClr val="C9D1D9"/>
+              </a:solidFill>
+              <a:effectLst/>
+              <a:latin typeface="-apple-system"/>
+            </a:endParaRPr>
           </a:p>
         </p:txBody>
       </p:sp>

--- a/Retrospective/Sprint 1 - Retrospective.pptx
+++ b/Retrospective/Sprint 1 - Retrospective.pptx
@@ -12830,25 +12830,8 @@
                 <a:effectLst/>
                 <a:latin typeface="-apple-system"/>
               </a:rPr>
-              <a:t>debt ratio (as reported by SonarQube under "Measures-Maintainability</a:t>
-            </a:r>
-            <a:r>
-              <a:rPr lang="en-US" b="0" i="0">
-                <a:solidFill>
-                  <a:srgbClr val="C9D1D9"/>
-                </a:solidFill>
-                <a:effectLst/>
-                <a:latin typeface="-apple-system"/>
-              </a:rPr>
-              <a:t>"): 0.7%</a:t>
-            </a:r>
-            <a:endParaRPr lang="en-US" b="0" i="0" dirty="0">
-              <a:solidFill>
-                <a:srgbClr val="C9D1D9"/>
-              </a:solidFill>
-              <a:effectLst/>
-              <a:latin typeface="-apple-system"/>
-            </a:endParaRPr>
+              <a:t>debt ratio (as reported by SonarQube under "Measures-Maintainability"): 0.7%</a:t>
+            </a:r>
           </a:p>
           <a:p>
             <a:pPr algn="l">
@@ -13088,6 +13071,22 @@
               <a:t>We included also SonarQube analysis under the "Implement test" task, but since the actual JEST testing proved a lot tougher, we ended up not having enough time to properly do the SonarQube analysis.</a:t>
             </a:r>
           </a:p>
+          <a:p>
+            <a:pPr marL="457200" indent="-457200" algn="l">
+              <a:buFont typeface="+mj-lt"/>
+              <a:buAutoNum type="arabicPeriod"/>
+            </a:pPr>
+            <a:r>
+              <a:rPr lang="en-US" sz="2000" b="0" i="0" dirty="0">
+                <a:solidFill>
+                  <a:srgbClr val="C9D1D9"/>
+                </a:solidFill>
+                <a:effectLst/>
+                <a:latin typeface="-apple-system"/>
+              </a:rPr>
+              <a:t>We forgot to include in the DB task the fact that we needed a certain number of dummy data to be inserted (as requested by the project PDF).</a:t>
+            </a:r>
+          </a:p>
         </p:txBody>
       </p:sp>
     </p:spTree>
@@ -13230,15 +13229,22 @@
                 </a:solidFill>
                 <a:latin typeface="-apple-system"/>
               </a:rPr>
-              <a:t>A good FE needs more development time.</a:t>
-            </a:r>
-            <a:endParaRPr lang="en-US" sz="2000" b="0" i="0" dirty="0">
-              <a:solidFill>
-                <a:srgbClr val="C9D1D9"/>
-              </a:solidFill>
-              <a:effectLst/>
-              <a:latin typeface="-apple-system"/>
-            </a:endParaRPr>
+              <a:t>The testing and technical debt tasks need to separated.</a:t>
+            </a:r>
+          </a:p>
+          <a:p>
+            <a:pPr marL="457200" indent="-457200" algn="l">
+              <a:buAutoNum type="arabicPeriod"/>
+            </a:pPr>
+            <a:r>
+              <a:rPr lang="en-US" sz="2000" dirty="0">
+                <a:solidFill>
+                  <a:srgbClr val="C9D1D9"/>
+                </a:solidFill>
+                <a:latin typeface="-apple-system"/>
+              </a:rPr>
+              <a:t>A good FE needs more development time allocated.</a:t>
+            </a:r>
           </a:p>
         </p:txBody>
       </p:sp>
@@ -13369,27 +13375,7 @@
                 <a:effectLst/>
                 <a:latin typeface="-apple-system"/>
               </a:rPr>
-              <a:t>Tasks were much better divided this time, which in turn decreased e lot the </a:t>
-            </a:r>
-            <a:r>
-              <a:rPr lang="en-US" sz="2000" b="0" i="0" dirty="0" err="1">
-                <a:solidFill>
-                  <a:srgbClr val="C9D1D9"/>
-                </a:solidFill>
-                <a:effectLst/>
-                <a:latin typeface="-apple-system"/>
-              </a:rPr>
-              <a:t>continous</a:t>
-            </a:r>
-            <a:r>
-              <a:rPr lang="en-US" sz="2000" b="0" i="0" dirty="0">
-                <a:solidFill>
-                  <a:srgbClr val="C9D1D9"/>
-                </a:solidFill>
-                <a:effectLst/>
-                <a:latin typeface="-apple-system"/>
-              </a:rPr>
-              <a:t> communication efforts needed.</a:t>
+              <a:t>Tasks were much better divided this time, which in turn decreased e lot the continuous communication efforts needed.</a:t>
             </a:r>
           </a:p>
           <a:p>
@@ -13692,13 +13678,43 @@
                 <a:effectLst/>
                 <a:latin typeface="-apple-system"/>
               </a:rPr>
-              <a:t>Testing needs to be treated differently from Technical debt and more time needs to be dedicated to the TD part.</a:t>
-            </a:r>
-          </a:p>
-          <a:p>
-            <a:pPr marL="0" indent="0" algn="l">
-              <a:buNone/>
+              <a:t>By better understanding the current suggestions of </a:t>
+            </a:r>
+            <a:r>
+              <a:rPr lang="en-US" sz="2000" b="0" i="0" dirty="0" err="1">
+                <a:solidFill>
+                  <a:srgbClr val="C9D1D9"/>
+                </a:solidFill>
+                <a:effectLst/>
+                <a:latin typeface="-apple-system"/>
+              </a:rPr>
+              <a:t>Sonarcloud</a:t>
+            </a:r>
+            <a:r>
+              <a:rPr lang="en-US" sz="2000" b="0" i="0" dirty="0">
+                <a:solidFill>
+                  <a:srgbClr val="C9D1D9"/>
+                </a:solidFill>
+                <a:effectLst/>
+                <a:latin typeface="-apple-system"/>
+              </a:rPr>
+              <a:t>, in the future we can write better code and in turn reduce the remediation efforts.</a:t>
+            </a:r>
+          </a:p>
+          <a:p>
+            <a:pPr marL="457200" indent="-457200" algn="l">
+              <a:buAutoNum type="arabicPeriod"/>
             </a:pPr>
+            <a:r>
+              <a:rPr lang="en-US" sz="2000" b="0" i="0" dirty="0">
+                <a:solidFill>
+                  <a:srgbClr val="C9D1D9"/>
+                </a:solidFill>
+                <a:effectLst/>
+                <a:latin typeface="-apple-system"/>
+              </a:rPr>
+              <a:t>Testing needs to be treated differently from Technical debt and more time needs to be dedicated to the Technical debt part.</a:t>
+            </a:r>
             <a:endParaRPr lang="en-US" b="0" i="0" dirty="0">
               <a:solidFill>
                 <a:srgbClr val="C9D1D9"/>

--- a/Retrospective/Sprint 1 - Retrospective.pptx
+++ b/Retrospective/Sprint 1 - Retrospective.pptx
@@ -185,7 +185,7 @@
           <a:noFill/>
           <a:extLst>
             <a:ext uri="{909E8E84-426E-40dd-AFC4-6F175D3DCCD1}">
-              <a14:hiddenFill xmlns:a14="http://schemas.microsoft.com/office/drawing/2010/main" xmlns="">
+              <a14:hiddenFill xmlns="" xmlns:a14="http://schemas.microsoft.com/office/drawing/2010/main">
                 <a:solidFill>
                   <a:srgbClr val="FFFFFF"/>
                 </a:solidFill>
@@ -244,7 +244,7 @@
             </a:ln>
             <a:extLst>
               <a:ext uri="{91240B29-F687-4f45-9708-019B960494DF}">
-                <a14:hiddenLine xmlns:a14="http://schemas.microsoft.com/office/drawing/2010/main" xmlns="" w="9525">
+                <a14:hiddenLine xmlns="" xmlns:a14="http://schemas.microsoft.com/office/drawing/2010/main" w="9525">
                   <a:solidFill>
                     <a:srgbClr val="000000"/>
                   </a:solidFill>
@@ -334,7 +334,7 @@
             </a:ln>
             <a:extLst>
               <a:ext uri="{91240B29-F687-4f45-9708-019B960494DF}">
-                <a14:hiddenLine xmlns:a14="http://schemas.microsoft.com/office/drawing/2010/main" xmlns="" w="9525">
+                <a14:hiddenLine xmlns="" xmlns:a14="http://schemas.microsoft.com/office/drawing/2010/main" w="9525">
                   <a:solidFill>
                     <a:srgbClr val="000000"/>
                   </a:solidFill>
@@ -424,7 +424,7 @@
             </a:ln>
             <a:extLst>
               <a:ext uri="{91240B29-F687-4f45-9708-019B960494DF}">
-                <a14:hiddenLine xmlns:a14="http://schemas.microsoft.com/office/drawing/2010/main" xmlns="" w="9525">
+                <a14:hiddenLine xmlns="" xmlns:a14="http://schemas.microsoft.com/office/drawing/2010/main" w="9525">
                   <a:solidFill>
                     <a:srgbClr val="000000"/>
                   </a:solidFill>
@@ -458,7 +458,7 @@
             </a:ln>
             <a:extLst>
               <a:ext uri="{91240B29-F687-4f45-9708-019B960494DF}">
-                <a14:hiddenLine xmlns:a14="http://schemas.microsoft.com/office/drawing/2010/main" xmlns="" w="9525">
+                <a14:hiddenLine xmlns="" xmlns:a14="http://schemas.microsoft.com/office/drawing/2010/main" w="9525">
                   <a:solidFill>
                     <a:srgbClr val="000000"/>
                   </a:solidFill>
@@ -548,7 +548,7 @@
             </a:ln>
             <a:extLst>
               <a:ext uri="{91240B29-F687-4f45-9708-019B960494DF}">
-                <a14:hiddenLine xmlns:a14="http://schemas.microsoft.com/office/drawing/2010/main" xmlns="" w="9525">
+                <a14:hiddenLine xmlns="" xmlns:a14="http://schemas.microsoft.com/office/drawing/2010/main" w="9525">
                   <a:solidFill>
                     <a:srgbClr val="000000"/>
                   </a:solidFill>
@@ -610,7 +610,7 @@
             </a:ln>
             <a:extLst>
               <a:ext uri="{91240B29-F687-4f45-9708-019B960494DF}">
-                <a14:hiddenLine xmlns:a14="http://schemas.microsoft.com/office/drawing/2010/main" xmlns="" w="9525">
+                <a14:hiddenLine xmlns="" xmlns:a14="http://schemas.microsoft.com/office/drawing/2010/main" w="9525">
                   <a:solidFill>
                     <a:srgbClr val="000000"/>
                   </a:solidFill>
@@ -672,7 +672,7 @@
             </a:ln>
             <a:extLst>
               <a:ext uri="{91240B29-F687-4f45-9708-019B960494DF}">
-                <a14:hiddenLine xmlns:a14="http://schemas.microsoft.com/office/drawing/2010/main" xmlns="" w="9525">
+                <a14:hiddenLine xmlns="" xmlns:a14="http://schemas.microsoft.com/office/drawing/2010/main" w="9525">
                   <a:solidFill>
                     <a:srgbClr val="000000"/>
                   </a:solidFill>
@@ -762,7 +762,7 @@
             </a:ln>
             <a:extLst>
               <a:ext uri="{91240B29-F687-4f45-9708-019B960494DF}">
-                <a14:hiddenLine xmlns:a14="http://schemas.microsoft.com/office/drawing/2010/main" xmlns="" w="9525">
+                <a14:hiddenLine xmlns="" xmlns:a14="http://schemas.microsoft.com/office/drawing/2010/main" w="9525">
                   <a:solidFill>
                     <a:srgbClr val="000000"/>
                   </a:solidFill>
@@ -824,7 +824,7 @@
             </a:ln>
             <a:extLst>
               <a:ext uri="{91240B29-F687-4f45-9708-019B960494DF}">
-                <a14:hiddenLine xmlns:a14="http://schemas.microsoft.com/office/drawing/2010/main" xmlns="" w="9525">
+                <a14:hiddenLine xmlns="" xmlns:a14="http://schemas.microsoft.com/office/drawing/2010/main" w="9525">
                   <a:solidFill>
                     <a:srgbClr val="000000"/>
                   </a:solidFill>
@@ -886,7 +886,7 @@
             </a:ln>
             <a:extLst>
               <a:ext uri="{91240B29-F687-4f45-9708-019B960494DF}">
-                <a14:hiddenLine xmlns:a14="http://schemas.microsoft.com/office/drawing/2010/main" xmlns="" w="9525">
+                <a14:hiddenLine xmlns="" xmlns:a14="http://schemas.microsoft.com/office/drawing/2010/main" w="9525">
                   <a:solidFill>
                     <a:srgbClr val="000000"/>
                   </a:solidFill>
@@ -976,7 +976,7 @@
             </a:ln>
             <a:extLst>
               <a:ext uri="{91240B29-F687-4f45-9708-019B960494DF}">
-                <a14:hiddenLine xmlns:a14="http://schemas.microsoft.com/office/drawing/2010/main" xmlns="" w="9525">
+                <a14:hiddenLine xmlns="" xmlns:a14="http://schemas.microsoft.com/office/drawing/2010/main" w="9525">
                   <a:solidFill>
                     <a:srgbClr val="000000"/>
                   </a:solidFill>
@@ -1066,7 +1066,7 @@
             </a:ln>
             <a:extLst>
               <a:ext uri="{91240B29-F687-4f45-9708-019B960494DF}">
-                <a14:hiddenLine xmlns:a14="http://schemas.microsoft.com/office/drawing/2010/main" xmlns="" w="9525">
+                <a14:hiddenLine xmlns="" xmlns:a14="http://schemas.microsoft.com/office/drawing/2010/main" w="9525">
                   <a:solidFill>
                     <a:srgbClr val="000000"/>
                   </a:solidFill>
@@ -1128,7 +1128,7 @@
             </a:ln>
             <a:extLst>
               <a:ext uri="{91240B29-F687-4f45-9708-019B960494DF}">
-                <a14:hiddenLine xmlns:a14="http://schemas.microsoft.com/office/drawing/2010/main" xmlns="" w="9525">
+                <a14:hiddenLine xmlns="" xmlns:a14="http://schemas.microsoft.com/office/drawing/2010/main" w="9525">
                   <a:solidFill>
                     <a:srgbClr val="000000"/>
                   </a:solidFill>
@@ -1238,7 +1238,7 @@
             </a:ln>
             <a:extLst>
               <a:ext uri="{91240B29-F687-4f45-9708-019B960494DF}">
-                <a14:hiddenLine xmlns:a14="http://schemas.microsoft.com/office/drawing/2010/main" xmlns="" w="9525">
+                <a14:hiddenLine xmlns="" xmlns:a14="http://schemas.microsoft.com/office/drawing/2010/main" w="9525">
                   <a:solidFill>
                     <a:srgbClr val="000000"/>
                   </a:solidFill>
@@ -1300,7 +1300,7 @@
             </a:ln>
             <a:extLst>
               <a:ext uri="{91240B29-F687-4f45-9708-019B960494DF}">
-                <a14:hiddenLine xmlns:a14="http://schemas.microsoft.com/office/drawing/2010/main" xmlns="" w="9525">
+                <a14:hiddenLine xmlns="" xmlns:a14="http://schemas.microsoft.com/office/drawing/2010/main" w="9525">
                   <a:solidFill>
                     <a:srgbClr val="000000"/>
                   </a:solidFill>
@@ -1390,7 +1390,7 @@
             </a:ln>
             <a:extLst>
               <a:ext uri="{91240B29-F687-4f45-9708-019B960494DF}">
-                <a14:hiddenLine xmlns:a14="http://schemas.microsoft.com/office/drawing/2010/main" xmlns="" w="9525">
+                <a14:hiddenLine xmlns="" xmlns:a14="http://schemas.microsoft.com/office/drawing/2010/main" w="9525">
                   <a:solidFill>
                     <a:srgbClr val="000000"/>
                   </a:solidFill>
@@ -1480,7 +1480,7 @@
             </a:ln>
             <a:extLst>
               <a:ext uri="{91240B29-F687-4f45-9708-019B960494DF}">
-                <a14:hiddenLine xmlns:a14="http://schemas.microsoft.com/office/drawing/2010/main" xmlns="" w="9525">
+                <a14:hiddenLine xmlns="" xmlns:a14="http://schemas.microsoft.com/office/drawing/2010/main" w="9525">
                   <a:solidFill>
                     <a:srgbClr val="000000"/>
                   </a:solidFill>
@@ -1542,7 +1542,7 @@
             </a:ln>
             <a:extLst>
               <a:ext uri="{91240B29-F687-4f45-9708-019B960494DF}">
-                <a14:hiddenLine xmlns:a14="http://schemas.microsoft.com/office/drawing/2010/main" xmlns="" w="9525">
+                <a14:hiddenLine xmlns="" xmlns:a14="http://schemas.microsoft.com/office/drawing/2010/main" w="9525">
                   <a:solidFill>
                     <a:srgbClr val="000000"/>
                   </a:solidFill>
@@ -1632,7 +1632,7 @@
             </a:ln>
             <a:extLst>
               <a:ext uri="{91240B29-F687-4f45-9708-019B960494DF}">
-                <a14:hiddenLine xmlns:a14="http://schemas.microsoft.com/office/drawing/2010/main" xmlns="" w="9525">
+                <a14:hiddenLine xmlns="" xmlns:a14="http://schemas.microsoft.com/office/drawing/2010/main" w="9525">
                   <a:solidFill>
                     <a:srgbClr val="000000"/>
                   </a:solidFill>
@@ -1722,7 +1722,7 @@
             </a:ln>
             <a:extLst>
               <a:ext uri="{91240B29-F687-4f45-9708-019B960494DF}">
-                <a14:hiddenLine xmlns:a14="http://schemas.microsoft.com/office/drawing/2010/main" xmlns="" w="9525">
+                <a14:hiddenLine xmlns="" xmlns:a14="http://schemas.microsoft.com/office/drawing/2010/main" w="9525">
                   <a:solidFill>
                     <a:srgbClr val="000000"/>
                   </a:solidFill>
@@ -1778,7 +1778,7 @@
             </a:ln>
             <a:extLst>
               <a:ext uri="{91240B29-F687-4f45-9708-019B960494DF}">
-                <a14:hiddenLine xmlns:a14="http://schemas.microsoft.com/office/drawing/2010/main" xmlns="" w="9525">
+                <a14:hiddenLine xmlns="" xmlns:a14="http://schemas.microsoft.com/office/drawing/2010/main" w="9525">
                   <a:solidFill>
                     <a:srgbClr val="000000"/>
                   </a:solidFill>
@@ -1868,7 +1868,7 @@
             </a:ln>
             <a:extLst>
               <a:ext uri="{91240B29-F687-4f45-9708-019B960494DF}">
-                <a14:hiddenLine xmlns:a14="http://schemas.microsoft.com/office/drawing/2010/main" xmlns="" w="9525">
+                <a14:hiddenLine xmlns="" xmlns:a14="http://schemas.microsoft.com/office/drawing/2010/main" w="9525">
                   <a:solidFill>
                     <a:srgbClr val="000000"/>
                   </a:solidFill>
@@ -1924,7 +1924,7 @@
             </a:ln>
             <a:extLst>
               <a:ext uri="{91240B29-F687-4f45-9708-019B960494DF}">
-                <a14:hiddenLine xmlns:a14="http://schemas.microsoft.com/office/drawing/2010/main" xmlns="" w="9525">
+                <a14:hiddenLine xmlns="" xmlns:a14="http://schemas.microsoft.com/office/drawing/2010/main" w="9525">
                   <a:solidFill>
                     <a:srgbClr val="000000"/>
                   </a:solidFill>
@@ -2014,7 +2014,7 @@
             </a:ln>
             <a:extLst>
               <a:ext uri="{91240B29-F687-4f45-9708-019B960494DF}">
-                <a14:hiddenLine xmlns:a14="http://schemas.microsoft.com/office/drawing/2010/main" xmlns="" w="9525">
+                <a14:hiddenLine xmlns="" xmlns:a14="http://schemas.microsoft.com/office/drawing/2010/main" w="9525">
                   <a:solidFill>
                     <a:srgbClr val="000000"/>
                   </a:solidFill>
@@ -2082,7 +2082,7 @@
             </a:ln>
             <a:extLst>
               <a:ext uri="{91240B29-F687-4f45-9708-019B960494DF}">
-                <a14:hiddenLine xmlns:a14="http://schemas.microsoft.com/office/drawing/2010/main" xmlns="" w="9525">
+                <a14:hiddenLine xmlns="" xmlns:a14="http://schemas.microsoft.com/office/drawing/2010/main" w="9525">
                   <a:solidFill>
                     <a:srgbClr val="000000"/>
                   </a:solidFill>
@@ -2172,7 +2172,7 @@
             </a:ln>
             <a:extLst>
               <a:ext uri="{91240B29-F687-4f45-9708-019B960494DF}">
-                <a14:hiddenLine xmlns:a14="http://schemas.microsoft.com/office/drawing/2010/main" xmlns="" w="9525">
+                <a14:hiddenLine xmlns="" xmlns:a14="http://schemas.microsoft.com/office/drawing/2010/main" w="9525">
                   <a:solidFill>
                     <a:srgbClr val="000000"/>
                   </a:solidFill>
@@ -2240,7 +2240,7 @@
             </a:ln>
             <a:extLst>
               <a:ext uri="{91240B29-F687-4f45-9708-019B960494DF}">
-                <a14:hiddenLine xmlns:a14="http://schemas.microsoft.com/office/drawing/2010/main" xmlns="" w="9525">
+                <a14:hiddenLine xmlns="" xmlns:a14="http://schemas.microsoft.com/office/drawing/2010/main" w="9525">
                   <a:solidFill>
                     <a:srgbClr val="000000"/>
                   </a:solidFill>
@@ -2330,7 +2330,7 @@
             </a:ln>
             <a:extLst>
               <a:ext uri="{91240B29-F687-4f45-9708-019B960494DF}">
-                <a14:hiddenLine xmlns:a14="http://schemas.microsoft.com/office/drawing/2010/main" xmlns="" w="9525">
+                <a14:hiddenLine xmlns="" xmlns:a14="http://schemas.microsoft.com/office/drawing/2010/main" w="9525">
                   <a:solidFill>
                     <a:srgbClr val="000000"/>
                   </a:solidFill>
@@ -2364,7 +2364,7 @@
             </a:ln>
             <a:extLst>
               <a:ext uri="{91240B29-F687-4f45-9708-019B960494DF}">
-                <a14:hiddenLine xmlns:a14="http://schemas.microsoft.com/office/drawing/2010/main" xmlns="" w="9525">
+                <a14:hiddenLine xmlns="" xmlns:a14="http://schemas.microsoft.com/office/drawing/2010/main" w="9525">
                   <a:solidFill>
                     <a:srgbClr val="000000"/>
                   </a:solidFill>
@@ -2454,7 +2454,7 @@
             </a:ln>
             <a:extLst>
               <a:ext uri="{91240B29-F687-4f45-9708-019B960494DF}">
-                <a14:hiddenLine xmlns:a14="http://schemas.microsoft.com/office/drawing/2010/main" xmlns="" w="9525">
+                <a14:hiddenLine xmlns="" xmlns:a14="http://schemas.microsoft.com/office/drawing/2010/main" w="9525">
                   <a:solidFill>
                     <a:srgbClr val="000000"/>
                   </a:solidFill>
@@ -2516,7 +2516,7 @@
             </a:ln>
             <a:extLst>
               <a:ext uri="{91240B29-F687-4f45-9708-019B960494DF}">
-                <a14:hiddenLine xmlns:a14="http://schemas.microsoft.com/office/drawing/2010/main" xmlns="" w="9525">
+                <a14:hiddenLine xmlns="" xmlns:a14="http://schemas.microsoft.com/office/drawing/2010/main" w="9525">
                   <a:solidFill>
                     <a:srgbClr val="000000"/>
                   </a:solidFill>
@@ -2578,7 +2578,7 @@
             </a:ln>
             <a:extLst>
               <a:ext uri="{91240B29-F687-4f45-9708-019B960494DF}">
-                <a14:hiddenLine xmlns:a14="http://schemas.microsoft.com/office/drawing/2010/main" xmlns="" w="9525">
+                <a14:hiddenLine xmlns="" xmlns:a14="http://schemas.microsoft.com/office/drawing/2010/main" w="9525">
                   <a:solidFill>
                     <a:srgbClr val="000000"/>
                   </a:solidFill>
@@ -2668,7 +2668,7 @@
             </a:ln>
             <a:extLst>
               <a:ext uri="{91240B29-F687-4f45-9708-019B960494DF}">
-                <a14:hiddenLine xmlns:a14="http://schemas.microsoft.com/office/drawing/2010/main" xmlns="" w="9525">
+                <a14:hiddenLine xmlns="" xmlns:a14="http://schemas.microsoft.com/office/drawing/2010/main" w="9525">
                   <a:solidFill>
                     <a:srgbClr val="000000"/>
                   </a:solidFill>
@@ -2736,7 +2736,7 @@
             </a:ln>
             <a:extLst>
               <a:ext uri="{91240B29-F687-4f45-9708-019B960494DF}">
-                <a14:hiddenLine xmlns:a14="http://schemas.microsoft.com/office/drawing/2010/main" xmlns="" w="9525">
+                <a14:hiddenLine xmlns="" xmlns:a14="http://schemas.microsoft.com/office/drawing/2010/main" w="9525">
                   <a:solidFill>
                     <a:srgbClr val="000000"/>
                   </a:solidFill>
@@ -2798,7 +2798,7 @@
             </a:ln>
             <a:extLst>
               <a:ext uri="{91240B29-F687-4f45-9708-019B960494DF}">
-                <a14:hiddenLine xmlns:a14="http://schemas.microsoft.com/office/drawing/2010/main" xmlns="" w="9525">
+                <a14:hiddenLine xmlns="" xmlns:a14="http://schemas.microsoft.com/office/drawing/2010/main" w="9525">
                   <a:solidFill>
                     <a:srgbClr val="000000"/>
                   </a:solidFill>
@@ -2888,7 +2888,7 @@
             </a:ln>
             <a:extLst>
               <a:ext uri="{91240B29-F687-4f45-9708-019B960494DF}">
-                <a14:hiddenLine xmlns:a14="http://schemas.microsoft.com/office/drawing/2010/main" xmlns="" w="9525">
+                <a14:hiddenLine xmlns="" xmlns:a14="http://schemas.microsoft.com/office/drawing/2010/main" w="9525">
                   <a:solidFill>
                     <a:srgbClr val="000000"/>
                   </a:solidFill>
@@ -2950,7 +2950,7 @@
             </a:ln>
             <a:extLst>
               <a:ext uri="{91240B29-F687-4f45-9708-019B960494DF}">
-                <a14:hiddenLine xmlns:a14="http://schemas.microsoft.com/office/drawing/2010/main" xmlns="" w="9525">
+                <a14:hiddenLine xmlns="" xmlns:a14="http://schemas.microsoft.com/office/drawing/2010/main" w="9525">
                   <a:solidFill>
                     <a:srgbClr val="000000"/>
                   </a:solidFill>
@@ -3040,7 +3040,7 @@
             </a:ln>
             <a:extLst>
               <a:ext uri="{91240B29-F687-4f45-9708-019B960494DF}">
-                <a14:hiddenLine xmlns:a14="http://schemas.microsoft.com/office/drawing/2010/main" xmlns="" w="9525">
+                <a14:hiddenLine xmlns="" xmlns:a14="http://schemas.microsoft.com/office/drawing/2010/main" w="9525">
                   <a:solidFill>
                     <a:srgbClr val="000000"/>
                   </a:solidFill>
@@ -3102,7 +3102,7 @@
             </a:ln>
             <a:extLst>
               <a:ext uri="{91240B29-F687-4f45-9708-019B960494DF}">
-                <a14:hiddenLine xmlns:a14="http://schemas.microsoft.com/office/drawing/2010/main" xmlns="" w="9525">
+                <a14:hiddenLine xmlns="" xmlns:a14="http://schemas.microsoft.com/office/drawing/2010/main" w="9525">
                   <a:solidFill>
                     <a:srgbClr val="000000"/>
                   </a:solidFill>
@@ -3192,7 +3192,7 @@
             </a:ln>
             <a:extLst>
               <a:ext uri="{91240B29-F687-4f45-9708-019B960494DF}">
-                <a14:hiddenLine xmlns:a14="http://schemas.microsoft.com/office/drawing/2010/main" xmlns="" w="9525">
+                <a14:hiddenLine xmlns="" xmlns:a14="http://schemas.microsoft.com/office/drawing/2010/main" w="9525">
                   <a:solidFill>
                     <a:srgbClr val="000000"/>
                   </a:solidFill>
@@ -3226,7 +3226,7 @@
             </a:ln>
             <a:extLst>
               <a:ext uri="{91240B29-F687-4f45-9708-019B960494DF}">
-                <a14:hiddenLine xmlns:a14="http://schemas.microsoft.com/office/drawing/2010/main" xmlns="" w="9525">
+                <a14:hiddenLine xmlns="" xmlns:a14="http://schemas.microsoft.com/office/drawing/2010/main" w="9525">
                   <a:solidFill>
                     <a:srgbClr val="000000"/>
                   </a:solidFill>
@@ -3291,7 +3291,7 @@
             </a:ln>
             <a:extLst>
               <a:ext uri="{91240B29-F687-4f45-9708-019B960494DF}">
-                <a14:hiddenLine xmlns:a14="http://schemas.microsoft.com/office/drawing/2010/main" xmlns="" w="9525">
+                <a14:hiddenLine xmlns="" xmlns:a14="http://schemas.microsoft.com/office/drawing/2010/main" w="9525">
                   <a:solidFill>
                     <a:srgbClr val="000000"/>
                   </a:solidFill>
@@ -3381,7 +3381,7 @@
             </a:ln>
             <a:extLst>
               <a:ext uri="{91240B29-F687-4f45-9708-019B960494DF}">
-                <a14:hiddenLine xmlns:a14="http://schemas.microsoft.com/office/drawing/2010/main" xmlns="" w="9525">
+                <a14:hiddenLine xmlns="" xmlns:a14="http://schemas.microsoft.com/office/drawing/2010/main" w="9525">
                   <a:solidFill>
                     <a:srgbClr val="000000"/>
                   </a:solidFill>
@@ -3443,7 +3443,7 @@
             </a:ln>
             <a:extLst>
               <a:ext uri="{91240B29-F687-4f45-9708-019B960494DF}">
-                <a14:hiddenLine xmlns:a14="http://schemas.microsoft.com/office/drawing/2010/main" xmlns="" w="9525">
+                <a14:hiddenLine xmlns="" xmlns:a14="http://schemas.microsoft.com/office/drawing/2010/main" w="9525">
                   <a:solidFill>
                     <a:srgbClr val="000000"/>
                   </a:solidFill>
@@ -3533,7 +3533,7 @@
             </a:ln>
             <a:extLst>
               <a:ext uri="{91240B29-F687-4f45-9708-019B960494DF}">
-                <a14:hiddenLine xmlns:a14="http://schemas.microsoft.com/office/drawing/2010/main" xmlns="" w="9525">
+                <a14:hiddenLine xmlns="" xmlns:a14="http://schemas.microsoft.com/office/drawing/2010/main" w="9525">
                   <a:solidFill>
                     <a:srgbClr val="000000"/>
                   </a:solidFill>
@@ -3623,7 +3623,7 @@
             </a:ln>
             <a:extLst>
               <a:ext uri="{91240B29-F687-4f45-9708-019B960494DF}">
-                <a14:hiddenLine xmlns:a14="http://schemas.microsoft.com/office/drawing/2010/main" xmlns="" w="9525">
+                <a14:hiddenLine xmlns="" xmlns:a14="http://schemas.microsoft.com/office/drawing/2010/main" w="9525">
                   <a:solidFill>
                     <a:srgbClr val="000000"/>
                   </a:solidFill>
@@ -3688,7 +3688,7 @@
             </a:ln>
             <a:extLst>
               <a:ext uri="{91240B29-F687-4f45-9708-019B960494DF}">
-                <a14:hiddenLine xmlns:a14="http://schemas.microsoft.com/office/drawing/2010/main" xmlns="" w="9525">
+                <a14:hiddenLine xmlns="" xmlns:a14="http://schemas.microsoft.com/office/drawing/2010/main" w="9525">
                   <a:solidFill>
                     <a:srgbClr val="000000"/>
                   </a:solidFill>
@@ -3750,7 +3750,7 @@
             </a:ln>
             <a:extLst>
               <a:ext uri="{91240B29-F687-4f45-9708-019B960494DF}">
-                <a14:hiddenLine xmlns:a14="http://schemas.microsoft.com/office/drawing/2010/main" xmlns="" w="9525">
+                <a14:hiddenLine xmlns="" xmlns:a14="http://schemas.microsoft.com/office/drawing/2010/main" w="9525">
                   <a:solidFill>
                     <a:srgbClr val="000000"/>
                   </a:solidFill>
@@ -3840,7 +3840,7 @@
             </a:ln>
             <a:extLst>
               <a:ext uri="{91240B29-F687-4f45-9708-019B960494DF}">
-                <a14:hiddenLine xmlns:a14="http://schemas.microsoft.com/office/drawing/2010/main" xmlns="" w="9525">
+                <a14:hiddenLine xmlns="" xmlns:a14="http://schemas.microsoft.com/office/drawing/2010/main" w="9525">
                   <a:solidFill>
                     <a:srgbClr val="000000"/>
                   </a:solidFill>
@@ -3930,7 +3930,7 @@
             </a:ln>
             <a:extLst>
               <a:ext uri="{91240B29-F687-4f45-9708-019B960494DF}">
-                <a14:hiddenLine xmlns:a14="http://schemas.microsoft.com/office/drawing/2010/main" xmlns="" w="9525">
+                <a14:hiddenLine xmlns="" xmlns:a14="http://schemas.microsoft.com/office/drawing/2010/main" w="9525">
                   <a:solidFill>
                     <a:srgbClr val="000000"/>
                   </a:solidFill>
@@ -3992,7 +3992,7 @@
             </a:ln>
             <a:extLst>
               <a:ext uri="{91240B29-F687-4f45-9708-019B960494DF}">
-                <a14:hiddenLine xmlns:a14="http://schemas.microsoft.com/office/drawing/2010/main" xmlns="" w="9525">
+                <a14:hiddenLine xmlns="" xmlns:a14="http://schemas.microsoft.com/office/drawing/2010/main" w="9525">
                   <a:solidFill>
                     <a:srgbClr val="000000"/>
                   </a:solidFill>
@@ -4112,7 +4112,7 @@
             </a:ln>
             <a:extLst>
               <a:ext uri="{91240B29-F687-4f45-9708-019B960494DF}">
-                <a14:hiddenLine xmlns:a14="http://schemas.microsoft.com/office/drawing/2010/main" xmlns="" w="9525">
+                <a14:hiddenLine xmlns="" xmlns:a14="http://schemas.microsoft.com/office/drawing/2010/main" w="9525">
                   <a:solidFill>
                     <a:srgbClr val="000000"/>
                   </a:solidFill>
@@ -4180,7 +4180,7 @@
             </a:ln>
             <a:extLst>
               <a:ext uri="{91240B29-F687-4f45-9708-019B960494DF}">
-                <a14:hiddenLine xmlns:a14="http://schemas.microsoft.com/office/drawing/2010/main" xmlns="" w="9525">
+                <a14:hiddenLine xmlns="" xmlns:a14="http://schemas.microsoft.com/office/drawing/2010/main" w="9525">
                   <a:solidFill>
                     <a:srgbClr val="000000"/>
                   </a:solidFill>
@@ -4270,7 +4270,7 @@
             </a:ln>
             <a:extLst>
               <a:ext uri="{91240B29-F687-4f45-9708-019B960494DF}">
-                <a14:hiddenLine xmlns:a14="http://schemas.microsoft.com/office/drawing/2010/main" xmlns="" w="9525">
+                <a14:hiddenLine xmlns="" xmlns:a14="http://schemas.microsoft.com/office/drawing/2010/main" w="9525">
                   <a:solidFill>
                     <a:srgbClr val="000000"/>
                   </a:solidFill>
@@ -8999,7 +8999,7 @@
           <a:noFill/>
           <a:extLst>
             <a:ext uri="{909E8E84-426E-40dd-AFC4-6F175D3DCCD1}">
-              <a14:hiddenFill xmlns:a14="http://schemas.microsoft.com/office/drawing/2010/main" xmlns="">
+              <a14:hiddenFill xmlns="" xmlns:a14="http://schemas.microsoft.com/office/drawing/2010/main">
                 <a:solidFill>
                   <a:srgbClr val="FFFFFF"/>
                 </a:solidFill>
@@ -9073,7 +9073,7 @@
               </a:ln>
               <a:extLst>
                 <a:ext uri="{91240B29-F687-4f45-9708-019B960494DF}">
-                  <a14:hiddenLine xmlns:a14="http://schemas.microsoft.com/office/drawing/2010/main" xmlns="" w="9525">
+                  <a14:hiddenLine xmlns="" xmlns:a14="http://schemas.microsoft.com/office/drawing/2010/main" w="9525">
                     <a:solidFill>
                       <a:srgbClr val="000000"/>
                     </a:solidFill>
@@ -9163,7 +9163,7 @@
               </a:ln>
               <a:extLst>
                 <a:ext uri="{91240B29-F687-4f45-9708-019B960494DF}">
-                  <a14:hiddenLine xmlns:a14="http://schemas.microsoft.com/office/drawing/2010/main" xmlns="" w="9525">
+                  <a14:hiddenLine xmlns="" xmlns:a14="http://schemas.microsoft.com/office/drawing/2010/main" w="9525">
                     <a:solidFill>
                       <a:srgbClr val="000000"/>
                     </a:solidFill>
@@ -9253,7 +9253,7 @@
               </a:ln>
               <a:extLst>
                 <a:ext uri="{91240B29-F687-4f45-9708-019B960494DF}">
-                  <a14:hiddenLine xmlns:a14="http://schemas.microsoft.com/office/drawing/2010/main" xmlns="" w="9525">
+                  <a14:hiddenLine xmlns="" xmlns:a14="http://schemas.microsoft.com/office/drawing/2010/main" w="9525">
                     <a:solidFill>
                       <a:srgbClr val="000000"/>
                     </a:solidFill>
@@ -9315,7 +9315,7 @@
               </a:ln>
               <a:extLst>
                 <a:ext uri="{91240B29-F687-4f45-9708-019B960494DF}">
-                  <a14:hiddenLine xmlns:a14="http://schemas.microsoft.com/office/drawing/2010/main" xmlns="" w="9525">
+                  <a14:hiddenLine xmlns="" xmlns:a14="http://schemas.microsoft.com/office/drawing/2010/main" w="9525">
                     <a:solidFill>
                       <a:srgbClr val="000000"/>
                     </a:solidFill>
@@ -9405,7 +9405,7 @@
               </a:ln>
               <a:extLst>
                 <a:ext uri="{91240B29-F687-4f45-9708-019B960494DF}">
-                  <a14:hiddenLine xmlns:a14="http://schemas.microsoft.com/office/drawing/2010/main" xmlns="" w="9525">
+                  <a14:hiddenLine xmlns="" xmlns:a14="http://schemas.microsoft.com/office/drawing/2010/main" w="9525">
                     <a:solidFill>
                       <a:srgbClr val="000000"/>
                     </a:solidFill>
@@ -9467,7 +9467,7 @@
               </a:ln>
               <a:extLst>
                 <a:ext uri="{91240B29-F687-4f45-9708-019B960494DF}">
-                  <a14:hiddenLine xmlns:a14="http://schemas.microsoft.com/office/drawing/2010/main" xmlns="" w="9525">
+                  <a14:hiddenLine xmlns="" xmlns:a14="http://schemas.microsoft.com/office/drawing/2010/main" w="9525">
                     <a:solidFill>
                       <a:srgbClr val="000000"/>
                     </a:solidFill>
@@ -9529,7 +9529,7 @@
               </a:ln>
               <a:extLst>
                 <a:ext uri="{91240B29-F687-4f45-9708-019B960494DF}">
-                  <a14:hiddenLine xmlns:a14="http://schemas.microsoft.com/office/drawing/2010/main" xmlns="" w="9525">
+                  <a14:hiddenLine xmlns="" xmlns:a14="http://schemas.microsoft.com/office/drawing/2010/main" w="9525">
                     <a:solidFill>
                       <a:srgbClr val="000000"/>
                     </a:solidFill>
@@ -9619,7 +9619,7 @@
               </a:ln>
               <a:extLst>
                 <a:ext uri="{91240B29-F687-4f45-9708-019B960494DF}">
-                  <a14:hiddenLine xmlns:a14="http://schemas.microsoft.com/office/drawing/2010/main" xmlns="" w="9525">
+                  <a14:hiddenLine xmlns="" xmlns:a14="http://schemas.microsoft.com/office/drawing/2010/main" w="9525">
                     <a:solidFill>
                       <a:srgbClr val="000000"/>
                     </a:solidFill>
@@ -9709,7 +9709,7 @@
               </a:ln>
               <a:extLst>
                 <a:ext uri="{91240B29-F687-4f45-9708-019B960494DF}">
-                  <a14:hiddenLine xmlns:a14="http://schemas.microsoft.com/office/drawing/2010/main" xmlns="" w="9525">
+                  <a14:hiddenLine xmlns="" xmlns:a14="http://schemas.microsoft.com/office/drawing/2010/main" w="9525">
                     <a:solidFill>
                       <a:srgbClr val="000000"/>
                     </a:solidFill>
@@ -9771,7 +9771,7 @@
               </a:ln>
               <a:extLst>
                 <a:ext uri="{91240B29-F687-4f45-9708-019B960494DF}">
-                  <a14:hiddenLine xmlns:a14="http://schemas.microsoft.com/office/drawing/2010/main" xmlns="" w="9525">
+                  <a14:hiddenLine xmlns="" xmlns:a14="http://schemas.microsoft.com/office/drawing/2010/main" w="9525">
                     <a:solidFill>
                       <a:srgbClr val="000000"/>
                     </a:solidFill>
@@ -9881,7 +9881,7 @@
               </a:ln>
               <a:extLst>
                 <a:ext uri="{91240B29-F687-4f45-9708-019B960494DF}">
-                  <a14:hiddenLine xmlns:a14="http://schemas.microsoft.com/office/drawing/2010/main" xmlns="" w="9525">
+                  <a14:hiddenLine xmlns="" xmlns:a14="http://schemas.microsoft.com/office/drawing/2010/main" w="9525">
                     <a:solidFill>
                       <a:srgbClr val="000000"/>
                     </a:solidFill>
@@ -9965,7 +9965,7 @@
               </a:ln>
               <a:extLst>
                 <a:ext uri="{91240B29-F687-4f45-9708-019B960494DF}">
-                  <a14:hiddenLine xmlns:a14="http://schemas.microsoft.com/office/drawing/2010/main" xmlns="" w="9525">
+                  <a14:hiddenLine xmlns="" xmlns:a14="http://schemas.microsoft.com/office/drawing/2010/main" w="9525">
                     <a:solidFill>
                       <a:srgbClr val="000000"/>
                     </a:solidFill>
@@ -10027,7 +10027,7 @@
               </a:ln>
               <a:extLst>
                 <a:ext uri="{91240B29-F687-4f45-9708-019B960494DF}">
-                  <a14:hiddenLine xmlns:a14="http://schemas.microsoft.com/office/drawing/2010/main" xmlns="" w="9525">
+                  <a14:hiddenLine xmlns="" xmlns:a14="http://schemas.microsoft.com/office/drawing/2010/main" w="9525">
                     <a:solidFill>
                       <a:srgbClr val="000000"/>
                     </a:solidFill>
@@ -10089,7 +10089,7 @@
               </a:ln>
               <a:extLst>
                 <a:ext uri="{91240B29-F687-4f45-9708-019B960494DF}">
-                  <a14:hiddenLine xmlns:a14="http://schemas.microsoft.com/office/drawing/2010/main" xmlns="" w="9525">
+                  <a14:hiddenLine xmlns="" xmlns:a14="http://schemas.microsoft.com/office/drawing/2010/main" w="9525">
                     <a:solidFill>
                       <a:srgbClr val="000000"/>
                     </a:solidFill>
@@ -10179,7 +10179,7 @@
               </a:ln>
               <a:extLst>
                 <a:ext uri="{91240B29-F687-4f45-9708-019B960494DF}">
-                  <a14:hiddenLine xmlns:a14="http://schemas.microsoft.com/office/drawing/2010/main" xmlns="" w="9525">
+                  <a14:hiddenLine xmlns="" xmlns:a14="http://schemas.microsoft.com/office/drawing/2010/main" w="9525">
                     <a:solidFill>
                       <a:srgbClr val="000000"/>
                     </a:solidFill>
@@ -10213,7 +10213,7 @@
               </a:ln>
               <a:extLst>
                 <a:ext uri="{91240B29-F687-4f45-9708-019B960494DF}">
-                  <a14:hiddenLine xmlns:a14="http://schemas.microsoft.com/office/drawing/2010/main" xmlns="" w="9525">
+                  <a14:hiddenLine xmlns="" xmlns:a14="http://schemas.microsoft.com/office/drawing/2010/main" w="9525">
                     <a:solidFill>
                       <a:srgbClr val="000000"/>
                     </a:solidFill>
@@ -10278,7 +10278,7 @@
               </a:ln>
               <a:extLst>
                 <a:ext uri="{91240B29-F687-4f45-9708-019B960494DF}">
-                  <a14:hiddenLine xmlns:a14="http://schemas.microsoft.com/office/drawing/2010/main" xmlns="" w="9525">
+                  <a14:hiddenLine xmlns="" xmlns:a14="http://schemas.microsoft.com/office/drawing/2010/main" w="9525">
                     <a:solidFill>
                       <a:srgbClr val="000000"/>
                     </a:solidFill>
@@ -10368,7 +10368,7 @@
               </a:ln>
               <a:extLst>
                 <a:ext uri="{91240B29-F687-4f45-9708-019B960494DF}">
-                  <a14:hiddenLine xmlns:a14="http://schemas.microsoft.com/office/drawing/2010/main" xmlns="" w="9525">
+                  <a14:hiddenLine xmlns="" xmlns:a14="http://schemas.microsoft.com/office/drawing/2010/main" w="9525">
                     <a:solidFill>
                       <a:srgbClr val="000000"/>
                     </a:solidFill>
@@ -10430,7 +10430,7 @@
               </a:ln>
               <a:extLst>
                 <a:ext uri="{91240B29-F687-4f45-9708-019B960494DF}">
-                  <a14:hiddenLine xmlns:a14="http://schemas.microsoft.com/office/drawing/2010/main" xmlns="" w="9525">
+                  <a14:hiddenLine xmlns="" xmlns:a14="http://schemas.microsoft.com/office/drawing/2010/main" w="9525">
                     <a:solidFill>
                       <a:srgbClr val="000000"/>
                     </a:solidFill>
@@ -10520,7 +10520,7 @@
               </a:ln>
               <a:extLst>
                 <a:ext uri="{91240B29-F687-4f45-9708-019B960494DF}">
-                  <a14:hiddenLine xmlns:a14="http://schemas.microsoft.com/office/drawing/2010/main" xmlns="" w="9525">
+                  <a14:hiddenLine xmlns="" xmlns:a14="http://schemas.microsoft.com/office/drawing/2010/main" w="9525">
                     <a:solidFill>
                       <a:srgbClr val="000000"/>
                     </a:solidFill>
@@ -10585,7 +10585,7 @@
               </a:ln>
               <a:extLst>
                 <a:ext uri="{91240B29-F687-4f45-9708-019B960494DF}">
-                  <a14:hiddenLine xmlns:a14="http://schemas.microsoft.com/office/drawing/2010/main" xmlns="" w="9525">
+                  <a14:hiddenLine xmlns="" xmlns:a14="http://schemas.microsoft.com/office/drawing/2010/main" w="9525">
                     <a:solidFill>
                       <a:srgbClr val="000000"/>
                     </a:solidFill>
@@ -10647,7 +10647,7 @@
               </a:ln>
               <a:extLst>
                 <a:ext uri="{91240B29-F687-4f45-9708-019B960494DF}">
-                  <a14:hiddenLine xmlns:a14="http://schemas.microsoft.com/office/drawing/2010/main" xmlns="" w="9525">
+                  <a14:hiddenLine xmlns="" xmlns:a14="http://schemas.microsoft.com/office/drawing/2010/main" w="9525">
                     <a:solidFill>
                       <a:srgbClr val="000000"/>
                     </a:solidFill>
@@ -10737,7 +10737,7 @@
               </a:ln>
               <a:extLst>
                 <a:ext uri="{91240B29-F687-4f45-9708-019B960494DF}">
-                  <a14:hiddenLine xmlns:a14="http://schemas.microsoft.com/office/drawing/2010/main" xmlns="" w="9525">
+                  <a14:hiddenLine xmlns="" xmlns:a14="http://schemas.microsoft.com/office/drawing/2010/main" w="9525">
                     <a:solidFill>
                       <a:srgbClr val="000000"/>
                     </a:solidFill>
@@ -10827,7 +10827,7 @@
               </a:ln>
               <a:extLst>
                 <a:ext uri="{91240B29-F687-4f45-9708-019B960494DF}">
-                  <a14:hiddenLine xmlns:a14="http://schemas.microsoft.com/office/drawing/2010/main" xmlns="" w="9525">
+                  <a14:hiddenLine xmlns="" xmlns:a14="http://schemas.microsoft.com/office/drawing/2010/main" w="9525">
                     <a:solidFill>
                       <a:srgbClr val="000000"/>
                     </a:solidFill>
@@ -10892,7 +10892,7 @@
               </a:ln>
               <a:extLst>
                 <a:ext uri="{91240B29-F687-4f45-9708-019B960494DF}">
-                  <a14:hiddenLine xmlns:a14="http://schemas.microsoft.com/office/drawing/2010/main" xmlns="" w="9525">
+                  <a14:hiddenLine xmlns="" xmlns:a14="http://schemas.microsoft.com/office/drawing/2010/main" w="9525">
                     <a:solidFill>
                       <a:srgbClr val="000000"/>
                     </a:solidFill>
@@ -11012,7 +11012,7 @@
               </a:ln>
               <a:extLst>
                 <a:ext uri="{91240B29-F687-4f45-9708-019B960494DF}">
-                  <a14:hiddenLine xmlns:a14="http://schemas.microsoft.com/office/drawing/2010/main" xmlns="" w="9525">
+                  <a14:hiddenLine xmlns="" xmlns:a14="http://schemas.microsoft.com/office/drawing/2010/main" w="9525">
                     <a:solidFill>
                       <a:srgbClr val="000000"/>
                     </a:solidFill>
@@ -11093,7 +11093,7 @@
               </a:ln>
               <a:extLst>
                 <a:ext uri="{91240B29-F687-4f45-9708-019B960494DF}">
-                  <a14:hiddenLine xmlns:a14="http://schemas.microsoft.com/office/drawing/2010/main" xmlns="" w="9525">
+                  <a14:hiddenLine xmlns="" xmlns:a14="http://schemas.microsoft.com/office/drawing/2010/main" w="9525">
                     <a:solidFill>
                       <a:srgbClr val="000000"/>
                     </a:solidFill>
@@ -11208,7 +11208,7 @@
               </a:ln>
               <a:extLst>
                 <a:ext uri="{91240B29-F687-4f45-9708-019B960494DF}">
-                  <a14:hiddenLine xmlns:a14="http://schemas.microsoft.com/office/drawing/2010/main" xmlns="" w="9525">
+                  <a14:hiddenLine xmlns="" xmlns:a14="http://schemas.microsoft.com/office/drawing/2010/main" w="9525">
                     <a:solidFill>
                       <a:srgbClr val="000000"/>
                     </a:solidFill>
@@ -11298,7 +11298,7 @@
               </a:ln>
               <a:extLst>
                 <a:ext uri="{91240B29-F687-4f45-9708-019B960494DF}">
-                  <a14:hiddenLine xmlns:a14="http://schemas.microsoft.com/office/drawing/2010/main" xmlns="" w="9525">
+                  <a14:hiddenLine xmlns="" xmlns:a14="http://schemas.microsoft.com/office/drawing/2010/main" w="9525">
                     <a:solidFill>
                       <a:srgbClr val="000000"/>
                     </a:solidFill>
@@ -11363,7 +11363,7 @@
               </a:ln>
               <a:extLst>
                 <a:ext uri="{91240B29-F687-4f45-9708-019B960494DF}">
-                  <a14:hiddenLine xmlns:a14="http://schemas.microsoft.com/office/drawing/2010/main" xmlns="" w="9525">
+                  <a14:hiddenLine xmlns="" xmlns:a14="http://schemas.microsoft.com/office/drawing/2010/main" w="9525">
                     <a:solidFill>
                       <a:srgbClr val="000000"/>
                     </a:solidFill>
@@ -11453,7 +11453,7 @@
               </a:ln>
               <a:extLst>
                 <a:ext uri="{91240B29-F687-4f45-9708-019B960494DF}">
-                  <a14:hiddenLine xmlns:a14="http://schemas.microsoft.com/office/drawing/2010/main" xmlns="" w="9525">
+                  <a14:hiddenLine xmlns="" xmlns:a14="http://schemas.microsoft.com/office/drawing/2010/main" w="9525">
                     <a:solidFill>
                       <a:srgbClr val="000000"/>
                     </a:solidFill>
@@ -11521,7 +11521,7 @@
               </a:ln>
               <a:extLst>
                 <a:ext uri="{91240B29-F687-4f45-9708-019B960494DF}">
-                  <a14:hiddenLine xmlns:a14="http://schemas.microsoft.com/office/drawing/2010/main" xmlns="" w="9525">
+                  <a14:hiddenLine xmlns="" xmlns:a14="http://schemas.microsoft.com/office/drawing/2010/main" w="9525">
                     <a:solidFill>
                       <a:srgbClr val="000000"/>
                     </a:solidFill>
@@ -11611,7 +11611,7 @@
               </a:ln>
               <a:extLst>
                 <a:ext uri="{91240B29-F687-4f45-9708-019B960494DF}">
-                  <a14:hiddenLine xmlns:a14="http://schemas.microsoft.com/office/drawing/2010/main" xmlns="" w="9525">
+                  <a14:hiddenLine xmlns="" xmlns:a14="http://schemas.microsoft.com/office/drawing/2010/main" w="9525">
                     <a:solidFill>
                       <a:srgbClr val="000000"/>
                     </a:solidFill>
@@ -11679,7 +11679,7 @@
               </a:ln>
               <a:extLst>
                 <a:ext uri="{91240B29-F687-4f45-9708-019B960494DF}">
-                  <a14:hiddenLine xmlns:a14="http://schemas.microsoft.com/office/drawing/2010/main" xmlns="" w="9525">
+                  <a14:hiddenLine xmlns="" xmlns:a14="http://schemas.microsoft.com/office/drawing/2010/main" w="9525">
                     <a:solidFill>
                       <a:srgbClr val="000000"/>
                     </a:solidFill>
@@ -11769,7 +11769,7 @@
               </a:ln>
               <a:extLst>
                 <a:ext uri="{91240B29-F687-4f45-9708-019B960494DF}">
-                  <a14:hiddenLine xmlns:a14="http://schemas.microsoft.com/office/drawing/2010/main" xmlns="" w="9525">
+                  <a14:hiddenLine xmlns="" xmlns:a14="http://schemas.microsoft.com/office/drawing/2010/main" w="9525">
                     <a:solidFill>
                       <a:srgbClr val="000000"/>
                     </a:solidFill>
@@ -11803,7 +11803,7 @@
               </a:ln>
               <a:extLst>
                 <a:ext uri="{91240B29-F687-4f45-9708-019B960494DF}">
-                  <a14:hiddenLine xmlns:a14="http://schemas.microsoft.com/office/drawing/2010/main" xmlns="" w="9525">
+                  <a14:hiddenLine xmlns="" xmlns:a14="http://schemas.microsoft.com/office/drawing/2010/main" w="9525">
                     <a:solidFill>
                       <a:srgbClr val="000000"/>
                     </a:solidFill>
@@ -12718,7 +12718,7 @@
         </p:spPr>
         <p:txBody>
           <a:bodyPr>
-            <a:normAutofit fontScale="85000" lnSpcReduction="10000"/>
+            <a:normAutofit fontScale="85000" lnSpcReduction="20000"/>
           </a:bodyPr>
           <a:lstStyle/>
           <a:p>
@@ -12782,14 +12782,10 @@
                 <a:effectLst/>
                 <a:latin typeface="-apple-system"/>
               </a:rPr>
-              <a:t>Hours estimated for remediation by SonarQube</a:t>
-            </a:r>
-          </a:p>
-          <a:p>
-            <a:pPr algn="l">
-              <a:buFont typeface="Arial" panose="020B0604020202020204" pitchFamily="34" charset="0"/>
-              <a:buChar char="•"/>
-            </a:pPr>
+              <a:t>Hours estimated for remediation by SonarQube: 1d3h (only in Maintainability - fixing code smells)</a:t>
+            </a:r>
+          </a:p>
+          <a:p>
             <a:r>
               <a:rPr lang="en-US" b="0" i="0" dirty="0">
                 <a:solidFill>
@@ -12798,7 +12794,7 @@
                 <a:effectLst/>
                 <a:latin typeface="-apple-system"/>
               </a:rPr>
-              <a:t>Hours estimated for remediation by SonarQube only for the selected and planned issues</a:t>
+              <a:t>Hours estimated for remediation by SonarQube only for the selected and planned issues: 1d3h (only in Maintainability - fixing code smells)</a:t>
             </a:r>
           </a:p>
           <a:p>
@@ -12814,7 +12810,7 @@
                 <a:effectLst/>
                 <a:latin typeface="-apple-system"/>
               </a:rPr>
-              <a:t>Hours spent on remediation</a:t>
+              <a:t>Hours spent on remediation: 3h</a:t>
             </a:r>
           </a:p>
           <a:p>
@@ -13678,27 +13674,7 @@
                 <a:effectLst/>
                 <a:latin typeface="-apple-system"/>
               </a:rPr>
-              <a:t>By better understanding the current suggestions of </a:t>
-            </a:r>
-            <a:r>
-              <a:rPr lang="en-US" sz="2000" b="0" i="0" dirty="0" err="1">
-                <a:solidFill>
-                  <a:srgbClr val="C9D1D9"/>
-                </a:solidFill>
-                <a:effectLst/>
-                <a:latin typeface="-apple-system"/>
-              </a:rPr>
-              <a:t>Sonarcloud</a:t>
-            </a:r>
-            <a:r>
-              <a:rPr lang="en-US" sz="2000" b="0" i="0" dirty="0">
-                <a:solidFill>
-                  <a:srgbClr val="C9D1D9"/>
-                </a:solidFill>
-                <a:effectLst/>
-                <a:latin typeface="-apple-system"/>
-              </a:rPr>
-              <a:t>, in the future we can write better code and in turn reduce the remediation efforts.</a:t>
+              <a:t>By better understanding the current suggestions of Sonarcloud, in the future we can write better code and in turn reduce the remediation efforts.</a:t>
             </a:r>
           </a:p>
           <a:p>
@@ -15208,14 +15184,6 @@
               <a:rPr lang="en-US" sz="2800" dirty="0"/>
               <a:t>Standard deviation: 0.28</a:t>
             </a:r>
-          </a:p>
-          <a:p>
-            <a:pPr marL="860425" indent="-457200">
-              <a:lnSpc>
-                <a:spcPct val="100000"/>
-              </a:lnSpc>
-            </a:pPr>
-            <a:endParaRPr lang="en-US" sz="2800" dirty="0"/>
           </a:p>
           <a:p>
             <a:pPr marL="860425" indent="-457200">

--- a/Retrospective/Sprint 1 - Retrospective.pptx
+++ b/Retrospective/Sprint 1 - Retrospective.pptx
@@ -185,7 +185,7 @@
           <a:noFill/>
           <a:extLst>
             <a:ext uri="{909E8E84-426E-40dd-AFC4-6F175D3DCCD1}">
-              <a14:hiddenFill xmlns="" xmlns:a14="http://schemas.microsoft.com/office/drawing/2010/main">
+              <a14:hiddenFill xmlns:a14="http://schemas.microsoft.com/office/drawing/2010/main" xmlns="">
                 <a:solidFill>
                   <a:srgbClr val="FFFFFF"/>
                 </a:solidFill>
@@ -244,7 +244,7 @@
             </a:ln>
             <a:extLst>
               <a:ext uri="{91240B29-F687-4f45-9708-019B960494DF}">
-                <a14:hiddenLine xmlns="" xmlns:a14="http://schemas.microsoft.com/office/drawing/2010/main" w="9525">
+                <a14:hiddenLine xmlns:a14="http://schemas.microsoft.com/office/drawing/2010/main" xmlns="" w="9525">
                   <a:solidFill>
                     <a:srgbClr val="000000"/>
                   </a:solidFill>
@@ -334,7 +334,7 @@
             </a:ln>
             <a:extLst>
               <a:ext uri="{91240B29-F687-4f45-9708-019B960494DF}">
-                <a14:hiddenLine xmlns="" xmlns:a14="http://schemas.microsoft.com/office/drawing/2010/main" w="9525">
+                <a14:hiddenLine xmlns:a14="http://schemas.microsoft.com/office/drawing/2010/main" xmlns="" w="9525">
                   <a:solidFill>
                     <a:srgbClr val="000000"/>
                   </a:solidFill>
@@ -424,7 +424,7 @@
             </a:ln>
             <a:extLst>
               <a:ext uri="{91240B29-F687-4f45-9708-019B960494DF}">
-                <a14:hiddenLine xmlns="" xmlns:a14="http://schemas.microsoft.com/office/drawing/2010/main" w="9525">
+                <a14:hiddenLine xmlns:a14="http://schemas.microsoft.com/office/drawing/2010/main" xmlns="" w="9525">
                   <a:solidFill>
                     <a:srgbClr val="000000"/>
                   </a:solidFill>
@@ -458,7 +458,7 @@
             </a:ln>
             <a:extLst>
               <a:ext uri="{91240B29-F687-4f45-9708-019B960494DF}">
-                <a14:hiddenLine xmlns="" xmlns:a14="http://schemas.microsoft.com/office/drawing/2010/main" w="9525">
+                <a14:hiddenLine xmlns:a14="http://schemas.microsoft.com/office/drawing/2010/main" xmlns="" w="9525">
                   <a:solidFill>
                     <a:srgbClr val="000000"/>
                   </a:solidFill>
@@ -548,7 +548,7 @@
             </a:ln>
             <a:extLst>
               <a:ext uri="{91240B29-F687-4f45-9708-019B960494DF}">
-                <a14:hiddenLine xmlns="" xmlns:a14="http://schemas.microsoft.com/office/drawing/2010/main" w="9525">
+                <a14:hiddenLine xmlns:a14="http://schemas.microsoft.com/office/drawing/2010/main" xmlns="" w="9525">
                   <a:solidFill>
                     <a:srgbClr val="000000"/>
                   </a:solidFill>
@@ -610,7 +610,7 @@
             </a:ln>
             <a:extLst>
               <a:ext uri="{91240B29-F687-4f45-9708-019B960494DF}">
-                <a14:hiddenLine xmlns="" xmlns:a14="http://schemas.microsoft.com/office/drawing/2010/main" w="9525">
+                <a14:hiddenLine xmlns:a14="http://schemas.microsoft.com/office/drawing/2010/main" xmlns="" w="9525">
                   <a:solidFill>
                     <a:srgbClr val="000000"/>
                   </a:solidFill>
@@ -672,7 +672,7 @@
             </a:ln>
             <a:extLst>
               <a:ext uri="{91240B29-F687-4f45-9708-019B960494DF}">
-                <a14:hiddenLine xmlns="" xmlns:a14="http://schemas.microsoft.com/office/drawing/2010/main" w="9525">
+                <a14:hiddenLine xmlns:a14="http://schemas.microsoft.com/office/drawing/2010/main" xmlns="" w="9525">
                   <a:solidFill>
                     <a:srgbClr val="000000"/>
                   </a:solidFill>
@@ -762,7 +762,7 @@
             </a:ln>
             <a:extLst>
               <a:ext uri="{91240B29-F687-4f45-9708-019B960494DF}">
-                <a14:hiddenLine xmlns="" xmlns:a14="http://schemas.microsoft.com/office/drawing/2010/main" w="9525">
+                <a14:hiddenLine xmlns:a14="http://schemas.microsoft.com/office/drawing/2010/main" xmlns="" w="9525">
                   <a:solidFill>
                     <a:srgbClr val="000000"/>
                   </a:solidFill>
@@ -824,7 +824,7 @@
             </a:ln>
             <a:extLst>
               <a:ext uri="{91240B29-F687-4f45-9708-019B960494DF}">
-                <a14:hiddenLine xmlns="" xmlns:a14="http://schemas.microsoft.com/office/drawing/2010/main" w="9525">
+                <a14:hiddenLine xmlns:a14="http://schemas.microsoft.com/office/drawing/2010/main" xmlns="" w="9525">
                   <a:solidFill>
                     <a:srgbClr val="000000"/>
                   </a:solidFill>
@@ -886,7 +886,7 @@
             </a:ln>
             <a:extLst>
               <a:ext uri="{91240B29-F687-4f45-9708-019B960494DF}">
-                <a14:hiddenLine xmlns="" xmlns:a14="http://schemas.microsoft.com/office/drawing/2010/main" w="9525">
+                <a14:hiddenLine xmlns:a14="http://schemas.microsoft.com/office/drawing/2010/main" xmlns="" w="9525">
                   <a:solidFill>
                     <a:srgbClr val="000000"/>
                   </a:solidFill>
@@ -976,7 +976,7 @@
             </a:ln>
             <a:extLst>
               <a:ext uri="{91240B29-F687-4f45-9708-019B960494DF}">
-                <a14:hiddenLine xmlns="" xmlns:a14="http://schemas.microsoft.com/office/drawing/2010/main" w="9525">
+                <a14:hiddenLine xmlns:a14="http://schemas.microsoft.com/office/drawing/2010/main" xmlns="" w="9525">
                   <a:solidFill>
                     <a:srgbClr val="000000"/>
                   </a:solidFill>
@@ -1066,7 +1066,7 @@
             </a:ln>
             <a:extLst>
               <a:ext uri="{91240B29-F687-4f45-9708-019B960494DF}">
-                <a14:hiddenLine xmlns="" xmlns:a14="http://schemas.microsoft.com/office/drawing/2010/main" w="9525">
+                <a14:hiddenLine xmlns:a14="http://schemas.microsoft.com/office/drawing/2010/main" xmlns="" w="9525">
                   <a:solidFill>
                     <a:srgbClr val="000000"/>
                   </a:solidFill>
@@ -1128,7 +1128,7 @@
             </a:ln>
             <a:extLst>
               <a:ext uri="{91240B29-F687-4f45-9708-019B960494DF}">
-                <a14:hiddenLine xmlns="" xmlns:a14="http://schemas.microsoft.com/office/drawing/2010/main" w="9525">
+                <a14:hiddenLine xmlns:a14="http://schemas.microsoft.com/office/drawing/2010/main" xmlns="" w="9525">
                   <a:solidFill>
                     <a:srgbClr val="000000"/>
                   </a:solidFill>
@@ -1238,7 +1238,7 @@
             </a:ln>
             <a:extLst>
               <a:ext uri="{91240B29-F687-4f45-9708-019B960494DF}">
-                <a14:hiddenLine xmlns="" xmlns:a14="http://schemas.microsoft.com/office/drawing/2010/main" w="9525">
+                <a14:hiddenLine xmlns:a14="http://schemas.microsoft.com/office/drawing/2010/main" xmlns="" w="9525">
                   <a:solidFill>
                     <a:srgbClr val="000000"/>
                   </a:solidFill>
@@ -1300,7 +1300,7 @@
             </a:ln>
             <a:extLst>
               <a:ext uri="{91240B29-F687-4f45-9708-019B960494DF}">
-                <a14:hiddenLine xmlns="" xmlns:a14="http://schemas.microsoft.com/office/drawing/2010/main" w="9525">
+                <a14:hiddenLine xmlns:a14="http://schemas.microsoft.com/office/drawing/2010/main" xmlns="" w="9525">
                   <a:solidFill>
                     <a:srgbClr val="000000"/>
                   </a:solidFill>
@@ -1390,7 +1390,7 @@
             </a:ln>
             <a:extLst>
               <a:ext uri="{91240B29-F687-4f45-9708-019B960494DF}">
-                <a14:hiddenLine xmlns="" xmlns:a14="http://schemas.microsoft.com/office/drawing/2010/main" w="9525">
+                <a14:hiddenLine xmlns:a14="http://schemas.microsoft.com/office/drawing/2010/main" xmlns="" w="9525">
                   <a:solidFill>
                     <a:srgbClr val="000000"/>
                   </a:solidFill>
@@ -1480,7 +1480,7 @@
             </a:ln>
             <a:extLst>
               <a:ext uri="{91240B29-F687-4f45-9708-019B960494DF}">
-                <a14:hiddenLine xmlns="" xmlns:a14="http://schemas.microsoft.com/office/drawing/2010/main" w="9525">
+                <a14:hiddenLine xmlns:a14="http://schemas.microsoft.com/office/drawing/2010/main" xmlns="" w="9525">
                   <a:solidFill>
                     <a:srgbClr val="000000"/>
                   </a:solidFill>
@@ -1542,7 +1542,7 @@
             </a:ln>
             <a:extLst>
               <a:ext uri="{91240B29-F687-4f45-9708-019B960494DF}">
-                <a14:hiddenLine xmlns="" xmlns:a14="http://schemas.microsoft.com/office/drawing/2010/main" w="9525">
+                <a14:hiddenLine xmlns:a14="http://schemas.microsoft.com/office/drawing/2010/main" xmlns="" w="9525">
                   <a:solidFill>
                     <a:srgbClr val="000000"/>
                   </a:solidFill>
@@ -1632,7 +1632,7 @@
             </a:ln>
             <a:extLst>
               <a:ext uri="{91240B29-F687-4f45-9708-019B960494DF}">
-                <a14:hiddenLine xmlns="" xmlns:a14="http://schemas.microsoft.com/office/drawing/2010/main" w="9525">
+                <a14:hiddenLine xmlns:a14="http://schemas.microsoft.com/office/drawing/2010/main" xmlns="" w="9525">
                   <a:solidFill>
                     <a:srgbClr val="000000"/>
                   </a:solidFill>
@@ -1722,7 +1722,7 @@
             </a:ln>
             <a:extLst>
               <a:ext uri="{91240B29-F687-4f45-9708-019B960494DF}">
-                <a14:hiddenLine xmlns="" xmlns:a14="http://schemas.microsoft.com/office/drawing/2010/main" w="9525">
+                <a14:hiddenLine xmlns:a14="http://schemas.microsoft.com/office/drawing/2010/main" xmlns="" w="9525">
                   <a:solidFill>
                     <a:srgbClr val="000000"/>
                   </a:solidFill>
@@ -1778,7 +1778,7 @@
             </a:ln>
             <a:extLst>
               <a:ext uri="{91240B29-F687-4f45-9708-019B960494DF}">
-                <a14:hiddenLine xmlns="" xmlns:a14="http://schemas.microsoft.com/office/drawing/2010/main" w="9525">
+                <a14:hiddenLine xmlns:a14="http://schemas.microsoft.com/office/drawing/2010/main" xmlns="" w="9525">
                   <a:solidFill>
                     <a:srgbClr val="000000"/>
                   </a:solidFill>
@@ -1868,7 +1868,7 @@
             </a:ln>
             <a:extLst>
               <a:ext uri="{91240B29-F687-4f45-9708-019B960494DF}">
-                <a14:hiddenLine xmlns="" xmlns:a14="http://schemas.microsoft.com/office/drawing/2010/main" w="9525">
+                <a14:hiddenLine xmlns:a14="http://schemas.microsoft.com/office/drawing/2010/main" xmlns="" w="9525">
                   <a:solidFill>
                     <a:srgbClr val="000000"/>
                   </a:solidFill>
@@ -1924,7 +1924,7 @@
             </a:ln>
             <a:extLst>
               <a:ext uri="{91240B29-F687-4f45-9708-019B960494DF}">
-                <a14:hiddenLine xmlns="" xmlns:a14="http://schemas.microsoft.com/office/drawing/2010/main" w="9525">
+                <a14:hiddenLine xmlns:a14="http://schemas.microsoft.com/office/drawing/2010/main" xmlns="" w="9525">
                   <a:solidFill>
                     <a:srgbClr val="000000"/>
                   </a:solidFill>
@@ -2014,7 +2014,7 @@
             </a:ln>
             <a:extLst>
               <a:ext uri="{91240B29-F687-4f45-9708-019B960494DF}">
-                <a14:hiddenLine xmlns="" xmlns:a14="http://schemas.microsoft.com/office/drawing/2010/main" w="9525">
+                <a14:hiddenLine xmlns:a14="http://schemas.microsoft.com/office/drawing/2010/main" xmlns="" w="9525">
                   <a:solidFill>
                     <a:srgbClr val="000000"/>
                   </a:solidFill>
@@ -2082,7 +2082,7 @@
             </a:ln>
             <a:extLst>
               <a:ext uri="{91240B29-F687-4f45-9708-019B960494DF}">
-                <a14:hiddenLine xmlns="" xmlns:a14="http://schemas.microsoft.com/office/drawing/2010/main" w="9525">
+                <a14:hiddenLine xmlns:a14="http://schemas.microsoft.com/office/drawing/2010/main" xmlns="" w="9525">
                   <a:solidFill>
                     <a:srgbClr val="000000"/>
                   </a:solidFill>
@@ -2172,7 +2172,7 @@
             </a:ln>
             <a:extLst>
               <a:ext uri="{91240B29-F687-4f45-9708-019B960494DF}">
-                <a14:hiddenLine xmlns="" xmlns:a14="http://schemas.microsoft.com/office/drawing/2010/main" w="9525">
+                <a14:hiddenLine xmlns:a14="http://schemas.microsoft.com/office/drawing/2010/main" xmlns="" w="9525">
                   <a:solidFill>
                     <a:srgbClr val="000000"/>
                   </a:solidFill>
@@ -2240,7 +2240,7 @@
             </a:ln>
             <a:extLst>
               <a:ext uri="{91240B29-F687-4f45-9708-019B960494DF}">
-                <a14:hiddenLine xmlns="" xmlns:a14="http://schemas.microsoft.com/office/drawing/2010/main" w="9525">
+                <a14:hiddenLine xmlns:a14="http://schemas.microsoft.com/office/drawing/2010/main" xmlns="" w="9525">
                   <a:solidFill>
                     <a:srgbClr val="000000"/>
                   </a:solidFill>
@@ -2330,7 +2330,7 @@
             </a:ln>
             <a:extLst>
               <a:ext uri="{91240B29-F687-4f45-9708-019B960494DF}">
-                <a14:hiddenLine xmlns="" xmlns:a14="http://schemas.microsoft.com/office/drawing/2010/main" w="9525">
+                <a14:hiddenLine xmlns:a14="http://schemas.microsoft.com/office/drawing/2010/main" xmlns="" w="9525">
                   <a:solidFill>
                     <a:srgbClr val="000000"/>
                   </a:solidFill>
@@ -2364,7 +2364,7 @@
             </a:ln>
             <a:extLst>
               <a:ext uri="{91240B29-F687-4f45-9708-019B960494DF}">
-                <a14:hiddenLine xmlns="" xmlns:a14="http://schemas.microsoft.com/office/drawing/2010/main" w="9525">
+                <a14:hiddenLine xmlns:a14="http://schemas.microsoft.com/office/drawing/2010/main" xmlns="" w="9525">
                   <a:solidFill>
                     <a:srgbClr val="000000"/>
                   </a:solidFill>
@@ -2454,7 +2454,7 @@
             </a:ln>
             <a:extLst>
               <a:ext uri="{91240B29-F687-4f45-9708-019B960494DF}">
-                <a14:hiddenLine xmlns="" xmlns:a14="http://schemas.microsoft.com/office/drawing/2010/main" w="9525">
+                <a14:hiddenLine xmlns:a14="http://schemas.microsoft.com/office/drawing/2010/main" xmlns="" w="9525">
                   <a:solidFill>
                     <a:srgbClr val="000000"/>
                   </a:solidFill>
@@ -2516,7 +2516,7 @@
             </a:ln>
             <a:extLst>
               <a:ext uri="{91240B29-F687-4f45-9708-019B960494DF}">
-                <a14:hiddenLine xmlns="" xmlns:a14="http://schemas.microsoft.com/office/drawing/2010/main" w="9525">
+                <a14:hiddenLine xmlns:a14="http://schemas.microsoft.com/office/drawing/2010/main" xmlns="" w="9525">
                   <a:solidFill>
                     <a:srgbClr val="000000"/>
                   </a:solidFill>
@@ -2578,7 +2578,7 @@
             </a:ln>
             <a:extLst>
               <a:ext uri="{91240B29-F687-4f45-9708-019B960494DF}">
-                <a14:hiddenLine xmlns="" xmlns:a14="http://schemas.microsoft.com/office/drawing/2010/main" w="9525">
+                <a14:hiddenLine xmlns:a14="http://schemas.microsoft.com/office/drawing/2010/main" xmlns="" w="9525">
                   <a:solidFill>
                     <a:srgbClr val="000000"/>
                   </a:solidFill>
@@ -2668,7 +2668,7 @@
             </a:ln>
             <a:extLst>
               <a:ext uri="{91240B29-F687-4f45-9708-019B960494DF}">
-                <a14:hiddenLine xmlns="" xmlns:a14="http://schemas.microsoft.com/office/drawing/2010/main" w="9525">
+                <a14:hiddenLine xmlns:a14="http://schemas.microsoft.com/office/drawing/2010/main" xmlns="" w="9525">
                   <a:solidFill>
                     <a:srgbClr val="000000"/>
                   </a:solidFill>
@@ -2736,7 +2736,7 @@
             </a:ln>
             <a:extLst>
               <a:ext uri="{91240B29-F687-4f45-9708-019B960494DF}">
-                <a14:hiddenLine xmlns="" xmlns:a14="http://schemas.microsoft.com/office/drawing/2010/main" w="9525">
+                <a14:hiddenLine xmlns:a14="http://schemas.microsoft.com/office/drawing/2010/main" xmlns="" w="9525">
                   <a:solidFill>
                     <a:srgbClr val="000000"/>
                   </a:solidFill>
@@ -2798,7 +2798,7 @@
             </a:ln>
             <a:extLst>
               <a:ext uri="{91240B29-F687-4f45-9708-019B960494DF}">
-                <a14:hiddenLine xmlns="" xmlns:a14="http://schemas.microsoft.com/office/drawing/2010/main" w="9525">
+                <a14:hiddenLine xmlns:a14="http://schemas.microsoft.com/office/drawing/2010/main" xmlns="" w="9525">
                   <a:solidFill>
                     <a:srgbClr val="000000"/>
                   </a:solidFill>
@@ -2888,7 +2888,7 @@
             </a:ln>
             <a:extLst>
               <a:ext uri="{91240B29-F687-4f45-9708-019B960494DF}">
-                <a14:hiddenLine xmlns="" xmlns:a14="http://schemas.microsoft.com/office/drawing/2010/main" w="9525">
+                <a14:hiddenLine xmlns:a14="http://schemas.microsoft.com/office/drawing/2010/main" xmlns="" w="9525">
                   <a:solidFill>
                     <a:srgbClr val="000000"/>
                   </a:solidFill>
@@ -2950,7 +2950,7 @@
             </a:ln>
             <a:extLst>
               <a:ext uri="{91240B29-F687-4f45-9708-019B960494DF}">
-                <a14:hiddenLine xmlns="" xmlns:a14="http://schemas.microsoft.com/office/drawing/2010/main" w="9525">
+                <a14:hiddenLine xmlns:a14="http://schemas.microsoft.com/office/drawing/2010/main" xmlns="" w="9525">
                   <a:solidFill>
                     <a:srgbClr val="000000"/>
                   </a:solidFill>
@@ -3040,7 +3040,7 @@
             </a:ln>
             <a:extLst>
               <a:ext uri="{91240B29-F687-4f45-9708-019B960494DF}">
-                <a14:hiddenLine xmlns="" xmlns:a14="http://schemas.microsoft.com/office/drawing/2010/main" w="9525">
+                <a14:hiddenLine xmlns:a14="http://schemas.microsoft.com/office/drawing/2010/main" xmlns="" w="9525">
                   <a:solidFill>
                     <a:srgbClr val="000000"/>
                   </a:solidFill>
@@ -3102,7 +3102,7 @@
             </a:ln>
             <a:extLst>
               <a:ext uri="{91240B29-F687-4f45-9708-019B960494DF}">
-                <a14:hiddenLine xmlns="" xmlns:a14="http://schemas.microsoft.com/office/drawing/2010/main" w="9525">
+                <a14:hiddenLine xmlns:a14="http://schemas.microsoft.com/office/drawing/2010/main" xmlns="" w="9525">
                   <a:solidFill>
                     <a:srgbClr val="000000"/>
                   </a:solidFill>
@@ -3192,7 +3192,7 @@
             </a:ln>
             <a:extLst>
               <a:ext uri="{91240B29-F687-4f45-9708-019B960494DF}">
-                <a14:hiddenLine xmlns="" xmlns:a14="http://schemas.microsoft.com/office/drawing/2010/main" w="9525">
+                <a14:hiddenLine xmlns:a14="http://schemas.microsoft.com/office/drawing/2010/main" xmlns="" w="9525">
                   <a:solidFill>
                     <a:srgbClr val="000000"/>
                   </a:solidFill>
@@ -3226,7 +3226,7 @@
             </a:ln>
             <a:extLst>
               <a:ext uri="{91240B29-F687-4f45-9708-019B960494DF}">
-                <a14:hiddenLine xmlns="" xmlns:a14="http://schemas.microsoft.com/office/drawing/2010/main" w="9525">
+                <a14:hiddenLine xmlns:a14="http://schemas.microsoft.com/office/drawing/2010/main" xmlns="" w="9525">
                   <a:solidFill>
                     <a:srgbClr val="000000"/>
                   </a:solidFill>
@@ -3291,7 +3291,7 @@
             </a:ln>
             <a:extLst>
               <a:ext uri="{91240B29-F687-4f45-9708-019B960494DF}">
-                <a14:hiddenLine xmlns="" xmlns:a14="http://schemas.microsoft.com/office/drawing/2010/main" w="9525">
+                <a14:hiddenLine xmlns:a14="http://schemas.microsoft.com/office/drawing/2010/main" xmlns="" w="9525">
                   <a:solidFill>
                     <a:srgbClr val="000000"/>
                   </a:solidFill>
@@ -3381,7 +3381,7 @@
             </a:ln>
             <a:extLst>
               <a:ext uri="{91240B29-F687-4f45-9708-019B960494DF}">
-                <a14:hiddenLine xmlns="" xmlns:a14="http://schemas.microsoft.com/office/drawing/2010/main" w="9525">
+                <a14:hiddenLine xmlns:a14="http://schemas.microsoft.com/office/drawing/2010/main" xmlns="" w="9525">
                   <a:solidFill>
                     <a:srgbClr val="000000"/>
                   </a:solidFill>
@@ -3443,7 +3443,7 @@
             </a:ln>
             <a:extLst>
               <a:ext uri="{91240B29-F687-4f45-9708-019B960494DF}">
-                <a14:hiddenLine xmlns="" xmlns:a14="http://schemas.microsoft.com/office/drawing/2010/main" w="9525">
+                <a14:hiddenLine xmlns:a14="http://schemas.microsoft.com/office/drawing/2010/main" xmlns="" w="9525">
                   <a:solidFill>
                     <a:srgbClr val="000000"/>
                   </a:solidFill>
@@ -3533,7 +3533,7 @@
             </a:ln>
             <a:extLst>
               <a:ext uri="{91240B29-F687-4f45-9708-019B960494DF}">
-                <a14:hiddenLine xmlns="" xmlns:a14="http://schemas.microsoft.com/office/drawing/2010/main" w="9525">
+                <a14:hiddenLine xmlns:a14="http://schemas.microsoft.com/office/drawing/2010/main" xmlns="" w="9525">
                   <a:solidFill>
                     <a:srgbClr val="000000"/>
                   </a:solidFill>
@@ -3623,7 +3623,7 @@
             </a:ln>
             <a:extLst>
               <a:ext uri="{91240B29-F687-4f45-9708-019B960494DF}">
-                <a14:hiddenLine xmlns="" xmlns:a14="http://schemas.microsoft.com/office/drawing/2010/main" w="9525">
+                <a14:hiddenLine xmlns:a14="http://schemas.microsoft.com/office/drawing/2010/main" xmlns="" w="9525">
                   <a:solidFill>
                     <a:srgbClr val="000000"/>
                   </a:solidFill>
@@ -3688,7 +3688,7 @@
             </a:ln>
             <a:extLst>
               <a:ext uri="{91240B29-F687-4f45-9708-019B960494DF}">
-                <a14:hiddenLine xmlns="" xmlns:a14="http://schemas.microsoft.com/office/drawing/2010/main" w="9525">
+                <a14:hiddenLine xmlns:a14="http://schemas.microsoft.com/office/drawing/2010/main" xmlns="" w="9525">
                   <a:solidFill>
                     <a:srgbClr val="000000"/>
                   </a:solidFill>
@@ -3750,7 +3750,7 @@
             </a:ln>
             <a:extLst>
               <a:ext uri="{91240B29-F687-4f45-9708-019B960494DF}">
-                <a14:hiddenLine xmlns="" xmlns:a14="http://schemas.microsoft.com/office/drawing/2010/main" w="9525">
+                <a14:hiddenLine xmlns:a14="http://schemas.microsoft.com/office/drawing/2010/main" xmlns="" w="9525">
                   <a:solidFill>
                     <a:srgbClr val="000000"/>
                   </a:solidFill>
@@ -3840,7 +3840,7 @@
             </a:ln>
             <a:extLst>
               <a:ext uri="{91240B29-F687-4f45-9708-019B960494DF}">
-                <a14:hiddenLine xmlns="" xmlns:a14="http://schemas.microsoft.com/office/drawing/2010/main" w="9525">
+                <a14:hiddenLine xmlns:a14="http://schemas.microsoft.com/office/drawing/2010/main" xmlns="" w="9525">
                   <a:solidFill>
                     <a:srgbClr val="000000"/>
                   </a:solidFill>
@@ -3930,7 +3930,7 @@
             </a:ln>
             <a:extLst>
               <a:ext uri="{91240B29-F687-4f45-9708-019B960494DF}">
-                <a14:hiddenLine xmlns="" xmlns:a14="http://schemas.microsoft.com/office/drawing/2010/main" w="9525">
+                <a14:hiddenLine xmlns:a14="http://schemas.microsoft.com/office/drawing/2010/main" xmlns="" w="9525">
                   <a:solidFill>
                     <a:srgbClr val="000000"/>
                   </a:solidFill>
@@ -3992,7 +3992,7 @@
             </a:ln>
             <a:extLst>
               <a:ext uri="{91240B29-F687-4f45-9708-019B960494DF}">
-                <a14:hiddenLine xmlns="" xmlns:a14="http://schemas.microsoft.com/office/drawing/2010/main" w="9525">
+                <a14:hiddenLine xmlns:a14="http://schemas.microsoft.com/office/drawing/2010/main" xmlns="" w="9525">
                   <a:solidFill>
                     <a:srgbClr val="000000"/>
                   </a:solidFill>
@@ -4112,7 +4112,7 @@
             </a:ln>
             <a:extLst>
               <a:ext uri="{91240B29-F687-4f45-9708-019B960494DF}">
-                <a14:hiddenLine xmlns="" xmlns:a14="http://schemas.microsoft.com/office/drawing/2010/main" w="9525">
+                <a14:hiddenLine xmlns:a14="http://schemas.microsoft.com/office/drawing/2010/main" xmlns="" w="9525">
                   <a:solidFill>
                     <a:srgbClr val="000000"/>
                   </a:solidFill>
@@ -4180,7 +4180,7 @@
             </a:ln>
             <a:extLst>
               <a:ext uri="{91240B29-F687-4f45-9708-019B960494DF}">
-                <a14:hiddenLine xmlns="" xmlns:a14="http://schemas.microsoft.com/office/drawing/2010/main" w="9525">
+                <a14:hiddenLine xmlns:a14="http://schemas.microsoft.com/office/drawing/2010/main" xmlns="" w="9525">
                   <a:solidFill>
                     <a:srgbClr val="000000"/>
                   </a:solidFill>
@@ -4270,7 +4270,7 @@
             </a:ln>
             <a:extLst>
               <a:ext uri="{91240B29-F687-4f45-9708-019B960494DF}">
-                <a14:hiddenLine xmlns="" xmlns:a14="http://schemas.microsoft.com/office/drawing/2010/main" w="9525">
+                <a14:hiddenLine xmlns:a14="http://schemas.microsoft.com/office/drawing/2010/main" xmlns="" w="9525">
                   <a:solidFill>
                     <a:srgbClr val="000000"/>
                   </a:solidFill>
@@ -4410,7 +4410,7 @@
           <a:p>
             <a:fld id="{48A87A34-81AB-432B-8DAE-1953F412C126}" type="datetimeFigureOut">
               <a:rPr lang="en-US" dirty="0"/>
-              <a:t>11/18/2021</a:t>
+              <a:t>11/19/2021</a:t>
             </a:fld>
             <a:endParaRPr lang="en-US" dirty="0"/>
           </a:p>
@@ -4672,7 +4672,7 @@
           <a:p>
             <a:fld id="{48A87A34-81AB-432B-8DAE-1953F412C126}" type="datetimeFigureOut">
               <a:rPr lang="en-US" dirty="0"/>
-              <a:t>11/18/2021</a:t>
+              <a:t>11/19/2021</a:t>
             </a:fld>
             <a:endParaRPr lang="en-US" dirty="0"/>
           </a:p>
@@ -4863,7 +4863,7 @@
           <a:p>
             <a:fld id="{48A87A34-81AB-432B-8DAE-1953F412C126}" type="datetimeFigureOut">
               <a:rPr lang="en-US" dirty="0"/>
-              <a:t>11/18/2021</a:t>
+              <a:t>11/19/2021</a:t>
             </a:fld>
             <a:endParaRPr lang="en-US" dirty="0"/>
           </a:p>
@@ -5121,7 +5121,7 @@
           <a:p>
             <a:fld id="{48A87A34-81AB-432B-8DAE-1953F412C126}" type="datetimeFigureOut">
               <a:rPr lang="en-US" dirty="0"/>
-              <a:t>11/18/2021</a:t>
+              <a:t>11/19/2021</a:t>
             </a:fld>
             <a:endParaRPr lang="en-US" dirty="0"/>
           </a:p>
@@ -5550,7 +5550,7 @@
           <a:p>
             <a:fld id="{48A87A34-81AB-432B-8DAE-1953F412C126}" type="datetimeFigureOut">
               <a:rPr lang="en-US" dirty="0"/>
-              <a:t>11/18/2021</a:t>
+              <a:t>11/19/2021</a:t>
             </a:fld>
             <a:endParaRPr lang="en-US" dirty="0"/>
           </a:p>
@@ -6091,7 +6091,7 @@
           <a:p>
             <a:fld id="{48A87A34-81AB-432B-8DAE-1953F412C126}" type="datetimeFigureOut">
               <a:rPr lang="en-US" dirty="0"/>
-              <a:t>11/18/2021</a:t>
+              <a:t>11/19/2021</a:t>
             </a:fld>
             <a:endParaRPr lang="en-US" dirty="0"/>
           </a:p>
@@ -6806,7 +6806,7 @@
           <a:p>
             <a:fld id="{48A87A34-81AB-432B-8DAE-1953F412C126}" type="datetimeFigureOut">
               <a:rPr lang="en-US" dirty="0"/>
-              <a:t>11/18/2021</a:t>
+              <a:t>11/19/2021</a:t>
             </a:fld>
             <a:endParaRPr lang="en-US" dirty="0"/>
           </a:p>
@@ -6971,7 +6971,7 @@
           <a:p>
             <a:fld id="{48A87A34-81AB-432B-8DAE-1953F412C126}" type="datetimeFigureOut">
               <a:rPr lang="en-US" dirty="0"/>
-              <a:t>11/18/2021</a:t>
+              <a:t>11/19/2021</a:t>
             </a:fld>
             <a:endParaRPr lang="en-US" dirty="0"/>
           </a:p>
@@ -7146,7 +7146,7 @@
           <a:p>
             <a:fld id="{48A87A34-81AB-432B-8DAE-1953F412C126}" type="datetimeFigureOut">
               <a:rPr lang="en-US" dirty="0"/>
-              <a:t>11/18/2021</a:t>
+              <a:t>11/19/2021</a:t>
             </a:fld>
             <a:endParaRPr lang="en-US" dirty="0"/>
           </a:p>
@@ -7311,7 +7311,7 @@
           <a:p>
             <a:fld id="{48A87A34-81AB-432B-8DAE-1953F412C126}" type="datetimeFigureOut">
               <a:rPr lang="en-US" dirty="0"/>
-              <a:t>11/18/2021</a:t>
+              <a:t>11/19/2021</a:t>
             </a:fld>
             <a:endParaRPr lang="en-US" dirty="0"/>
           </a:p>
@@ -7556,7 +7556,7 @@
           <a:p>
             <a:fld id="{48A87A34-81AB-432B-8DAE-1953F412C126}" type="datetimeFigureOut">
               <a:rPr lang="en-US" dirty="0"/>
-              <a:t>11/18/2021</a:t>
+              <a:t>11/19/2021</a:t>
             </a:fld>
             <a:endParaRPr lang="en-US" dirty="0"/>
           </a:p>
@@ -7783,7 +7783,7 @@
           <a:p>
             <a:fld id="{48A87A34-81AB-432B-8DAE-1953F412C126}" type="datetimeFigureOut">
               <a:rPr lang="en-US" dirty="0"/>
-              <a:t>11/18/2021</a:t>
+              <a:t>11/19/2021</a:t>
             </a:fld>
             <a:endParaRPr lang="en-US" dirty="0"/>
           </a:p>
@@ -8159,7 +8159,7 @@
           <a:p>
             <a:fld id="{48A87A34-81AB-432B-8DAE-1953F412C126}" type="datetimeFigureOut">
               <a:rPr lang="en-US" dirty="0"/>
-              <a:t>11/18/2021</a:t>
+              <a:t>11/19/2021</a:t>
             </a:fld>
             <a:endParaRPr lang="en-US" dirty="0"/>
           </a:p>
@@ -8272,7 +8272,7 @@
           <a:p>
             <a:fld id="{48A87A34-81AB-432B-8DAE-1953F412C126}" type="datetimeFigureOut">
               <a:rPr lang="en-US" dirty="0"/>
-              <a:t>11/18/2021</a:t>
+              <a:t>11/19/2021</a:t>
             </a:fld>
             <a:endParaRPr lang="en-US" dirty="0"/>
           </a:p>
@@ -8362,7 +8362,7 @@
           <a:p>
             <a:fld id="{48A87A34-81AB-432B-8DAE-1953F412C126}" type="datetimeFigureOut">
               <a:rPr lang="en-US" dirty="0"/>
-              <a:t>11/18/2021</a:t>
+              <a:t>11/19/2021</a:t>
             </a:fld>
             <a:endParaRPr lang="en-US" dirty="0"/>
           </a:p>
@@ -8606,7 +8606,7 @@
           <a:p>
             <a:fld id="{48A87A34-81AB-432B-8DAE-1953F412C126}" type="datetimeFigureOut">
               <a:rPr lang="en-US" dirty="0"/>
-              <a:t>11/18/2021</a:t>
+              <a:t>11/19/2021</a:t>
             </a:fld>
             <a:endParaRPr lang="en-US" dirty="0"/>
           </a:p>
@@ -8881,7 +8881,7 @@
           <a:p>
             <a:fld id="{48A87A34-81AB-432B-8DAE-1953F412C126}" type="datetimeFigureOut">
               <a:rPr lang="en-US" dirty="0"/>
-              <a:t>11/18/2021</a:t>
+              <a:t>11/19/2021</a:t>
             </a:fld>
             <a:endParaRPr lang="en-US" dirty="0"/>
           </a:p>
@@ -8999,7 +8999,7 @@
           <a:noFill/>
           <a:extLst>
             <a:ext uri="{909E8E84-426E-40dd-AFC4-6F175D3DCCD1}">
-              <a14:hiddenFill xmlns="" xmlns:a14="http://schemas.microsoft.com/office/drawing/2010/main">
+              <a14:hiddenFill xmlns:a14="http://schemas.microsoft.com/office/drawing/2010/main" xmlns="">
                 <a:solidFill>
                   <a:srgbClr val="FFFFFF"/>
                 </a:solidFill>
@@ -9073,7 +9073,7 @@
               </a:ln>
               <a:extLst>
                 <a:ext uri="{91240B29-F687-4f45-9708-019B960494DF}">
-                  <a14:hiddenLine xmlns="" xmlns:a14="http://schemas.microsoft.com/office/drawing/2010/main" w="9525">
+                  <a14:hiddenLine xmlns:a14="http://schemas.microsoft.com/office/drawing/2010/main" xmlns="" w="9525">
                     <a:solidFill>
                       <a:srgbClr val="000000"/>
                     </a:solidFill>
@@ -9163,7 +9163,7 @@
               </a:ln>
               <a:extLst>
                 <a:ext uri="{91240B29-F687-4f45-9708-019B960494DF}">
-                  <a14:hiddenLine xmlns="" xmlns:a14="http://schemas.microsoft.com/office/drawing/2010/main" w="9525">
+                  <a14:hiddenLine xmlns:a14="http://schemas.microsoft.com/office/drawing/2010/main" xmlns="" w="9525">
                     <a:solidFill>
                       <a:srgbClr val="000000"/>
                     </a:solidFill>
@@ -9253,7 +9253,7 @@
               </a:ln>
               <a:extLst>
                 <a:ext uri="{91240B29-F687-4f45-9708-019B960494DF}">
-                  <a14:hiddenLine xmlns="" xmlns:a14="http://schemas.microsoft.com/office/drawing/2010/main" w="9525">
+                  <a14:hiddenLine xmlns:a14="http://schemas.microsoft.com/office/drawing/2010/main" xmlns="" w="9525">
                     <a:solidFill>
                       <a:srgbClr val="000000"/>
                     </a:solidFill>
@@ -9315,7 +9315,7 @@
               </a:ln>
               <a:extLst>
                 <a:ext uri="{91240B29-F687-4f45-9708-019B960494DF}">
-                  <a14:hiddenLine xmlns="" xmlns:a14="http://schemas.microsoft.com/office/drawing/2010/main" w="9525">
+                  <a14:hiddenLine xmlns:a14="http://schemas.microsoft.com/office/drawing/2010/main" xmlns="" w="9525">
                     <a:solidFill>
                       <a:srgbClr val="000000"/>
                     </a:solidFill>
@@ -9405,7 +9405,7 @@
               </a:ln>
               <a:extLst>
                 <a:ext uri="{91240B29-F687-4f45-9708-019B960494DF}">
-                  <a14:hiddenLine xmlns="" xmlns:a14="http://schemas.microsoft.com/office/drawing/2010/main" w="9525">
+                  <a14:hiddenLine xmlns:a14="http://schemas.microsoft.com/office/drawing/2010/main" xmlns="" w="9525">
                     <a:solidFill>
                       <a:srgbClr val="000000"/>
                     </a:solidFill>
@@ -9467,7 +9467,7 @@
               </a:ln>
               <a:extLst>
                 <a:ext uri="{91240B29-F687-4f45-9708-019B960494DF}">
-                  <a14:hiddenLine xmlns="" xmlns:a14="http://schemas.microsoft.com/office/drawing/2010/main" w="9525">
+                  <a14:hiddenLine xmlns:a14="http://schemas.microsoft.com/office/drawing/2010/main" xmlns="" w="9525">
                     <a:solidFill>
                       <a:srgbClr val="000000"/>
                     </a:solidFill>
@@ -9529,7 +9529,7 @@
               </a:ln>
               <a:extLst>
                 <a:ext uri="{91240B29-F687-4f45-9708-019B960494DF}">
-                  <a14:hiddenLine xmlns="" xmlns:a14="http://schemas.microsoft.com/office/drawing/2010/main" w="9525">
+                  <a14:hiddenLine xmlns:a14="http://schemas.microsoft.com/office/drawing/2010/main" xmlns="" w="9525">
                     <a:solidFill>
                       <a:srgbClr val="000000"/>
                     </a:solidFill>
@@ -9619,7 +9619,7 @@
               </a:ln>
               <a:extLst>
                 <a:ext uri="{91240B29-F687-4f45-9708-019B960494DF}">
-                  <a14:hiddenLine xmlns="" xmlns:a14="http://schemas.microsoft.com/office/drawing/2010/main" w="9525">
+                  <a14:hiddenLine xmlns:a14="http://schemas.microsoft.com/office/drawing/2010/main" xmlns="" w="9525">
                     <a:solidFill>
                       <a:srgbClr val="000000"/>
                     </a:solidFill>
@@ -9709,7 +9709,7 @@
               </a:ln>
               <a:extLst>
                 <a:ext uri="{91240B29-F687-4f45-9708-019B960494DF}">
-                  <a14:hiddenLine xmlns="" xmlns:a14="http://schemas.microsoft.com/office/drawing/2010/main" w="9525">
+                  <a14:hiddenLine xmlns:a14="http://schemas.microsoft.com/office/drawing/2010/main" xmlns="" w="9525">
                     <a:solidFill>
                       <a:srgbClr val="000000"/>
                     </a:solidFill>
@@ -9771,7 +9771,7 @@
               </a:ln>
               <a:extLst>
                 <a:ext uri="{91240B29-F687-4f45-9708-019B960494DF}">
-                  <a14:hiddenLine xmlns="" xmlns:a14="http://schemas.microsoft.com/office/drawing/2010/main" w="9525">
+                  <a14:hiddenLine xmlns:a14="http://schemas.microsoft.com/office/drawing/2010/main" xmlns="" w="9525">
                     <a:solidFill>
                       <a:srgbClr val="000000"/>
                     </a:solidFill>
@@ -9881,7 +9881,7 @@
               </a:ln>
               <a:extLst>
                 <a:ext uri="{91240B29-F687-4f45-9708-019B960494DF}">
-                  <a14:hiddenLine xmlns="" xmlns:a14="http://schemas.microsoft.com/office/drawing/2010/main" w="9525">
+                  <a14:hiddenLine xmlns:a14="http://schemas.microsoft.com/office/drawing/2010/main" xmlns="" w="9525">
                     <a:solidFill>
                       <a:srgbClr val="000000"/>
                     </a:solidFill>
@@ -9965,7 +9965,7 @@
               </a:ln>
               <a:extLst>
                 <a:ext uri="{91240B29-F687-4f45-9708-019B960494DF}">
-                  <a14:hiddenLine xmlns="" xmlns:a14="http://schemas.microsoft.com/office/drawing/2010/main" w="9525">
+                  <a14:hiddenLine xmlns:a14="http://schemas.microsoft.com/office/drawing/2010/main" xmlns="" w="9525">
                     <a:solidFill>
                       <a:srgbClr val="000000"/>
                     </a:solidFill>
@@ -10027,7 +10027,7 @@
               </a:ln>
               <a:extLst>
                 <a:ext uri="{91240B29-F687-4f45-9708-019B960494DF}">
-                  <a14:hiddenLine xmlns="" xmlns:a14="http://schemas.microsoft.com/office/drawing/2010/main" w="9525">
+                  <a14:hiddenLine xmlns:a14="http://schemas.microsoft.com/office/drawing/2010/main" xmlns="" w="9525">
                     <a:solidFill>
                       <a:srgbClr val="000000"/>
                     </a:solidFill>
@@ -10089,7 +10089,7 @@
               </a:ln>
               <a:extLst>
                 <a:ext uri="{91240B29-F687-4f45-9708-019B960494DF}">
-                  <a14:hiddenLine xmlns="" xmlns:a14="http://schemas.microsoft.com/office/drawing/2010/main" w="9525">
+                  <a14:hiddenLine xmlns:a14="http://schemas.microsoft.com/office/drawing/2010/main" xmlns="" w="9525">
                     <a:solidFill>
                       <a:srgbClr val="000000"/>
                     </a:solidFill>
@@ -10179,7 +10179,7 @@
               </a:ln>
               <a:extLst>
                 <a:ext uri="{91240B29-F687-4f45-9708-019B960494DF}">
-                  <a14:hiddenLine xmlns="" xmlns:a14="http://schemas.microsoft.com/office/drawing/2010/main" w="9525">
+                  <a14:hiddenLine xmlns:a14="http://schemas.microsoft.com/office/drawing/2010/main" xmlns="" w="9525">
                     <a:solidFill>
                       <a:srgbClr val="000000"/>
                     </a:solidFill>
@@ -10213,7 +10213,7 @@
               </a:ln>
               <a:extLst>
                 <a:ext uri="{91240B29-F687-4f45-9708-019B960494DF}">
-                  <a14:hiddenLine xmlns="" xmlns:a14="http://schemas.microsoft.com/office/drawing/2010/main" w="9525">
+                  <a14:hiddenLine xmlns:a14="http://schemas.microsoft.com/office/drawing/2010/main" xmlns="" w="9525">
                     <a:solidFill>
                       <a:srgbClr val="000000"/>
                     </a:solidFill>
@@ -10278,7 +10278,7 @@
               </a:ln>
               <a:extLst>
                 <a:ext uri="{91240B29-F687-4f45-9708-019B960494DF}">
-                  <a14:hiddenLine xmlns="" xmlns:a14="http://schemas.microsoft.com/office/drawing/2010/main" w="9525">
+                  <a14:hiddenLine xmlns:a14="http://schemas.microsoft.com/office/drawing/2010/main" xmlns="" w="9525">
                     <a:solidFill>
                       <a:srgbClr val="000000"/>
                     </a:solidFill>
@@ -10368,7 +10368,7 @@
               </a:ln>
               <a:extLst>
                 <a:ext uri="{91240B29-F687-4f45-9708-019B960494DF}">
-                  <a14:hiddenLine xmlns="" xmlns:a14="http://schemas.microsoft.com/office/drawing/2010/main" w="9525">
+                  <a14:hiddenLine xmlns:a14="http://schemas.microsoft.com/office/drawing/2010/main" xmlns="" w="9525">
                     <a:solidFill>
                       <a:srgbClr val="000000"/>
                     </a:solidFill>
@@ -10430,7 +10430,7 @@
               </a:ln>
               <a:extLst>
                 <a:ext uri="{91240B29-F687-4f45-9708-019B960494DF}">
-                  <a14:hiddenLine xmlns="" xmlns:a14="http://schemas.microsoft.com/office/drawing/2010/main" w="9525">
+                  <a14:hiddenLine xmlns:a14="http://schemas.microsoft.com/office/drawing/2010/main" xmlns="" w="9525">
                     <a:solidFill>
                       <a:srgbClr val="000000"/>
                     </a:solidFill>
@@ -10520,7 +10520,7 @@
               </a:ln>
               <a:extLst>
                 <a:ext uri="{91240B29-F687-4f45-9708-019B960494DF}">
-                  <a14:hiddenLine xmlns="" xmlns:a14="http://schemas.microsoft.com/office/drawing/2010/main" w="9525">
+                  <a14:hiddenLine xmlns:a14="http://schemas.microsoft.com/office/drawing/2010/main" xmlns="" w="9525">
                     <a:solidFill>
                       <a:srgbClr val="000000"/>
                     </a:solidFill>
@@ -10585,7 +10585,7 @@
               </a:ln>
               <a:extLst>
                 <a:ext uri="{91240B29-F687-4f45-9708-019B960494DF}">
-                  <a14:hiddenLine xmlns="" xmlns:a14="http://schemas.microsoft.com/office/drawing/2010/main" w="9525">
+                  <a14:hiddenLine xmlns:a14="http://schemas.microsoft.com/office/drawing/2010/main" xmlns="" w="9525">
                     <a:solidFill>
                       <a:srgbClr val="000000"/>
                     </a:solidFill>
@@ -10647,7 +10647,7 @@
               </a:ln>
               <a:extLst>
                 <a:ext uri="{91240B29-F687-4f45-9708-019B960494DF}">
-                  <a14:hiddenLine xmlns="" xmlns:a14="http://schemas.microsoft.com/office/drawing/2010/main" w="9525">
+                  <a14:hiddenLine xmlns:a14="http://schemas.microsoft.com/office/drawing/2010/main" xmlns="" w="9525">
                     <a:solidFill>
                       <a:srgbClr val="000000"/>
                     </a:solidFill>
@@ -10737,7 +10737,7 @@
               </a:ln>
               <a:extLst>
                 <a:ext uri="{91240B29-F687-4f45-9708-019B960494DF}">
-                  <a14:hiddenLine xmlns="" xmlns:a14="http://schemas.microsoft.com/office/drawing/2010/main" w="9525">
+                  <a14:hiddenLine xmlns:a14="http://schemas.microsoft.com/office/drawing/2010/main" xmlns="" w="9525">
                     <a:solidFill>
                       <a:srgbClr val="000000"/>
                     </a:solidFill>
@@ -10827,7 +10827,7 @@
               </a:ln>
               <a:extLst>
                 <a:ext uri="{91240B29-F687-4f45-9708-019B960494DF}">
-                  <a14:hiddenLine xmlns="" xmlns:a14="http://schemas.microsoft.com/office/drawing/2010/main" w="9525">
+                  <a14:hiddenLine xmlns:a14="http://schemas.microsoft.com/office/drawing/2010/main" xmlns="" w="9525">
                     <a:solidFill>
                       <a:srgbClr val="000000"/>
                     </a:solidFill>
@@ -10892,7 +10892,7 @@
               </a:ln>
               <a:extLst>
                 <a:ext uri="{91240B29-F687-4f45-9708-019B960494DF}">
-                  <a14:hiddenLine xmlns="" xmlns:a14="http://schemas.microsoft.com/office/drawing/2010/main" w="9525">
+                  <a14:hiddenLine xmlns:a14="http://schemas.microsoft.com/office/drawing/2010/main" xmlns="" w="9525">
                     <a:solidFill>
                       <a:srgbClr val="000000"/>
                     </a:solidFill>
@@ -11012,7 +11012,7 @@
               </a:ln>
               <a:extLst>
                 <a:ext uri="{91240B29-F687-4f45-9708-019B960494DF}">
-                  <a14:hiddenLine xmlns="" xmlns:a14="http://schemas.microsoft.com/office/drawing/2010/main" w="9525">
+                  <a14:hiddenLine xmlns:a14="http://schemas.microsoft.com/office/drawing/2010/main" xmlns="" w="9525">
                     <a:solidFill>
                       <a:srgbClr val="000000"/>
                     </a:solidFill>
@@ -11093,7 +11093,7 @@
               </a:ln>
               <a:extLst>
                 <a:ext uri="{91240B29-F687-4f45-9708-019B960494DF}">
-                  <a14:hiddenLine xmlns="" xmlns:a14="http://schemas.microsoft.com/office/drawing/2010/main" w="9525">
+                  <a14:hiddenLine xmlns:a14="http://schemas.microsoft.com/office/drawing/2010/main" xmlns="" w="9525">
                     <a:solidFill>
                       <a:srgbClr val="000000"/>
                     </a:solidFill>
@@ -11208,7 +11208,7 @@
               </a:ln>
               <a:extLst>
                 <a:ext uri="{91240B29-F687-4f45-9708-019B960494DF}">
-                  <a14:hiddenLine xmlns="" xmlns:a14="http://schemas.microsoft.com/office/drawing/2010/main" w="9525">
+                  <a14:hiddenLine xmlns:a14="http://schemas.microsoft.com/office/drawing/2010/main" xmlns="" w="9525">
                     <a:solidFill>
                       <a:srgbClr val="000000"/>
                     </a:solidFill>
@@ -11298,7 +11298,7 @@
               </a:ln>
               <a:extLst>
                 <a:ext uri="{91240B29-F687-4f45-9708-019B960494DF}">
-                  <a14:hiddenLine xmlns="" xmlns:a14="http://schemas.microsoft.com/office/drawing/2010/main" w="9525">
+                  <a14:hiddenLine xmlns:a14="http://schemas.microsoft.com/office/drawing/2010/main" xmlns="" w="9525">
                     <a:solidFill>
                       <a:srgbClr val="000000"/>
                     </a:solidFill>
@@ -11363,7 +11363,7 @@
               </a:ln>
               <a:extLst>
                 <a:ext uri="{91240B29-F687-4f45-9708-019B960494DF}">
-                  <a14:hiddenLine xmlns="" xmlns:a14="http://schemas.microsoft.com/office/drawing/2010/main" w="9525">
+                  <a14:hiddenLine xmlns:a14="http://schemas.microsoft.com/office/drawing/2010/main" xmlns="" w="9525">
                     <a:solidFill>
                       <a:srgbClr val="000000"/>
                     </a:solidFill>
@@ -11453,7 +11453,7 @@
               </a:ln>
               <a:extLst>
                 <a:ext uri="{91240B29-F687-4f45-9708-019B960494DF}">
-                  <a14:hiddenLine xmlns="" xmlns:a14="http://schemas.microsoft.com/office/drawing/2010/main" w="9525">
+                  <a14:hiddenLine xmlns:a14="http://schemas.microsoft.com/office/drawing/2010/main" xmlns="" w="9525">
                     <a:solidFill>
                       <a:srgbClr val="000000"/>
                     </a:solidFill>
@@ -11521,7 +11521,7 @@
               </a:ln>
               <a:extLst>
                 <a:ext uri="{91240B29-F687-4f45-9708-019B960494DF}">
-                  <a14:hiddenLine xmlns="" xmlns:a14="http://schemas.microsoft.com/office/drawing/2010/main" w="9525">
+                  <a14:hiddenLine xmlns:a14="http://schemas.microsoft.com/office/drawing/2010/main" xmlns="" w="9525">
                     <a:solidFill>
                       <a:srgbClr val="000000"/>
                     </a:solidFill>
@@ -11611,7 +11611,7 @@
               </a:ln>
               <a:extLst>
                 <a:ext uri="{91240B29-F687-4f45-9708-019B960494DF}">
-                  <a14:hiddenLine xmlns="" xmlns:a14="http://schemas.microsoft.com/office/drawing/2010/main" w="9525">
+                  <a14:hiddenLine xmlns:a14="http://schemas.microsoft.com/office/drawing/2010/main" xmlns="" w="9525">
                     <a:solidFill>
                       <a:srgbClr val="000000"/>
                     </a:solidFill>
@@ -11679,7 +11679,7 @@
               </a:ln>
               <a:extLst>
                 <a:ext uri="{91240B29-F687-4f45-9708-019B960494DF}">
-                  <a14:hiddenLine xmlns="" xmlns:a14="http://schemas.microsoft.com/office/drawing/2010/main" w="9525">
+                  <a14:hiddenLine xmlns:a14="http://schemas.microsoft.com/office/drawing/2010/main" xmlns="" w="9525">
                     <a:solidFill>
                       <a:srgbClr val="000000"/>
                     </a:solidFill>
@@ -11769,7 +11769,7 @@
               </a:ln>
               <a:extLst>
                 <a:ext uri="{91240B29-F687-4f45-9708-019B960494DF}">
-                  <a14:hiddenLine xmlns="" xmlns:a14="http://schemas.microsoft.com/office/drawing/2010/main" w="9525">
+                  <a14:hiddenLine xmlns:a14="http://schemas.microsoft.com/office/drawing/2010/main" xmlns="" w="9525">
                     <a:solidFill>
                       <a:srgbClr val="000000"/>
                     </a:solidFill>
@@ -11803,7 +11803,7 @@
               </a:ln>
               <a:extLst>
                 <a:ext uri="{91240B29-F687-4f45-9708-019B960494DF}">
-                  <a14:hiddenLine xmlns="" xmlns:a14="http://schemas.microsoft.com/office/drawing/2010/main" w="9525">
+                  <a14:hiddenLine xmlns:a14="http://schemas.microsoft.com/office/drawing/2010/main" xmlns="" w="9525">
                     <a:solidFill>
                       <a:srgbClr val="000000"/>
                     </a:solidFill>
@@ -11944,7 +11944,7 @@
             <a:fld id="{48A87A34-81AB-432B-8DAE-1953F412C126}" type="datetimeFigureOut">
               <a:rPr lang="en-US" dirty="0"/>
               <a:pPr/>
-              <a:t>11/18/2021</a:t>
+              <a:t>11/19/2021</a:t>
             </a:fld>
             <a:endParaRPr lang="en-US" dirty="0"/>
           </a:p>
@@ -12794,7 +12794,17 @@
                 <a:effectLst/>
                 <a:latin typeface="-apple-system"/>
               </a:rPr>
-              <a:t>Hours estimated for remediation by SonarQube only for the selected and planned issues: 1d3h (only in Maintainability - fixing code smells)</a:t>
+              <a:t>Hours estimated for remediation by SonarQube only for the selected and planned issues: 1d3h (only in Maintainability - fixing code smells) </a:t>
+            </a:r>
+            <a:r>
+              <a:rPr lang="en-US" b="1" i="0" dirty="0">
+                <a:solidFill>
+                  <a:srgbClr val="FF0000"/>
+                </a:solidFill>
+                <a:effectLst/>
+                <a:latin typeface="-apple-system"/>
+              </a:rPr>
+              <a:t>**5h13m**</a:t>
             </a:r>
           </a:p>
           <a:p>
@@ -12826,7 +12836,17 @@
                 <a:effectLst/>
                 <a:latin typeface="-apple-system"/>
               </a:rPr>
-              <a:t>debt ratio (as reported by SonarQube under "Measures-Maintainability"): 0.7%</a:t>
+              <a:t>debt ratio (as reported by SonarQube under "Measures-Maintainability"): 0.7% </a:t>
+            </a:r>
+            <a:r>
+              <a:rPr lang="en-US" b="1" i="0" dirty="0">
+                <a:solidFill>
+                  <a:srgbClr val="FF0000"/>
+                </a:solidFill>
+                <a:effectLst/>
+                <a:latin typeface="-apple-system"/>
+              </a:rPr>
+              <a:t>**0.4%**</a:t>
             </a:r>
           </a:p>
           <a:p>

--- a/Retrospective/Sprint 1 - Retrospective.pptx
+++ b/Retrospective/Sprint 1 - Retrospective.pptx
@@ -185,7 +185,7 @@
           <a:noFill/>
           <a:extLst>
             <a:ext uri="{909E8E84-426E-40dd-AFC4-6F175D3DCCD1}">
-              <a14:hiddenFill xmlns:a14="http://schemas.microsoft.com/office/drawing/2010/main" xmlns="">
+              <a14:hiddenFill xmlns="" xmlns:a14="http://schemas.microsoft.com/office/drawing/2010/main">
                 <a:solidFill>
                   <a:srgbClr val="FFFFFF"/>
                 </a:solidFill>
@@ -244,7 +244,7 @@
             </a:ln>
             <a:extLst>
               <a:ext uri="{91240B29-F687-4f45-9708-019B960494DF}">
-                <a14:hiddenLine xmlns:a14="http://schemas.microsoft.com/office/drawing/2010/main" xmlns="" w="9525">
+                <a14:hiddenLine xmlns="" xmlns:a14="http://schemas.microsoft.com/office/drawing/2010/main" w="9525">
                   <a:solidFill>
                     <a:srgbClr val="000000"/>
                   </a:solidFill>
@@ -334,7 +334,7 @@
             </a:ln>
             <a:extLst>
               <a:ext uri="{91240B29-F687-4f45-9708-019B960494DF}">
-                <a14:hiddenLine xmlns:a14="http://schemas.microsoft.com/office/drawing/2010/main" xmlns="" w="9525">
+                <a14:hiddenLine xmlns="" xmlns:a14="http://schemas.microsoft.com/office/drawing/2010/main" w="9525">
                   <a:solidFill>
                     <a:srgbClr val="000000"/>
                   </a:solidFill>
@@ -424,7 +424,7 @@
             </a:ln>
             <a:extLst>
               <a:ext uri="{91240B29-F687-4f45-9708-019B960494DF}">
-                <a14:hiddenLine xmlns:a14="http://schemas.microsoft.com/office/drawing/2010/main" xmlns="" w="9525">
+                <a14:hiddenLine xmlns="" xmlns:a14="http://schemas.microsoft.com/office/drawing/2010/main" w="9525">
                   <a:solidFill>
                     <a:srgbClr val="000000"/>
                   </a:solidFill>
@@ -458,7 +458,7 @@
             </a:ln>
             <a:extLst>
               <a:ext uri="{91240B29-F687-4f45-9708-019B960494DF}">
-                <a14:hiddenLine xmlns:a14="http://schemas.microsoft.com/office/drawing/2010/main" xmlns="" w="9525">
+                <a14:hiddenLine xmlns="" xmlns:a14="http://schemas.microsoft.com/office/drawing/2010/main" w="9525">
                   <a:solidFill>
                     <a:srgbClr val="000000"/>
                   </a:solidFill>
@@ -548,7 +548,7 @@
             </a:ln>
             <a:extLst>
               <a:ext uri="{91240B29-F687-4f45-9708-019B960494DF}">
-                <a14:hiddenLine xmlns:a14="http://schemas.microsoft.com/office/drawing/2010/main" xmlns="" w="9525">
+                <a14:hiddenLine xmlns="" xmlns:a14="http://schemas.microsoft.com/office/drawing/2010/main" w="9525">
                   <a:solidFill>
                     <a:srgbClr val="000000"/>
                   </a:solidFill>
@@ -610,7 +610,7 @@
             </a:ln>
             <a:extLst>
               <a:ext uri="{91240B29-F687-4f45-9708-019B960494DF}">
-                <a14:hiddenLine xmlns:a14="http://schemas.microsoft.com/office/drawing/2010/main" xmlns="" w="9525">
+                <a14:hiddenLine xmlns="" xmlns:a14="http://schemas.microsoft.com/office/drawing/2010/main" w="9525">
                   <a:solidFill>
                     <a:srgbClr val="000000"/>
                   </a:solidFill>
@@ -672,7 +672,7 @@
             </a:ln>
             <a:extLst>
               <a:ext uri="{91240B29-F687-4f45-9708-019B960494DF}">
-                <a14:hiddenLine xmlns:a14="http://schemas.microsoft.com/office/drawing/2010/main" xmlns="" w="9525">
+                <a14:hiddenLine xmlns="" xmlns:a14="http://schemas.microsoft.com/office/drawing/2010/main" w="9525">
                   <a:solidFill>
                     <a:srgbClr val="000000"/>
                   </a:solidFill>
@@ -762,7 +762,7 @@
             </a:ln>
             <a:extLst>
               <a:ext uri="{91240B29-F687-4f45-9708-019B960494DF}">
-                <a14:hiddenLine xmlns:a14="http://schemas.microsoft.com/office/drawing/2010/main" xmlns="" w="9525">
+                <a14:hiddenLine xmlns="" xmlns:a14="http://schemas.microsoft.com/office/drawing/2010/main" w="9525">
                   <a:solidFill>
                     <a:srgbClr val="000000"/>
                   </a:solidFill>
@@ -824,7 +824,7 @@
             </a:ln>
             <a:extLst>
               <a:ext uri="{91240B29-F687-4f45-9708-019B960494DF}">
-                <a14:hiddenLine xmlns:a14="http://schemas.microsoft.com/office/drawing/2010/main" xmlns="" w="9525">
+                <a14:hiddenLine xmlns="" xmlns:a14="http://schemas.microsoft.com/office/drawing/2010/main" w="9525">
                   <a:solidFill>
                     <a:srgbClr val="000000"/>
                   </a:solidFill>
@@ -886,7 +886,7 @@
             </a:ln>
             <a:extLst>
               <a:ext uri="{91240B29-F687-4f45-9708-019B960494DF}">
-                <a14:hiddenLine xmlns:a14="http://schemas.microsoft.com/office/drawing/2010/main" xmlns="" w="9525">
+                <a14:hiddenLine xmlns="" xmlns:a14="http://schemas.microsoft.com/office/drawing/2010/main" w="9525">
                   <a:solidFill>
                     <a:srgbClr val="000000"/>
                   </a:solidFill>
@@ -976,7 +976,7 @@
             </a:ln>
             <a:extLst>
               <a:ext uri="{91240B29-F687-4f45-9708-019B960494DF}">
-                <a14:hiddenLine xmlns:a14="http://schemas.microsoft.com/office/drawing/2010/main" xmlns="" w="9525">
+                <a14:hiddenLine xmlns="" xmlns:a14="http://schemas.microsoft.com/office/drawing/2010/main" w="9525">
                   <a:solidFill>
                     <a:srgbClr val="000000"/>
                   </a:solidFill>
@@ -1066,7 +1066,7 @@
             </a:ln>
             <a:extLst>
               <a:ext uri="{91240B29-F687-4f45-9708-019B960494DF}">
-                <a14:hiddenLine xmlns:a14="http://schemas.microsoft.com/office/drawing/2010/main" xmlns="" w="9525">
+                <a14:hiddenLine xmlns="" xmlns:a14="http://schemas.microsoft.com/office/drawing/2010/main" w="9525">
                   <a:solidFill>
                     <a:srgbClr val="000000"/>
                   </a:solidFill>
@@ -1128,7 +1128,7 @@
             </a:ln>
             <a:extLst>
               <a:ext uri="{91240B29-F687-4f45-9708-019B960494DF}">
-                <a14:hiddenLine xmlns:a14="http://schemas.microsoft.com/office/drawing/2010/main" xmlns="" w="9525">
+                <a14:hiddenLine xmlns="" xmlns:a14="http://schemas.microsoft.com/office/drawing/2010/main" w="9525">
                   <a:solidFill>
                     <a:srgbClr val="000000"/>
                   </a:solidFill>
@@ -1238,7 +1238,7 @@
             </a:ln>
             <a:extLst>
               <a:ext uri="{91240B29-F687-4f45-9708-019B960494DF}">
-                <a14:hiddenLine xmlns:a14="http://schemas.microsoft.com/office/drawing/2010/main" xmlns="" w="9525">
+                <a14:hiddenLine xmlns="" xmlns:a14="http://schemas.microsoft.com/office/drawing/2010/main" w="9525">
                   <a:solidFill>
                     <a:srgbClr val="000000"/>
                   </a:solidFill>
@@ -1300,7 +1300,7 @@
             </a:ln>
             <a:extLst>
               <a:ext uri="{91240B29-F687-4f45-9708-019B960494DF}">
-                <a14:hiddenLine xmlns:a14="http://schemas.microsoft.com/office/drawing/2010/main" xmlns="" w="9525">
+                <a14:hiddenLine xmlns="" xmlns:a14="http://schemas.microsoft.com/office/drawing/2010/main" w="9525">
                   <a:solidFill>
                     <a:srgbClr val="000000"/>
                   </a:solidFill>
@@ -1390,7 +1390,7 @@
             </a:ln>
             <a:extLst>
               <a:ext uri="{91240B29-F687-4f45-9708-019B960494DF}">
-                <a14:hiddenLine xmlns:a14="http://schemas.microsoft.com/office/drawing/2010/main" xmlns="" w="9525">
+                <a14:hiddenLine xmlns="" xmlns:a14="http://schemas.microsoft.com/office/drawing/2010/main" w="9525">
                   <a:solidFill>
                     <a:srgbClr val="000000"/>
                   </a:solidFill>
@@ -1480,7 +1480,7 @@
             </a:ln>
             <a:extLst>
               <a:ext uri="{91240B29-F687-4f45-9708-019B960494DF}">
-                <a14:hiddenLine xmlns:a14="http://schemas.microsoft.com/office/drawing/2010/main" xmlns="" w="9525">
+                <a14:hiddenLine xmlns="" xmlns:a14="http://schemas.microsoft.com/office/drawing/2010/main" w="9525">
                   <a:solidFill>
                     <a:srgbClr val="000000"/>
                   </a:solidFill>
@@ -1542,7 +1542,7 @@
             </a:ln>
             <a:extLst>
               <a:ext uri="{91240B29-F687-4f45-9708-019B960494DF}">
-                <a14:hiddenLine xmlns:a14="http://schemas.microsoft.com/office/drawing/2010/main" xmlns="" w="9525">
+                <a14:hiddenLine xmlns="" xmlns:a14="http://schemas.microsoft.com/office/drawing/2010/main" w="9525">
                   <a:solidFill>
                     <a:srgbClr val="000000"/>
                   </a:solidFill>
@@ -1632,7 +1632,7 @@
             </a:ln>
             <a:extLst>
               <a:ext uri="{91240B29-F687-4f45-9708-019B960494DF}">
-                <a14:hiddenLine xmlns:a14="http://schemas.microsoft.com/office/drawing/2010/main" xmlns="" w="9525">
+                <a14:hiddenLine xmlns="" xmlns:a14="http://schemas.microsoft.com/office/drawing/2010/main" w="9525">
                   <a:solidFill>
                     <a:srgbClr val="000000"/>
                   </a:solidFill>
@@ -1722,7 +1722,7 @@
             </a:ln>
             <a:extLst>
               <a:ext uri="{91240B29-F687-4f45-9708-019B960494DF}">
-                <a14:hiddenLine xmlns:a14="http://schemas.microsoft.com/office/drawing/2010/main" xmlns="" w="9525">
+                <a14:hiddenLine xmlns="" xmlns:a14="http://schemas.microsoft.com/office/drawing/2010/main" w="9525">
                   <a:solidFill>
                     <a:srgbClr val="000000"/>
                   </a:solidFill>
@@ -1778,7 +1778,7 @@
             </a:ln>
             <a:extLst>
               <a:ext uri="{91240B29-F687-4f45-9708-019B960494DF}">
-                <a14:hiddenLine xmlns:a14="http://schemas.microsoft.com/office/drawing/2010/main" xmlns="" w="9525">
+                <a14:hiddenLine xmlns="" xmlns:a14="http://schemas.microsoft.com/office/drawing/2010/main" w="9525">
                   <a:solidFill>
                     <a:srgbClr val="000000"/>
                   </a:solidFill>
@@ -1868,7 +1868,7 @@
             </a:ln>
             <a:extLst>
               <a:ext uri="{91240B29-F687-4f45-9708-019B960494DF}">
-                <a14:hiddenLine xmlns:a14="http://schemas.microsoft.com/office/drawing/2010/main" xmlns="" w="9525">
+                <a14:hiddenLine xmlns="" xmlns:a14="http://schemas.microsoft.com/office/drawing/2010/main" w="9525">
                   <a:solidFill>
                     <a:srgbClr val="000000"/>
                   </a:solidFill>
@@ -1924,7 +1924,7 @@
             </a:ln>
             <a:extLst>
               <a:ext uri="{91240B29-F687-4f45-9708-019B960494DF}">
-                <a14:hiddenLine xmlns:a14="http://schemas.microsoft.com/office/drawing/2010/main" xmlns="" w="9525">
+                <a14:hiddenLine xmlns="" xmlns:a14="http://schemas.microsoft.com/office/drawing/2010/main" w="9525">
                   <a:solidFill>
                     <a:srgbClr val="000000"/>
                   </a:solidFill>
@@ -2014,7 +2014,7 @@
             </a:ln>
             <a:extLst>
               <a:ext uri="{91240B29-F687-4f45-9708-019B960494DF}">
-                <a14:hiddenLine xmlns:a14="http://schemas.microsoft.com/office/drawing/2010/main" xmlns="" w="9525">
+                <a14:hiddenLine xmlns="" xmlns:a14="http://schemas.microsoft.com/office/drawing/2010/main" w="9525">
                   <a:solidFill>
                     <a:srgbClr val="000000"/>
                   </a:solidFill>
@@ -2082,7 +2082,7 @@
             </a:ln>
             <a:extLst>
               <a:ext uri="{91240B29-F687-4f45-9708-019B960494DF}">
-                <a14:hiddenLine xmlns:a14="http://schemas.microsoft.com/office/drawing/2010/main" xmlns="" w="9525">
+                <a14:hiddenLine xmlns="" xmlns:a14="http://schemas.microsoft.com/office/drawing/2010/main" w="9525">
                   <a:solidFill>
                     <a:srgbClr val="000000"/>
                   </a:solidFill>
@@ -2172,7 +2172,7 @@
             </a:ln>
             <a:extLst>
               <a:ext uri="{91240B29-F687-4f45-9708-019B960494DF}">
-                <a14:hiddenLine xmlns:a14="http://schemas.microsoft.com/office/drawing/2010/main" xmlns="" w="9525">
+                <a14:hiddenLine xmlns="" xmlns:a14="http://schemas.microsoft.com/office/drawing/2010/main" w="9525">
                   <a:solidFill>
                     <a:srgbClr val="000000"/>
                   </a:solidFill>
@@ -2240,7 +2240,7 @@
             </a:ln>
             <a:extLst>
               <a:ext uri="{91240B29-F687-4f45-9708-019B960494DF}">
-                <a14:hiddenLine xmlns:a14="http://schemas.microsoft.com/office/drawing/2010/main" xmlns="" w="9525">
+                <a14:hiddenLine xmlns="" xmlns:a14="http://schemas.microsoft.com/office/drawing/2010/main" w="9525">
                   <a:solidFill>
                     <a:srgbClr val="000000"/>
                   </a:solidFill>
@@ -2330,7 +2330,7 @@
             </a:ln>
             <a:extLst>
               <a:ext uri="{91240B29-F687-4f45-9708-019B960494DF}">
-                <a14:hiddenLine xmlns:a14="http://schemas.microsoft.com/office/drawing/2010/main" xmlns="" w="9525">
+                <a14:hiddenLine xmlns="" xmlns:a14="http://schemas.microsoft.com/office/drawing/2010/main" w="9525">
                   <a:solidFill>
                     <a:srgbClr val="000000"/>
                   </a:solidFill>
@@ -2364,7 +2364,7 @@
             </a:ln>
             <a:extLst>
               <a:ext uri="{91240B29-F687-4f45-9708-019B960494DF}">
-                <a14:hiddenLine xmlns:a14="http://schemas.microsoft.com/office/drawing/2010/main" xmlns="" w="9525">
+                <a14:hiddenLine xmlns="" xmlns:a14="http://schemas.microsoft.com/office/drawing/2010/main" w="9525">
                   <a:solidFill>
                     <a:srgbClr val="000000"/>
                   </a:solidFill>
@@ -2454,7 +2454,7 @@
             </a:ln>
             <a:extLst>
               <a:ext uri="{91240B29-F687-4f45-9708-019B960494DF}">
-                <a14:hiddenLine xmlns:a14="http://schemas.microsoft.com/office/drawing/2010/main" xmlns="" w="9525">
+                <a14:hiddenLine xmlns="" xmlns:a14="http://schemas.microsoft.com/office/drawing/2010/main" w="9525">
                   <a:solidFill>
                     <a:srgbClr val="000000"/>
                   </a:solidFill>
@@ -2516,7 +2516,7 @@
             </a:ln>
             <a:extLst>
               <a:ext uri="{91240B29-F687-4f45-9708-019B960494DF}">
-                <a14:hiddenLine xmlns:a14="http://schemas.microsoft.com/office/drawing/2010/main" xmlns="" w="9525">
+                <a14:hiddenLine xmlns="" xmlns:a14="http://schemas.microsoft.com/office/drawing/2010/main" w="9525">
                   <a:solidFill>
                     <a:srgbClr val="000000"/>
                   </a:solidFill>
@@ -2578,7 +2578,7 @@
             </a:ln>
             <a:extLst>
               <a:ext uri="{91240B29-F687-4f45-9708-019B960494DF}">
-                <a14:hiddenLine xmlns:a14="http://schemas.microsoft.com/office/drawing/2010/main" xmlns="" w="9525">
+                <a14:hiddenLine xmlns="" xmlns:a14="http://schemas.microsoft.com/office/drawing/2010/main" w="9525">
                   <a:solidFill>
                     <a:srgbClr val="000000"/>
                   </a:solidFill>
@@ -2668,7 +2668,7 @@
             </a:ln>
             <a:extLst>
               <a:ext uri="{91240B29-F687-4f45-9708-019B960494DF}">
-                <a14:hiddenLine xmlns:a14="http://schemas.microsoft.com/office/drawing/2010/main" xmlns="" w="9525">
+                <a14:hiddenLine xmlns="" xmlns:a14="http://schemas.microsoft.com/office/drawing/2010/main" w="9525">
                   <a:solidFill>
                     <a:srgbClr val="000000"/>
                   </a:solidFill>
@@ -2736,7 +2736,7 @@
             </a:ln>
             <a:extLst>
               <a:ext uri="{91240B29-F687-4f45-9708-019B960494DF}">
-                <a14:hiddenLine xmlns:a14="http://schemas.microsoft.com/office/drawing/2010/main" xmlns="" w="9525">
+                <a14:hiddenLine xmlns="" xmlns:a14="http://schemas.microsoft.com/office/drawing/2010/main" w="9525">
                   <a:solidFill>
                     <a:srgbClr val="000000"/>
                   </a:solidFill>
@@ -2798,7 +2798,7 @@
             </a:ln>
             <a:extLst>
               <a:ext uri="{91240B29-F687-4f45-9708-019B960494DF}">
-                <a14:hiddenLine xmlns:a14="http://schemas.microsoft.com/office/drawing/2010/main" xmlns="" w="9525">
+                <a14:hiddenLine xmlns="" xmlns:a14="http://schemas.microsoft.com/office/drawing/2010/main" w="9525">
                   <a:solidFill>
                     <a:srgbClr val="000000"/>
                   </a:solidFill>
@@ -2888,7 +2888,7 @@
             </a:ln>
             <a:extLst>
               <a:ext uri="{91240B29-F687-4f45-9708-019B960494DF}">
-                <a14:hiddenLine xmlns:a14="http://schemas.microsoft.com/office/drawing/2010/main" xmlns="" w="9525">
+                <a14:hiddenLine xmlns="" xmlns:a14="http://schemas.microsoft.com/office/drawing/2010/main" w="9525">
                   <a:solidFill>
                     <a:srgbClr val="000000"/>
                   </a:solidFill>
@@ -2950,7 +2950,7 @@
             </a:ln>
             <a:extLst>
               <a:ext uri="{91240B29-F687-4f45-9708-019B960494DF}">
-                <a14:hiddenLine xmlns:a14="http://schemas.microsoft.com/office/drawing/2010/main" xmlns="" w="9525">
+                <a14:hiddenLine xmlns="" xmlns:a14="http://schemas.microsoft.com/office/drawing/2010/main" w="9525">
                   <a:solidFill>
                     <a:srgbClr val="000000"/>
                   </a:solidFill>
@@ -3040,7 +3040,7 @@
             </a:ln>
             <a:extLst>
               <a:ext uri="{91240B29-F687-4f45-9708-019B960494DF}">
-                <a14:hiddenLine xmlns:a14="http://schemas.microsoft.com/office/drawing/2010/main" xmlns="" w="9525">
+                <a14:hiddenLine xmlns="" xmlns:a14="http://schemas.microsoft.com/office/drawing/2010/main" w="9525">
                   <a:solidFill>
                     <a:srgbClr val="000000"/>
                   </a:solidFill>
@@ -3102,7 +3102,7 @@
             </a:ln>
             <a:extLst>
               <a:ext uri="{91240B29-F687-4f45-9708-019B960494DF}">
-                <a14:hiddenLine xmlns:a14="http://schemas.microsoft.com/office/drawing/2010/main" xmlns="" w="9525">
+                <a14:hiddenLine xmlns="" xmlns:a14="http://schemas.microsoft.com/office/drawing/2010/main" w="9525">
                   <a:solidFill>
                     <a:srgbClr val="000000"/>
                   </a:solidFill>
@@ -3192,7 +3192,7 @@
             </a:ln>
             <a:extLst>
               <a:ext uri="{91240B29-F687-4f45-9708-019B960494DF}">
-                <a14:hiddenLine xmlns:a14="http://schemas.microsoft.com/office/drawing/2010/main" xmlns="" w="9525">
+                <a14:hiddenLine xmlns="" xmlns:a14="http://schemas.microsoft.com/office/drawing/2010/main" w="9525">
                   <a:solidFill>
                     <a:srgbClr val="000000"/>
                   </a:solidFill>
@@ -3226,7 +3226,7 @@
             </a:ln>
             <a:extLst>
               <a:ext uri="{91240B29-F687-4f45-9708-019B960494DF}">
-                <a14:hiddenLine xmlns:a14="http://schemas.microsoft.com/office/drawing/2010/main" xmlns="" w="9525">
+                <a14:hiddenLine xmlns="" xmlns:a14="http://schemas.microsoft.com/office/drawing/2010/main" w="9525">
                   <a:solidFill>
                     <a:srgbClr val="000000"/>
                   </a:solidFill>
@@ -3291,7 +3291,7 @@
             </a:ln>
             <a:extLst>
               <a:ext uri="{91240B29-F687-4f45-9708-019B960494DF}">
-                <a14:hiddenLine xmlns:a14="http://schemas.microsoft.com/office/drawing/2010/main" xmlns="" w="9525">
+                <a14:hiddenLine xmlns="" xmlns:a14="http://schemas.microsoft.com/office/drawing/2010/main" w="9525">
                   <a:solidFill>
                     <a:srgbClr val="000000"/>
                   </a:solidFill>
@@ -3381,7 +3381,7 @@
             </a:ln>
             <a:extLst>
               <a:ext uri="{91240B29-F687-4f45-9708-019B960494DF}">
-                <a14:hiddenLine xmlns:a14="http://schemas.microsoft.com/office/drawing/2010/main" xmlns="" w="9525">
+                <a14:hiddenLine xmlns="" xmlns:a14="http://schemas.microsoft.com/office/drawing/2010/main" w="9525">
                   <a:solidFill>
                     <a:srgbClr val="000000"/>
                   </a:solidFill>
@@ -3443,7 +3443,7 @@
             </a:ln>
             <a:extLst>
               <a:ext uri="{91240B29-F687-4f45-9708-019B960494DF}">
-                <a14:hiddenLine xmlns:a14="http://schemas.microsoft.com/office/drawing/2010/main" xmlns="" w="9525">
+                <a14:hiddenLine xmlns="" xmlns:a14="http://schemas.microsoft.com/office/drawing/2010/main" w="9525">
                   <a:solidFill>
                     <a:srgbClr val="000000"/>
                   </a:solidFill>
@@ -3533,7 +3533,7 @@
             </a:ln>
             <a:extLst>
               <a:ext uri="{91240B29-F687-4f45-9708-019B960494DF}">
-                <a14:hiddenLine xmlns:a14="http://schemas.microsoft.com/office/drawing/2010/main" xmlns="" w="9525">
+                <a14:hiddenLine xmlns="" xmlns:a14="http://schemas.microsoft.com/office/drawing/2010/main" w="9525">
                   <a:solidFill>
                     <a:srgbClr val="000000"/>
                   </a:solidFill>
@@ -3623,7 +3623,7 @@
             </a:ln>
             <a:extLst>
               <a:ext uri="{91240B29-F687-4f45-9708-019B960494DF}">
-                <a14:hiddenLine xmlns:a14="http://schemas.microsoft.com/office/drawing/2010/main" xmlns="" w="9525">
+                <a14:hiddenLine xmlns="" xmlns:a14="http://schemas.microsoft.com/office/drawing/2010/main" w="9525">
                   <a:solidFill>
                     <a:srgbClr val="000000"/>
                   </a:solidFill>
@@ -3688,7 +3688,7 @@
             </a:ln>
             <a:extLst>
               <a:ext uri="{91240B29-F687-4f45-9708-019B960494DF}">
-                <a14:hiddenLine xmlns:a14="http://schemas.microsoft.com/office/drawing/2010/main" xmlns="" w="9525">
+                <a14:hiddenLine xmlns="" xmlns:a14="http://schemas.microsoft.com/office/drawing/2010/main" w="9525">
                   <a:solidFill>
                     <a:srgbClr val="000000"/>
                   </a:solidFill>
@@ -3750,7 +3750,7 @@
             </a:ln>
             <a:extLst>
               <a:ext uri="{91240B29-F687-4f45-9708-019B960494DF}">
-                <a14:hiddenLine xmlns:a14="http://schemas.microsoft.com/office/drawing/2010/main" xmlns="" w="9525">
+                <a14:hiddenLine xmlns="" xmlns:a14="http://schemas.microsoft.com/office/drawing/2010/main" w="9525">
                   <a:solidFill>
                     <a:srgbClr val="000000"/>
                   </a:solidFill>
@@ -3840,7 +3840,7 @@
             </a:ln>
             <a:extLst>
               <a:ext uri="{91240B29-F687-4f45-9708-019B960494DF}">
-                <a14:hiddenLine xmlns:a14="http://schemas.microsoft.com/office/drawing/2010/main" xmlns="" w="9525">
+                <a14:hiddenLine xmlns="" xmlns:a14="http://schemas.microsoft.com/office/drawing/2010/main" w="9525">
                   <a:solidFill>
                     <a:srgbClr val="000000"/>
                   </a:solidFill>
@@ -3930,7 +3930,7 @@
             </a:ln>
             <a:extLst>
               <a:ext uri="{91240B29-F687-4f45-9708-019B960494DF}">
-                <a14:hiddenLine xmlns:a14="http://schemas.microsoft.com/office/drawing/2010/main" xmlns="" w="9525">
+                <a14:hiddenLine xmlns="" xmlns:a14="http://schemas.microsoft.com/office/drawing/2010/main" w="9525">
                   <a:solidFill>
                     <a:srgbClr val="000000"/>
                   </a:solidFill>
@@ -3992,7 +3992,7 @@
             </a:ln>
             <a:extLst>
               <a:ext uri="{91240B29-F687-4f45-9708-019B960494DF}">
-                <a14:hiddenLine xmlns:a14="http://schemas.microsoft.com/office/drawing/2010/main" xmlns="" w="9525">
+                <a14:hiddenLine xmlns="" xmlns:a14="http://schemas.microsoft.com/office/drawing/2010/main" w="9525">
                   <a:solidFill>
                     <a:srgbClr val="000000"/>
                   </a:solidFill>
@@ -4112,7 +4112,7 @@
             </a:ln>
             <a:extLst>
               <a:ext uri="{91240B29-F687-4f45-9708-019B960494DF}">
-                <a14:hiddenLine xmlns:a14="http://schemas.microsoft.com/office/drawing/2010/main" xmlns="" w="9525">
+                <a14:hiddenLine xmlns="" xmlns:a14="http://schemas.microsoft.com/office/drawing/2010/main" w="9525">
                   <a:solidFill>
                     <a:srgbClr val="000000"/>
                   </a:solidFill>
@@ -4180,7 +4180,7 @@
             </a:ln>
             <a:extLst>
               <a:ext uri="{91240B29-F687-4f45-9708-019B960494DF}">
-                <a14:hiddenLine xmlns:a14="http://schemas.microsoft.com/office/drawing/2010/main" xmlns="" w="9525">
+                <a14:hiddenLine xmlns="" xmlns:a14="http://schemas.microsoft.com/office/drawing/2010/main" w="9525">
                   <a:solidFill>
                     <a:srgbClr val="000000"/>
                   </a:solidFill>
@@ -4270,7 +4270,7 @@
             </a:ln>
             <a:extLst>
               <a:ext uri="{91240B29-F687-4f45-9708-019B960494DF}">
-                <a14:hiddenLine xmlns:a14="http://schemas.microsoft.com/office/drawing/2010/main" xmlns="" w="9525">
+                <a14:hiddenLine xmlns="" xmlns:a14="http://schemas.microsoft.com/office/drawing/2010/main" w="9525">
                   <a:solidFill>
                     <a:srgbClr val="000000"/>
                   </a:solidFill>
@@ -8999,7 +8999,7 @@
           <a:noFill/>
           <a:extLst>
             <a:ext uri="{909E8E84-426E-40dd-AFC4-6F175D3DCCD1}">
-              <a14:hiddenFill xmlns:a14="http://schemas.microsoft.com/office/drawing/2010/main" xmlns="">
+              <a14:hiddenFill xmlns="" xmlns:a14="http://schemas.microsoft.com/office/drawing/2010/main">
                 <a:solidFill>
                   <a:srgbClr val="FFFFFF"/>
                 </a:solidFill>
@@ -9073,7 +9073,7 @@
               </a:ln>
               <a:extLst>
                 <a:ext uri="{91240B29-F687-4f45-9708-019B960494DF}">
-                  <a14:hiddenLine xmlns:a14="http://schemas.microsoft.com/office/drawing/2010/main" xmlns="" w="9525">
+                  <a14:hiddenLine xmlns="" xmlns:a14="http://schemas.microsoft.com/office/drawing/2010/main" w="9525">
                     <a:solidFill>
                       <a:srgbClr val="000000"/>
                     </a:solidFill>
@@ -9163,7 +9163,7 @@
               </a:ln>
               <a:extLst>
                 <a:ext uri="{91240B29-F687-4f45-9708-019B960494DF}">
-                  <a14:hiddenLine xmlns:a14="http://schemas.microsoft.com/office/drawing/2010/main" xmlns="" w="9525">
+                  <a14:hiddenLine xmlns="" xmlns:a14="http://schemas.microsoft.com/office/drawing/2010/main" w="9525">
                     <a:solidFill>
                       <a:srgbClr val="000000"/>
                     </a:solidFill>
@@ -9253,7 +9253,7 @@
               </a:ln>
               <a:extLst>
                 <a:ext uri="{91240B29-F687-4f45-9708-019B960494DF}">
-                  <a14:hiddenLine xmlns:a14="http://schemas.microsoft.com/office/drawing/2010/main" xmlns="" w="9525">
+                  <a14:hiddenLine xmlns="" xmlns:a14="http://schemas.microsoft.com/office/drawing/2010/main" w="9525">
                     <a:solidFill>
                       <a:srgbClr val="000000"/>
                     </a:solidFill>
@@ -9315,7 +9315,7 @@
               </a:ln>
               <a:extLst>
                 <a:ext uri="{91240B29-F687-4f45-9708-019B960494DF}">
-                  <a14:hiddenLine xmlns:a14="http://schemas.microsoft.com/office/drawing/2010/main" xmlns="" w="9525">
+                  <a14:hiddenLine xmlns="" xmlns:a14="http://schemas.microsoft.com/office/drawing/2010/main" w="9525">
                     <a:solidFill>
                       <a:srgbClr val="000000"/>
                     </a:solidFill>
@@ -9405,7 +9405,7 @@
               </a:ln>
               <a:extLst>
                 <a:ext uri="{91240B29-F687-4f45-9708-019B960494DF}">
-                  <a14:hiddenLine xmlns:a14="http://schemas.microsoft.com/office/drawing/2010/main" xmlns="" w="9525">
+                  <a14:hiddenLine xmlns="" xmlns:a14="http://schemas.microsoft.com/office/drawing/2010/main" w="9525">
                     <a:solidFill>
                       <a:srgbClr val="000000"/>
                     </a:solidFill>
@@ -9467,7 +9467,7 @@
               </a:ln>
               <a:extLst>
                 <a:ext uri="{91240B29-F687-4f45-9708-019B960494DF}">
-                  <a14:hiddenLine xmlns:a14="http://schemas.microsoft.com/office/drawing/2010/main" xmlns="" w="9525">
+                  <a14:hiddenLine xmlns="" xmlns:a14="http://schemas.microsoft.com/office/drawing/2010/main" w="9525">
                     <a:solidFill>
                       <a:srgbClr val="000000"/>
                     </a:solidFill>
@@ -9529,7 +9529,7 @@
               </a:ln>
               <a:extLst>
                 <a:ext uri="{91240B29-F687-4f45-9708-019B960494DF}">
-                  <a14:hiddenLine xmlns:a14="http://schemas.microsoft.com/office/drawing/2010/main" xmlns="" w="9525">
+                  <a14:hiddenLine xmlns="" xmlns:a14="http://schemas.microsoft.com/office/drawing/2010/main" w="9525">
                     <a:solidFill>
                       <a:srgbClr val="000000"/>
                     </a:solidFill>
@@ -9619,7 +9619,7 @@
               </a:ln>
               <a:extLst>
                 <a:ext uri="{91240B29-F687-4f45-9708-019B960494DF}">
-                  <a14:hiddenLine xmlns:a14="http://schemas.microsoft.com/office/drawing/2010/main" xmlns="" w="9525">
+                  <a14:hiddenLine xmlns="" xmlns:a14="http://schemas.microsoft.com/office/drawing/2010/main" w="9525">
                     <a:solidFill>
                       <a:srgbClr val="000000"/>
                     </a:solidFill>
@@ -9709,7 +9709,7 @@
               </a:ln>
               <a:extLst>
                 <a:ext uri="{91240B29-F687-4f45-9708-019B960494DF}">
-                  <a14:hiddenLine xmlns:a14="http://schemas.microsoft.com/office/drawing/2010/main" xmlns="" w="9525">
+                  <a14:hiddenLine xmlns="" xmlns:a14="http://schemas.microsoft.com/office/drawing/2010/main" w="9525">
                     <a:solidFill>
                       <a:srgbClr val="000000"/>
                     </a:solidFill>
@@ -9771,7 +9771,7 @@
               </a:ln>
               <a:extLst>
                 <a:ext uri="{91240B29-F687-4f45-9708-019B960494DF}">
-                  <a14:hiddenLine xmlns:a14="http://schemas.microsoft.com/office/drawing/2010/main" xmlns="" w="9525">
+                  <a14:hiddenLine xmlns="" xmlns:a14="http://schemas.microsoft.com/office/drawing/2010/main" w="9525">
                     <a:solidFill>
                       <a:srgbClr val="000000"/>
                     </a:solidFill>
@@ -9881,7 +9881,7 @@
               </a:ln>
               <a:extLst>
                 <a:ext uri="{91240B29-F687-4f45-9708-019B960494DF}">
-                  <a14:hiddenLine xmlns:a14="http://schemas.microsoft.com/office/drawing/2010/main" xmlns="" w="9525">
+                  <a14:hiddenLine xmlns="" xmlns:a14="http://schemas.microsoft.com/office/drawing/2010/main" w="9525">
                     <a:solidFill>
                       <a:srgbClr val="000000"/>
                     </a:solidFill>
@@ -9965,7 +9965,7 @@
               </a:ln>
               <a:extLst>
                 <a:ext uri="{91240B29-F687-4f45-9708-019B960494DF}">
-                  <a14:hiddenLine xmlns:a14="http://schemas.microsoft.com/office/drawing/2010/main" xmlns="" w="9525">
+                  <a14:hiddenLine xmlns="" xmlns:a14="http://schemas.microsoft.com/office/drawing/2010/main" w="9525">
                     <a:solidFill>
                       <a:srgbClr val="000000"/>
                     </a:solidFill>
@@ -10027,7 +10027,7 @@
               </a:ln>
               <a:extLst>
                 <a:ext uri="{91240B29-F687-4f45-9708-019B960494DF}">
-                  <a14:hiddenLine xmlns:a14="http://schemas.microsoft.com/office/drawing/2010/main" xmlns="" w="9525">
+                  <a14:hiddenLine xmlns="" xmlns:a14="http://schemas.microsoft.com/office/drawing/2010/main" w="9525">
                     <a:solidFill>
                       <a:srgbClr val="000000"/>
                     </a:solidFill>
@@ -10089,7 +10089,7 @@
               </a:ln>
               <a:extLst>
                 <a:ext uri="{91240B29-F687-4f45-9708-019B960494DF}">
-                  <a14:hiddenLine xmlns:a14="http://schemas.microsoft.com/office/drawing/2010/main" xmlns="" w="9525">
+                  <a14:hiddenLine xmlns="" xmlns:a14="http://schemas.microsoft.com/office/drawing/2010/main" w="9525">
                     <a:solidFill>
                       <a:srgbClr val="000000"/>
                     </a:solidFill>
@@ -10179,7 +10179,7 @@
               </a:ln>
               <a:extLst>
                 <a:ext uri="{91240B29-F687-4f45-9708-019B960494DF}">
-                  <a14:hiddenLine xmlns:a14="http://schemas.microsoft.com/office/drawing/2010/main" xmlns="" w="9525">
+                  <a14:hiddenLine xmlns="" xmlns:a14="http://schemas.microsoft.com/office/drawing/2010/main" w="9525">
                     <a:solidFill>
                       <a:srgbClr val="000000"/>
                     </a:solidFill>
@@ -10213,7 +10213,7 @@
               </a:ln>
               <a:extLst>
                 <a:ext uri="{91240B29-F687-4f45-9708-019B960494DF}">
-                  <a14:hiddenLine xmlns:a14="http://schemas.microsoft.com/office/drawing/2010/main" xmlns="" w="9525">
+                  <a14:hiddenLine xmlns="" xmlns:a14="http://schemas.microsoft.com/office/drawing/2010/main" w="9525">
                     <a:solidFill>
                       <a:srgbClr val="000000"/>
                     </a:solidFill>
@@ -10278,7 +10278,7 @@
               </a:ln>
               <a:extLst>
                 <a:ext uri="{91240B29-F687-4f45-9708-019B960494DF}">
-                  <a14:hiddenLine xmlns:a14="http://schemas.microsoft.com/office/drawing/2010/main" xmlns="" w="9525">
+                  <a14:hiddenLine xmlns="" xmlns:a14="http://schemas.microsoft.com/office/drawing/2010/main" w="9525">
                     <a:solidFill>
                       <a:srgbClr val="000000"/>
                     </a:solidFill>
@@ -10368,7 +10368,7 @@
               </a:ln>
               <a:extLst>
                 <a:ext uri="{91240B29-F687-4f45-9708-019B960494DF}">
-                  <a14:hiddenLine xmlns:a14="http://schemas.microsoft.com/office/drawing/2010/main" xmlns="" w="9525">
+                  <a14:hiddenLine xmlns="" xmlns:a14="http://schemas.microsoft.com/office/drawing/2010/main" w="9525">
                     <a:solidFill>
                       <a:srgbClr val="000000"/>
                     </a:solidFill>
@@ -10430,7 +10430,7 @@
               </a:ln>
               <a:extLst>
                 <a:ext uri="{91240B29-F687-4f45-9708-019B960494DF}">
-                  <a14:hiddenLine xmlns:a14="http://schemas.microsoft.com/office/drawing/2010/main" xmlns="" w="9525">
+                  <a14:hiddenLine xmlns="" xmlns:a14="http://schemas.microsoft.com/office/drawing/2010/main" w="9525">
                     <a:solidFill>
                       <a:srgbClr val="000000"/>
                     </a:solidFill>
@@ -10520,7 +10520,7 @@
               </a:ln>
               <a:extLst>
                 <a:ext uri="{91240B29-F687-4f45-9708-019B960494DF}">
-                  <a14:hiddenLine xmlns:a14="http://schemas.microsoft.com/office/drawing/2010/main" xmlns="" w="9525">
+                  <a14:hiddenLine xmlns="" xmlns:a14="http://schemas.microsoft.com/office/drawing/2010/main" w="9525">
                     <a:solidFill>
                       <a:srgbClr val="000000"/>
                     </a:solidFill>
@@ -10585,7 +10585,7 @@
               </a:ln>
               <a:extLst>
                 <a:ext uri="{91240B29-F687-4f45-9708-019B960494DF}">
-                  <a14:hiddenLine xmlns:a14="http://schemas.microsoft.com/office/drawing/2010/main" xmlns="" w="9525">
+                  <a14:hiddenLine xmlns="" xmlns:a14="http://schemas.microsoft.com/office/drawing/2010/main" w="9525">
                     <a:solidFill>
                       <a:srgbClr val="000000"/>
                     </a:solidFill>
@@ -10647,7 +10647,7 @@
               </a:ln>
               <a:extLst>
                 <a:ext uri="{91240B29-F687-4f45-9708-019B960494DF}">
-                  <a14:hiddenLine xmlns:a14="http://schemas.microsoft.com/office/drawing/2010/main" xmlns="" w="9525">
+                  <a14:hiddenLine xmlns="" xmlns:a14="http://schemas.microsoft.com/office/drawing/2010/main" w="9525">
                     <a:solidFill>
                       <a:srgbClr val="000000"/>
                     </a:solidFill>
@@ -10737,7 +10737,7 @@
               </a:ln>
               <a:extLst>
                 <a:ext uri="{91240B29-F687-4f45-9708-019B960494DF}">
-                  <a14:hiddenLine xmlns:a14="http://schemas.microsoft.com/office/drawing/2010/main" xmlns="" w="9525">
+                  <a14:hiddenLine xmlns="" xmlns:a14="http://schemas.microsoft.com/office/drawing/2010/main" w="9525">
                     <a:solidFill>
                       <a:srgbClr val="000000"/>
                     </a:solidFill>
@@ -10827,7 +10827,7 @@
               </a:ln>
               <a:extLst>
                 <a:ext uri="{91240B29-F687-4f45-9708-019B960494DF}">
-                  <a14:hiddenLine xmlns:a14="http://schemas.microsoft.com/office/drawing/2010/main" xmlns="" w="9525">
+                  <a14:hiddenLine xmlns="" xmlns:a14="http://schemas.microsoft.com/office/drawing/2010/main" w="9525">
                     <a:solidFill>
                       <a:srgbClr val="000000"/>
                     </a:solidFill>
@@ -10892,7 +10892,7 @@
               </a:ln>
               <a:extLst>
                 <a:ext uri="{91240B29-F687-4f45-9708-019B960494DF}">
-                  <a14:hiddenLine xmlns:a14="http://schemas.microsoft.com/office/drawing/2010/main" xmlns="" w="9525">
+                  <a14:hiddenLine xmlns="" xmlns:a14="http://schemas.microsoft.com/office/drawing/2010/main" w="9525">
                     <a:solidFill>
                       <a:srgbClr val="000000"/>
                     </a:solidFill>
@@ -11012,7 +11012,7 @@
               </a:ln>
               <a:extLst>
                 <a:ext uri="{91240B29-F687-4f45-9708-019B960494DF}">
-                  <a14:hiddenLine xmlns:a14="http://schemas.microsoft.com/office/drawing/2010/main" xmlns="" w="9525">
+                  <a14:hiddenLine xmlns="" xmlns:a14="http://schemas.microsoft.com/office/drawing/2010/main" w="9525">
                     <a:solidFill>
                       <a:srgbClr val="000000"/>
                     </a:solidFill>
@@ -11093,7 +11093,7 @@
               </a:ln>
               <a:extLst>
                 <a:ext uri="{91240B29-F687-4f45-9708-019B960494DF}">
-                  <a14:hiddenLine xmlns:a14="http://schemas.microsoft.com/office/drawing/2010/main" xmlns="" w="9525">
+                  <a14:hiddenLine xmlns="" xmlns:a14="http://schemas.microsoft.com/office/drawing/2010/main" w="9525">
                     <a:solidFill>
                       <a:srgbClr val="000000"/>
                     </a:solidFill>
@@ -11208,7 +11208,7 @@
               </a:ln>
               <a:extLst>
                 <a:ext uri="{91240B29-F687-4f45-9708-019B960494DF}">
-                  <a14:hiddenLine xmlns:a14="http://schemas.microsoft.com/office/drawing/2010/main" xmlns="" w="9525">
+                  <a14:hiddenLine xmlns="" xmlns:a14="http://schemas.microsoft.com/office/drawing/2010/main" w="9525">
                     <a:solidFill>
                       <a:srgbClr val="000000"/>
                     </a:solidFill>
@@ -11298,7 +11298,7 @@
               </a:ln>
               <a:extLst>
                 <a:ext uri="{91240B29-F687-4f45-9708-019B960494DF}">
-                  <a14:hiddenLine xmlns:a14="http://schemas.microsoft.com/office/drawing/2010/main" xmlns="" w="9525">
+                  <a14:hiddenLine xmlns="" xmlns:a14="http://schemas.microsoft.com/office/drawing/2010/main" w="9525">
                     <a:solidFill>
                       <a:srgbClr val="000000"/>
                     </a:solidFill>
@@ -11363,7 +11363,7 @@
               </a:ln>
               <a:extLst>
                 <a:ext uri="{91240B29-F687-4f45-9708-019B960494DF}">
-                  <a14:hiddenLine xmlns:a14="http://schemas.microsoft.com/office/drawing/2010/main" xmlns="" w="9525">
+                  <a14:hiddenLine xmlns="" xmlns:a14="http://schemas.microsoft.com/office/drawing/2010/main" w="9525">
                     <a:solidFill>
                       <a:srgbClr val="000000"/>
                     </a:solidFill>
@@ -11453,7 +11453,7 @@
               </a:ln>
               <a:extLst>
                 <a:ext uri="{91240B29-F687-4f45-9708-019B960494DF}">
-                  <a14:hiddenLine xmlns:a14="http://schemas.microsoft.com/office/drawing/2010/main" xmlns="" w="9525">
+                  <a14:hiddenLine xmlns="" xmlns:a14="http://schemas.microsoft.com/office/drawing/2010/main" w="9525">
                     <a:solidFill>
                       <a:srgbClr val="000000"/>
                     </a:solidFill>
@@ -11521,7 +11521,7 @@
               </a:ln>
               <a:extLst>
                 <a:ext uri="{91240B29-F687-4f45-9708-019B960494DF}">
-                  <a14:hiddenLine xmlns:a14="http://schemas.microsoft.com/office/drawing/2010/main" xmlns="" w="9525">
+                  <a14:hiddenLine xmlns="" xmlns:a14="http://schemas.microsoft.com/office/drawing/2010/main" w="9525">
                     <a:solidFill>
                       <a:srgbClr val="000000"/>
                     </a:solidFill>
@@ -11611,7 +11611,7 @@
               </a:ln>
               <a:extLst>
                 <a:ext uri="{91240B29-F687-4f45-9708-019B960494DF}">
-                  <a14:hiddenLine xmlns:a14="http://schemas.microsoft.com/office/drawing/2010/main" xmlns="" w="9525">
+                  <a14:hiddenLine xmlns="" xmlns:a14="http://schemas.microsoft.com/office/drawing/2010/main" w="9525">
                     <a:solidFill>
                       <a:srgbClr val="000000"/>
                     </a:solidFill>
@@ -11679,7 +11679,7 @@
               </a:ln>
               <a:extLst>
                 <a:ext uri="{91240B29-F687-4f45-9708-019B960494DF}">
-                  <a14:hiddenLine xmlns:a14="http://schemas.microsoft.com/office/drawing/2010/main" xmlns="" w="9525">
+                  <a14:hiddenLine xmlns="" xmlns:a14="http://schemas.microsoft.com/office/drawing/2010/main" w="9525">
                     <a:solidFill>
                       <a:srgbClr val="000000"/>
                     </a:solidFill>
@@ -11769,7 +11769,7 @@
               </a:ln>
               <a:extLst>
                 <a:ext uri="{91240B29-F687-4f45-9708-019B960494DF}">
-                  <a14:hiddenLine xmlns:a14="http://schemas.microsoft.com/office/drawing/2010/main" xmlns="" w="9525">
+                  <a14:hiddenLine xmlns="" xmlns:a14="http://schemas.microsoft.com/office/drawing/2010/main" w="9525">
                     <a:solidFill>
                       <a:srgbClr val="000000"/>
                     </a:solidFill>
@@ -11803,7 +11803,7 @@
               </a:ln>
               <a:extLst>
                 <a:ext uri="{91240B29-F687-4f45-9708-019B960494DF}">
-                  <a14:hiddenLine xmlns:a14="http://schemas.microsoft.com/office/drawing/2010/main" xmlns="" w="9525">
+                  <a14:hiddenLine xmlns="" xmlns:a14="http://schemas.microsoft.com/office/drawing/2010/main" w="9525">
                     <a:solidFill>
                       <a:srgbClr val="000000"/>
                     </a:solidFill>
@@ -12718,7 +12718,7 @@
         </p:spPr>
         <p:txBody>
           <a:bodyPr>
-            <a:normAutofit fontScale="85000" lnSpcReduction="20000"/>
+            <a:normAutofit fontScale="70000" lnSpcReduction="20000"/>
           </a:bodyPr>
           <a:lstStyle/>
           <a:p>
@@ -12804,7 +12804,7 @@
                 <a:effectLst/>
                 <a:latin typeface="-apple-system"/>
               </a:rPr>
-              <a:t>**5h13m**</a:t>
+              <a:t>**5h13m** (with unit tests removed)</a:t>
             </a:r>
           </a:p>
           <a:p>
@@ -12846,7 +12846,7 @@
                 <a:effectLst/>
                 <a:latin typeface="-apple-system"/>
               </a:rPr>
-              <a:t>**0.4%**</a:t>
+              <a:t>**0.4%** (with unit tests removed)</a:t>
             </a:r>
           </a:p>
           <a:p>
@@ -15400,7 +15400,17 @@
                 <a:effectLst/>
                 <a:latin typeface="-apple-system"/>
               </a:rPr>
-              <a:t>Coverage: 0%</a:t>
+              <a:t>Coverage: 0% </a:t>
+            </a:r>
+            <a:r>
+              <a:rPr lang="en-US" b="1" i="0" dirty="0">
+                <a:solidFill>
+                  <a:srgbClr val="FF0000"/>
+                </a:solidFill>
+                <a:effectLst/>
+                <a:latin typeface="-apple-system"/>
+              </a:rPr>
+              <a:t>(Could not get Sonarcloud to read the coverage – we estimated it to be around 60-65% based on the outputs of the testing)</a:t>
             </a:r>
           </a:p>
           <a:p>
